--- a/test.pptx
+++ b/test.pptx
@@ -16,14 +16,6 @@
     <p:sldId id="1128" r:id="rId14"/>
     <p:sldId id="1129" r:id="rId15"/>
     <p:sldId id="1130" r:id="rId16"/>
-    <p:sldId id="1131" r:id="rId17"/>
-    <p:sldId id="1132" r:id="rId18"/>
-    <p:sldId id="1133" r:id="rId19"/>
-    <p:sldId id="1134" r:id="rId20"/>
-    <p:sldId id="1135" r:id="rId21"/>
-    <p:sldId id="1136" r:id="rId22"/>
-    <p:sldId id="1137" r:id="rId23"/>
-    <p:sldId id="1138" r:id="rId24"/>
   </p:sldIdLst>
   <p:sldSz cx="9144000" cy="6858000" type="screen4x3"/>
   <p:notesSz cx="6858000" cy="9144000"/>
@@ -4967,12 +4959,12 @@
           <a:lstStyle/>
           <a:p>
             <a:pPr>
-              <a:defRPr sz="9600">
+              <a:defRPr sz="16100">
                 <a:latin typeface="Alégre Sans NC"/>
               </a:defRPr>
             </a:pPr>
             <a:r>
-              <a:t>Tonon-kiran'i Solomona </a:t>
+              <a:t>Salamo </a:t>
             </a:r>
           </a:p>
           <a:p>
@@ -4982,7 +4974,7 @@
               </a:defRPr>
             </a:pPr>
             <a:r>
-              <a:t>1 : 1 - 6</a:t>
+              <a:t>1 : 1 - 5</a:t>
             </a:r>
           </a:p>
         </p:txBody>
@@ -5032,12 +5024,12 @@
           <a:lstStyle/>
           <a:p>
             <a:pPr algn="ctr">
-              <a:defRPr sz="8000">
+              <a:defRPr sz="7200">
                 <a:latin typeface="Helvetica Inserat LT Std"/>
               </a:defRPr>
             </a:pPr>
             <a:r>
-              <a:t>5 Mivalomainty aho</a:t>
+              <a:t>5 Ary noho izany ny ratsy fanahy dia tsy hahajanona eo amin'ny fitsarana</a:t>
             </a:r>
           </a:p>
         </p:txBody>
@@ -5087,407 +5079,7 @@
               </a:defRPr>
             </a:pPr>
             <a:r>
-              <a:t> nefa tsara tarehy</a:t>
-            </a:r>
-          </a:p>
-        </p:txBody>
-      </p:sp>
-    </p:spTree>
-  </p:cSld>
-  <p:clrMapOvr>
-    <a:masterClrMapping/>
-  </p:clrMapOvr>
-</p:sld>
-</file>
-
-<file path=ppt/slides/slide12.xml><?xml version="1.0" encoding="utf-8"?>
-<p:sld xmlns:a="http://schemas.openxmlformats.org/drawingml/2006/main" xmlns:p="http://schemas.openxmlformats.org/presentationml/2006/main" xmlns:r="http://schemas.openxmlformats.org/officeDocument/2006/relationships">
-  <p:cSld>
-    <p:spTree>
-      <p:nvGrpSpPr>
-        <p:cNvPr id="1" name=""/>
-        <p:cNvGrpSpPr/>
-        <p:nvPr/>
-      </p:nvGrpSpPr>
-      <p:grpSpPr/>
-      <p:sp>
-        <p:nvSpPr>
-          <p:cNvPr id="2" name="Title 1"/>
-          <p:cNvSpPr>
-            <a:spLocks noGrp="1"/>
-          </p:cNvSpPr>
-          <p:nvPr>
-            <p:ph type="title"/>
-          </p:nvPr>
-        </p:nvSpPr>
-        <p:spPr>
-          <a:xfrm>
-            <a:ext cx="9144000" cy="2084831"/>
-          </a:xfrm>
-        </p:spPr>
-        <p:txBody>
-          <a:bodyPr bIns="-4663440">
-            <a:spAutoFit/>
-          </a:bodyPr>
-          <a:lstStyle/>
-          <a:p>
-            <a:pPr algn="ctr">
-              <a:defRPr sz="8000">
-                <a:latin typeface="Helvetica Inserat LT Std"/>
-              </a:defRPr>
-            </a:pPr>
-            <a:r>
-              <a:t> ry zanakavavin'i Jerosalema</a:t>
-            </a:r>
-          </a:p>
-        </p:txBody>
-      </p:sp>
-    </p:spTree>
-  </p:cSld>
-  <p:clrMapOvr>
-    <a:masterClrMapping/>
-  </p:clrMapOvr>
-</p:sld>
-</file>
-
-<file path=ppt/slides/slide13.xml><?xml version="1.0" encoding="utf-8"?>
-<p:sld xmlns:a="http://schemas.openxmlformats.org/drawingml/2006/main" xmlns:p="http://schemas.openxmlformats.org/presentationml/2006/main" xmlns:r="http://schemas.openxmlformats.org/officeDocument/2006/relationships">
-  <p:cSld>
-    <p:spTree>
-      <p:nvGrpSpPr>
-        <p:cNvPr id="1" name=""/>
-        <p:cNvGrpSpPr/>
-        <p:nvPr/>
-      </p:nvGrpSpPr>
-      <p:grpSpPr/>
-      <p:sp>
-        <p:nvSpPr>
-          <p:cNvPr id="2" name="Title 1"/>
-          <p:cNvSpPr>
-            <a:spLocks noGrp="1"/>
-          </p:cNvSpPr>
-          <p:nvPr>
-            <p:ph type="title"/>
-          </p:nvPr>
-        </p:nvSpPr>
-        <p:spPr>
-          <a:xfrm>
-            <a:ext cx="9144000" cy="2084831"/>
-          </a:xfrm>
-        </p:spPr>
-        <p:txBody>
-          <a:bodyPr bIns="-4663440">
-            <a:spAutoFit/>
-          </a:bodyPr>
-          <a:lstStyle/>
-          <a:p>
-            <a:pPr algn="ctr">
-              <a:defRPr sz="8000">
-                <a:latin typeface="Helvetica Inserat LT Std"/>
-              </a:defRPr>
-            </a:pPr>
-            <a:r>
-              <a:t> toy ny lain'i Kedara</a:t>
-            </a:r>
-          </a:p>
-        </p:txBody>
-      </p:sp>
-    </p:spTree>
-  </p:cSld>
-  <p:clrMapOvr>
-    <a:masterClrMapping/>
-  </p:clrMapOvr>
-</p:sld>
-</file>
-
-<file path=ppt/slides/slide14.xml><?xml version="1.0" encoding="utf-8"?>
-<p:sld xmlns:a="http://schemas.openxmlformats.org/drawingml/2006/main" xmlns:p="http://schemas.openxmlformats.org/presentationml/2006/main" xmlns:r="http://schemas.openxmlformats.org/officeDocument/2006/relationships">
-  <p:cSld>
-    <p:spTree>
-      <p:nvGrpSpPr>
-        <p:cNvPr id="1" name=""/>
-        <p:cNvGrpSpPr/>
-        <p:nvPr/>
-      </p:nvGrpSpPr>
-      <p:grpSpPr/>
-      <p:sp>
-        <p:nvSpPr>
-          <p:cNvPr id="2" name="Title 1"/>
-          <p:cNvSpPr>
-            <a:spLocks noGrp="1"/>
-          </p:cNvSpPr>
-          <p:nvPr>
-            <p:ph type="title"/>
-          </p:nvPr>
-        </p:nvSpPr>
-        <p:spPr>
-          <a:xfrm>
-            <a:ext cx="9144000" cy="2084831"/>
-          </a:xfrm>
-        </p:spPr>
-        <p:txBody>
-          <a:bodyPr bIns="-4663440">
-            <a:spAutoFit/>
-          </a:bodyPr>
-          <a:lstStyle/>
-          <a:p>
-            <a:pPr algn="ctr">
-              <a:defRPr sz="8000">
-                <a:latin typeface="Helvetica Inserat LT Std"/>
-              </a:defRPr>
-            </a:pPr>
-            <a:r>
-              <a:t> toy ny ambain-dain'i Solomona.</a:t>
-            </a:r>
-          </a:p>
-        </p:txBody>
-      </p:sp>
-    </p:spTree>
-  </p:cSld>
-  <p:clrMapOvr>
-    <a:masterClrMapping/>
-  </p:clrMapOvr>
-</p:sld>
-</file>
-
-<file path=ppt/slides/slide15.xml><?xml version="1.0" encoding="utf-8"?>
-<p:sld xmlns:a="http://schemas.openxmlformats.org/drawingml/2006/main" xmlns:p="http://schemas.openxmlformats.org/presentationml/2006/main" xmlns:r="http://schemas.openxmlformats.org/officeDocument/2006/relationships">
-  <p:cSld>
-    <p:spTree>
-      <p:nvGrpSpPr>
-        <p:cNvPr id="1" name=""/>
-        <p:cNvGrpSpPr/>
-        <p:nvPr/>
-      </p:nvGrpSpPr>
-      <p:grpSpPr/>
-      <p:sp>
-        <p:nvSpPr>
-          <p:cNvPr id="2" name="Title 1"/>
-          <p:cNvSpPr>
-            <a:spLocks noGrp="1"/>
-          </p:cNvSpPr>
-          <p:nvPr>
-            <p:ph type="title"/>
-          </p:nvPr>
-        </p:nvSpPr>
-        <p:spPr>
-          <a:xfrm>
-            <a:ext cx="9144000" cy="2084831"/>
-          </a:xfrm>
-        </p:spPr>
-        <p:txBody>
-          <a:bodyPr bIns="-4663440">
-            <a:spAutoFit/>
-          </a:bodyPr>
-          <a:lstStyle/>
-          <a:p>
-            <a:pPr algn="ctr">
-              <a:defRPr sz="8000">
-                <a:latin typeface="Helvetica Inserat LT Std"/>
-              </a:defRPr>
-            </a:pPr>
-            <a:r>
-              <a:t>6 Aza mibanjina ahy</a:t>
-            </a:r>
-          </a:p>
-        </p:txBody>
-      </p:sp>
-    </p:spTree>
-  </p:cSld>
-  <p:clrMapOvr>
-    <a:masterClrMapping/>
-  </p:clrMapOvr>
-</p:sld>
-</file>
-
-<file path=ppt/slides/slide16.xml><?xml version="1.0" encoding="utf-8"?>
-<p:sld xmlns:a="http://schemas.openxmlformats.org/drawingml/2006/main" xmlns:p="http://schemas.openxmlformats.org/presentationml/2006/main" xmlns:r="http://schemas.openxmlformats.org/officeDocument/2006/relationships">
-  <p:cSld>
-    <p:spTree>
-      <p:nvGrpSpPr>
-        <p:cNvPr id="1" name=""/>
-        <p:cNvGrpSpPr/>
-        <p:nvPr/>
-      </p:nvGrpSpPr>
-      <p:grpSpPr/>
-      <p:sp>
-        <p:nvSpPr>
-          <p:cNvPr id="2" name="Title 1"/>
-          <p:cNvSpPr>
-            <a:spLocks noGrp="1"/>
-          </p:cNvSpPr>
-          <p:nvPr>
-            <p:ph type="title"/>
-          </p:nvPr>
-        </p:nvSpPr>
-        <p:spPr>
-          <a:xfrm>
-            <a:ext cx="9144000" cy="2084831"/>
-          </a:xfrm>
-        </p:spPr>
-        <p:txBody>
-          <a:bodyPr bIns="-4663440">
-            <a:spAutoFit/>
-          </a:bodyPr>
-          <a:lstStyle/>
-          <a:p>
-            <a:pPr algn="ctr">
-              <a:defRPr sz="8000">
-                <a:latin typeface="Helvetica Inserat LT Std"/>
-              </a:defRPr>
-            </a:pPr>
-            <a:r>
-              <a:t> fa mivalomainty aho</a:t>
-            </a:r>
-          </a:p>
-        </p:txBody>
-      </p:sp>
-    </p:spTree>
-  </p:cSld>
-  <p:clrMapOvr>
-    <a:masterClrMapping/>
-  </p:clrMapOvr>
-</p:sld>
-</file>
-
-<file path=ppt/slides/slide17.xml><?xml version="1.0" encoding="utf-8"?>
-<p:sld xmlns:a="http://schemas.openxmlformats.org/drawingml/2006/main" xmlns:p="http://schemas.openxmlformats.org/presentationml/2006/main" xmlns:r="http://schemas.openxmlformats.org/officeDocument/2006/relationships">
-  <p:cSld>
-    <p:spTree>
-      <p:nvGrpSpPr>
-        <p:cNvPr id="1" name=""/>
-        <p:cNvGrpSpPr/>
-        <p:nvPr/>
-      </p:nvGrpSpPr>
-      <p:grpSpPr/>
-      <p:sp>
-        <p:nvSpPr>
-          <p:cNvPr id="2" name="Title 1"/>
-          <p:cNvSpPr>
-            <a:spLocks noGrp="1"/>
-          </p:cNvSpPr>
-          <p:nvPr>
-            <p:ph type="title"/>
-          </p:nvPr>
-        </p:nvSpPr>
-        <p:spPr>
-          <a:xfrm>
-            <a:ext cx="9144000" cy="2084831"/>
-          </a:xfrm>
-        </p:spPr>
-        <p:txBody>
-          <a:bodyPr bIns="-4663440">
-            <a:spAutoFit/>
-          </a:bodyPr>
-          <a:lstStyle/>
-          <a:p>
-            <a:pPr algn="ctr">
-              <a:defRPr sz="8000">
-                <a:latin typeface="Helvetica Inserat LT Std"/>
-              </a:defRPr>
-            </a:pPr>
-            <a:r>
-              <a:t> satria efa azon'ny hainandro; Tezitra tamiko ny zanak'ineny; Notendreny ho mpiandry ny tanim-boalobony aho; Nefa ny tanim-boaloboko kosa</a:t>
-            </a:r>
-          </a:p>
-        </p:txBody>
-      </p:sp>
-    </p:spTree>
-  </p:cSld>
-  <p:clrMapOvr>
-    <a:masterClrMapping/>
-  </p:clrMapOvr>
-</p:sld>
-</file>
-
-<file path=ppt/slides/slide18.xml><?xml version="1.0" encoding="utf-8"?>
-<p:sld xmlns:a="http://schemas.openxmlformats.org/drawingml/2006/main" xmlns:p="http://schemas.openxmlformats.org/presentationml/2006/main" xmlns:r="http://schemas.openxmlformats.org/officeDocument/2006/relationships">
-  <p:cSld>
-    <p:spTree>
-      <p:nvGrpSpPr>
-        <p:cNvPr id="1" name=""/>
-        <p:cNvGrpSpPr/>
-        <p:nvPr/>
-      </p:nvGrpSpPr>
-      <p:grpSpPr/>
-      <p:sp>
-        <p:nvSpPr>
-          <p:cNvPr id="2" name="Title 1"/>
-          <p:cNvSpPr>
-            <a:spLocks noGrp="1"/>
-          </p:cNvSpPr>
-          <p:nvPr>
-            <p:ph type="title"/>
-          </p:nvPr>
-        </p:nvSpPr>
-        <p:spPr>
-          <a:xfrm>
-            <a:ext cx="9144000" cy="2084831"/>
-          </a:xfrm>
-        </p:spPr>
-        <p:txBody>
-          <a:bodyPr bIns="-4663440">
-            <a:spAutoFit/>
-          </a:bodyPr>
-          <a:lstStyle/>
-          <a:p>
-            <a:pPr algn="ctr">
-              <a:defRPr sz="8000">
-                <a:latin typeface="Helvetica Inserat LT Std"/>
-              </a:defRPr>
-            </a:pPr>
-            <a:r>
-              <a:t> dia ny an'ny tenako</a:t>
-            </a:r>
-          </a:p>
-        </p:txBody>
-      </p:sp>
-    </p:spTree>
-  </p:cSld>
-  <p:clrMapOvr>
-    <a:masterClrMapping/>
-  </p:clrMapOvr>
-</p:sld>
-</file>
-
-<file path=ppt/slides/slide19.xml><?xml version="1.0" encoding="utf-8"?>
-<p:sld xmlns:a="http://schemas.openxmlformats.org/drawingml/2006/main" xmlns:p="http://schemas.openxmlformats.org/presentationml/2006/main" xmlns:r="http://schemas.openxmlformats.org/officeDocument/2006/relationships">
-  <p:cSld>
-    <p:spTree>
-      <p:nvGrpSpPr>
-        <p:cNvPr id="1" name=""/>
-        <p:cNvGrpSpPr/>
-        <p:nvPr/>
-      </p:nvGrpSpPr>
-      <p:grpSpPr/>
-      <p:sp>
-        <p:nvSpPr>
-          <p:cNvPr id="2" name="Title 1"/>
-          <p:cNvSpPr>
-            <a:spLocks noGrp="1"/>
-          </p:cNvSpPr>
-          <p:nvPr>
-            <p:ph type="title"/>
-          </p:nvPr>
-        </p:nvSpPr>
-        <p:spPr>
-          <a:xfrm>
-            <a:ext cx="9144000" cy="2084831"/>
-          </a:xfrm>
-        </p:spPr>
-        <p:txBody>
-          <a:bodyPr bIns="-4663440">
-            <a:spAutoFit/>
-          </a:bodyPr>
-          <a:lstStyle/>
-          <a:p>
-            <a:pPr algn="ctr">
-              <a:defRPr sz="8000">
-                <a:latin typeface="Helvetica Inserat LT Std"/>
-              </a:defRPr>
-            </a:pPr>
-            <a:r>
-              <a:t> tsy mba nandrasako.</a:t>
+              <a:t> na ny mpanota eo amin'ny fiangonan'ny marina.</a:t>
             </a:r>
           </a:p>
         </p:txBody>
@@ -5537,7 +5129,7 @@
               </a:defRPr>
             </a:pPr>
             <a:r>
-              <a:t>1 Ny tonon-kira tsara indrindra, izay nataon'i Solomona.</a:t>
+              <a:t>1 Sambatra ny olona izay tsy mandeha eo amin'ny fisainan'ny ratsy fanahy</a:t>
             </a:r>
           </a:p>
         </p:txBody>
@@ -5587,7 +5179,7 @@
               </a:defRPr>
             </a:pPr>
             <a:r>
-              <a:t>2 Enga anie ka hanoroka ahy amin'ny fanorohan'ny vavany izy</a:t>
+              <a:t> ary tsy mijanona eo amin'ny lalana falehan'ny mpanota</a:t>
             </a:r>
           </a:p>
         </p:txBody>
@@ -5637,7 +5229,7 @@
               </a:defRPr>
             </a:pPr>
             <a:r>
-              <a:t> Fa tsara noho ny divay ny fitiavanao.</a:t>
+              <a:t> ary tsy mipetraka eo amin'ny fipetrahan'ny mpaniratsira;</a:t>
             </a:r>
           </a:p>
         </p:txBody>
@@ -5687,7 +5279,7 @@
               </a:defRPr>
             </a:pPr>
             <a:r>
-              <a:t>3 Mani-pofona ny menakao tsara</a:t>
+              <a:t>2 Fa ny lalàn'i Jehovah no sitrany; eny ny lalàny no saintsaininy andro aman'alina.</a:t>
             </a:r>
           </a:p>
         </p:txBody>
@@ -5737,7 +5329,7 @@
               </a:defRPr>
             </a:pPr>
             <a:r>
-              <a:t> menaka manitra voaidina ny anaranao</a:t>
+              <a:t>3 Dia tahaka ny hazo ambolena eo amoron'ny rano velona izy</a:t>
             </a:r>
           </a:p>
         </p:txBody>
@@ -5787,7 +5379,7 @@
               </a:defRPr>
             </a:pPr>
             <a:r>
-              <a:t> koa izany no itiavan'ny zatovovavy anao.</a:t>
+              <a:t> izay mamoa amin'ny fotoany</a:t>
             </a:r>
           </a:p>
         </p:txBody>
@@ -5837,7 +5429,7 @@
               </a:defRPr>
             </a:pPr>
             <a:r>
-              <a:t>4 Taomy aho</a:t>
+              <a:t> ny raviny koa tsy mba malazo; ary ny asany rehetra dia ataony lavorary avokoa.</a:t>
             </a:r>
           </a:p>
         </p:txBody>
@@ -5887,7 +5479,7 @@
               </a:defRPr>
             </a:pPr>
             <a:r>
-              <a:t> dia hihazakazaka hanaraka anao izahay; Nentin'ny mpanjaka ho ao an-efi-tranony aho. Hifaly sy hiravoravo aminao izahay; Hankalazainay mihoatra noho ny divay ny fitiavanao; Fitiavana marina no itiavany anao.</a:t>
+              <a:t>4 Fa tsy mba toy izany ny ratsy fanahy fa toy ny akofa aelin'ny rivotra izy.</a:t>
             </a:r>
           </a:p>
         </p:txBody>

--- a/test.pptx
+++ b/test.pptx
@@ -16,6 +16,7 @@
     <p:sldId id="1128" r:id="rId14"/>
     <p:sldId id="1129" r:id="rId15"/>
     <p:sldId id="1130" r:id="rId16"/>
+    <p:sldId id="1131" r:id="rId17"/>
   </p:sldIdLst>
   <p:sldSz cx="9144000" cy="6858000" type="screen4x3"/>
   <p:notesSz cx="6858000" cy="9144000"/>
@@ -313,7 +314,7 @@
                 <a:tabLst/>
                 <a:defRPr/>
               </a:pPr>
-              <a:t>20/03/2022</a:t>
+              <a:t>05/11/2023</a:t>
             </a:fld>
             <a:endParaRPr kumimoji="0" lang="fr-FR" sz="1200" b="0" i="0" u="none" strike="noStrike" kern="1200" cap="none" spc="0" normalizeH="0" baseline="0" noProof="0">
               <a:ln>
@@ -451,7 +452,7 @@
                 <a:tabLst/>
                 <a:defRPr/>
               </a:pPr>
-              <a:t>‹#›</a:t>
+              <a:t>‹N°›</a:t>
             </a:fld>
             <a:endParaRPr kumimoji="0" lang="fr-FR" sz="1200" b="0" i="0" u="none" strike="noStrike" kern="1200" cap="none" spc="0" normalizeH="0" baseline="0" noProof="0">
               <a:ln>
@@ -643,7 +644,7 @@
                 <a:tabLst/>
                 <a:defRPr/>
               </a:pPr>
-              <a:t>20/03/2022</a:t>
+              <a:t>05/11/2023</a:t>
             </a:fld>
             <a:endParaRPr kumimoji="0" lang="fr-FR" sz="1200" b="0" i="0" u="none" strike="noStrike" kern="1200" cap="none" spc="0" normalizeH="0" baseline="0" noProof="0">
               <a:ln>
@@ -781,7 +782,7 @@
                 <a:tabLst/>
                 <a:defRPr/>
               </a:pPr>
-              <a:t>‹#›</a:t>
+              <a:t>‹N°›</a:t>
             </a:fld>
             <a:endParaRPr kumimoji="0" lang="fr-FR" sz="1200" b="0" i="0" u="none" strike="noStrike" kern="1200" cap="none" spc="0" normalizeH="0" baseline="0" noProof="0">
               <a:ln>
@@ -983,7 +984,7 @@
                 <a:tabLst/>
                 <a:defRPr/>
               </a:pPr>
-              <a:t>20/03/2022</a:t>
+              <a:t>05/11/2023</a:t>
             </a:fld>
             <a:endParaRPr kumimoji="0" lang="fr-FR" sz="1200" b="0" i="0" u="none" strike="noStrike" kern="1200" cap="none" spc="0" normalizeH="0" baseline="0" noProof="0">
               <a:ln>
@@ -1121,7 +1122,7 @@
                 <a:tabLst/>
                 <a:defRPr/>
               </a:pPr>
-              <a:t>‹#›</a:t>
+              <a:t>‹N°›</a:t>
             </a:fld>
             <a:endParaRPr kumimoji="0" lang="fr-FR" sz="1200" b="0" i="0" u="none" strike="noStrike" kern="1200" cap="none" spc="0" normalizeH="0" baseline="0" noProof="0">
               <a:ln>
@@ -1313,7 +1314,7 @@
                 <a:tabLst/>
                 <a:defRPr/>
               </a:pPr>
-              <a:t>20/03/2022</a:t>
+              <a:t>05/11/2023</a:t>
             </a:fld>
             <a:endParaRPr kumimoji="0" lang="fr-FR" sz="1200" b="0" i="0" u="none" strike="noStrike" kern="1200" cap="none" spc="0" normalizeH="0" baseline="0" noProof="0">
               <a:ln>
@@ -1451,7 +1452,7 @@
                 <a:tabLst/>
                 <a:defRPr/>
               </a:pPr>
-              <a:t>‹#›</a:t>
+              <a:t>‹N°›</a:t>
             </a:fld>
             <a:endParaRPr kumimoji="0" lang="fr-FR" sz="1200" b="0" i="0" u="none" strike="noStrike" kern="1200" cap="none" spc="0" normalizeH="0" baseline="0" noProof="0">
               <a:ln>
@@ -1717,7 +1718,7 @@
                 <a:tabLst/>
                 <a:defRPr/>
               </a:pPr>
-              <a:t>20/03/2022</a:t>
+              <a:t>05/11/2023</a:t>
             </a:fld>
             <a:endParaRPr kumimoji="0" lang="fr-FR" sz="1200" b="0" i="0" u="none" strike="noStrike" kern="1200" cap="none" spc="0" normalizeH="0" baseline="0" noProof="0">
               <a:ln>
@@ -1855,7 +1856,7 @@
                 <a:tabLst/>
                 <a:defRPr/>
               </a:pPr>
-              <a:t>‹#›</a:t>
+              <a:t>‹N°›</a:t>
             </a:fld>
             <a:endParaRPr kumimoji="0" lang="fr-FR" sz="1200" b="0" i="0" u="none" strike="noStrike" kern="1200" cap="none" spc="0" normalizeH="0" baseline="0" noProof="0">
               <a:ln>
@@ -2109,7 +2110,7 @@
                 <a:tabLst/>
                 <a:defRPr/>
               </a:pPr>
-              <a:t>20/03/2022</a:t>
+              <a:t>05/11/2023</a:t>
             </a:fld>
             <a:endParaRPr kumimoji="0" lang="fr-FR" sz="1200" b="0" i="0" u="none" strike="noStrike" kern="1200" cap="none" spc="0" normalizeH="0" baseline="0" noProof="0">
               <a:ln>
@@ -2247,7 +2248,7 @@
                 <a:tabLst/>
                 <a:defRPr/>
               </a:pPr>
-              <a:t>‹#›</a:t>
+              <a:t>‹N°›</a:t>
             </a:fld>
             <a:endParaRPr kumimoji="0" lang="fr-FR" sz="1200" b="0" i="0" u="none" strike="noStrike" kern="1200" cap="none" spc="0" normalizeH="0" baseline="0" noProof="0">
               <a:ln>
@@ -2636,7 +2637,7 @@
                 <a:tabLst/>
                 <a:defRPr/>
               </a:pPr>
-              <a:t>20/03/2022</a:t>
+              <a:t>05/11/2023</a:t>
             </a:fld>
             <a:endParaRPr kumimoji="0" lang="fr-FR" sz="1200" b="0" i="0" u="none" strike="noStrike" kern="1200" cap="none" spc="0" normalizeH="0" baseline="0" noProof="0">
               <a:ln>
@@ -2774,7 +2775,7 @@
                 <a:tabLst/>
                 <a:defRPr/>
               </a:pPr>
-              <a:t>‹#›</a:t>
+              <a:t>‹N°›</a:t>
             </a:fld>
             <a:endParaRPr kumimoji="0" lang="fr-FR" sz="1200" b="0" i="0" u="none" strike="noStrike" kern="1200" cap="none" spc="0" normalizeH="0" baseline="0" noProof="0">
               <a:ln>
@@ -2914,7 +2915,7 @@
                 <a:tabLst/>
                 <a:defRPr/>
               </a:pPr>
-              <a:t>20/03/2022</a:t>
+              <a:t>05/11/2023</a:t>
             </a:fld>
             <a:endParaRPr kumimoji="0" lang="fr-FR" sz="1200" b="0" i="0" u="none" strike="noStrike" kern="1200" cap="none" spc="0" normalizeH="0" baseline="0" noProof="0">
               <a:ln>
@@ -3052,7 +3053,7 @@
                 <a:tabLst/>
                 <a:defRPr/>
               </a:pPr>
-              <a:t>‹#›</a:t>
+              <a:t>‹N°›</a:t>
             </a:fld>
             <a:endParaRPr kumimoji="0" lang="fr-FR" sz="1200" b="0" i="0" u="none" strike="noStrike" kern="1200" cap="none" spc="0" normalizeH="0" baseline="0" noProof="0">
               <a:ln>
@@ -3169,7 +3170,7 @@
                 <a:tabLst/>
                 <a:defRPr/>
               </a:pPr>
-              <a:t>20/03/2022</a:t>
+              <a:t>05/11/2023</a:t>
             </a:fld>
             <a:endParaRPr kumimoji="0" lang="fr-FR" sz="1200" b="0" i="0" u="none" strike="noStrike" kern="1200" cap="none" spc="0" normalizeH="0" baseline="0" noProof="0">
               <a:ln>
@@ -3307,7 +3308,7 @@
                 <a:tabLst/>
                 <a:defRPr/>
               </a:pPr>
-              <a:t>‹#›</a:t>
+              <a:t>‹N°›</a:t>
             </a:fld>
             <a:endParaRPr kumimoji="0" lang="fr-FR" sz="1200" b="0" i="0" u="none" strike="noStrike" kern="1200" cap="none" spc="0" normalizeH="0" baseline="0" noProof="0">
               <a:ln>
@@ -3606,7 +3607,7 @@
                 <a:tabLst/>
                 <a:defRPr/>
               </a:pPr>
-              <a:t>20/03/2022</a:t>
+              <a:t>05/11/2023</a:t>
             </a:fld>
             <a:endParaRPr kumimoji="0" lang="fr-FR" sz="1200" b="0" i="0" u="none" strike="noStrike" kern="1200" cap="none" spc="0" normalizeH="0" baseline="0" noProof="0">
               <a:ln>
@@ -3744,7 +3745,7 @@
                 <a:tabLst/>
                 <a:defRPr/>
               </a:pPr>
-              <a:t>‹#›</a:t>
+              <a:t>‹N°›</a:t>
             </a:fld>
             <a:endParaRPr kumimoji="0" lang="fr-FR" sz="1200" b="0" i="0" u="none" strike="noStrike" kern="1200" cap="none" spc="0" normalizeH="0" baseline="0" noProof="0">
               <a:ln>
@@ -4023,7 +4024,7 @@
                 <a:tabLst/>
                 <a:defRPr/>
               </a:pPr>
-              <a:t>20/03/2022</a:t>
+              <a:t>05/11/2023</a:t>
             </a:fld>
             <a:endParaRPr kumimoji="0" lang="fr-FR" sz="1200" b="0" i="0" u="none" strike="noStrike" kern="1200" cap="none" spc="0" normalizeH="0" baseline="0" noProof="0">
               <a:ln>
@@ -4161,7 +4162,7 @@
                 <a:tabLst/>
                 <a:defRPr/>
               </a:pPr>
-              <a:t>‹#›</a:t>
+              <a:t>‹N°›</a:t>
             </a:fld>
             <a:endParaRPr kumimoji="0" lang="fr-FR" sz="1200" b="0" i="0" u="none" strike="noStrike" kern="1200" cap="none" spc="0" normalizeH="0" baseline="0" noProof="0">
               <a:ln>
@@ -4406,7 +4407,7 @@
                 <a:tabLst/>
                 <a:defRPr/>
               </a:pPr>
-              <a:t>20/03/2022</a:t>
+              <a:t>05/11/2023</a:t>
             </a:fld>
             <a:endParaRPr kumimoji="0" lang="fr-FR" sz="1200" b="0" i="0" u="none" strike="noStrike" kern="1200" cap="none" spc="0" normalizeH="0" baseline="0" noProof="0">
               <a:ln>
@@ -4580,7 +4581,7 @@
                 <a:tabLst/>
                 <a:defRPr/>
               </a:pPr>
-              <a:t>‹#›</a:t>
+              <a:t>‹N°›</a:t>
             </a:fld>
             <a:endParaRPr kumimoji="0" lang="fr-FR" sz="1200" b="0" i="0" u="none" strike="noStrike" kern="1200" cap="none" spc="0" normalizeH="0" baseline="0" noProof="0">
               <a:ln>
@@ -4916,7 +4917,7 @@
           </a:blip>
           <a:srcRect/>
           <a:stretch>
-            <a:fillRect l="-20000" r="-30000"/>
+            <a:fillRect/>
           </a:stretch>
         </a:blipFill>
         <a:effectLst/>
@@ -4959,12 +4960,12 @@
           <a:lstStyle/>
           <a:p>
             <a:pPr>
-              <a:defRPr sz="16100">
+              <a:defRPr sz="13400">
                 <a:latin typeface="Alégre Sans NC"/>
               </a:defRPr>
             </a:pPr>
             <a:r>
-              <a:t>Salamo </a:t>
+              <a:t>Asan'ny Apostoly </a:t>
             </a:r>
           </a:p>
           <a:p>
@@ -5024,12 +5025,12 @@
           <a:lstStyle/>
           <a:p>
             <a:pPr algn="ctr">
-              <a:defRPr sz="7200">
+              <a:defRPr sz="8000">
                 <a:latin typeface="Helvetica Inserat LT Std"/>
               </a:defRPr>
             </a:pPr>
             <a:r>
-              <a:t>5 Ary noho izany ny ratsy fanahy dia tsy hahajanona eo amin'ny fitsarana</a:t>
+              <a:t> hoy Izy;</a:t>
             </a:r>
           </a:p>
         </p:txBody>
@@ -5079,7 +5080,57 @@
               </a:defRPr>
             </a:pPr>
             <a:r>
-              <a:t> na ny mpanota eo amin'ny fiangonan'ny marina.</a:t>
+              <a:t>5 fa Jaona nanao batisa tamin'ny rano; fa ianareo kosa hatao batisa amin'ny Fanahy Masina</a:t>
+            </a:r>
+          </a:p>
+        </p:txBody>
+      </p:sp>
+    </p:spTree>
+  </p:cSld>
+  <p:clrMapOvr>
+    <a:masterClrMapping/>
+  </p:clrMapOvr>
+</p:sld>
+</file>
+
+<file path=ppt/slides/slide12.xml><?xml version="1.0" encoding="utf-8"?>
+<p:sld xmlns:a="http://schemas.openxmlformats.org/drawingml/2006/main" xmlns:p="http://schemas.openxmlformats.org/presentationml/2006/main" xmlns:r="http://schemas.openxmlformats.org/officeDocument/2006/relationships">
+  <p:cSld>
+    <p:spTree>
+      <p:nvGrpSpPr>
+        <p:cNvPr id="1" name=""/>
+        <p:cNvGrpSpPr/>
+        <p:nvPr/>
+      </p:nvGrpSpPr>
+      <p:grpSpPr/>
+      <p:sp>
+        <p:nvSpPr>
+          <p:cNvPr id="2" name="Title 1"/>
+          <p:cNvSpPr>
+            <a:spLocks noGrp="1"/>
+          </p:cNvSpPr>
+          <p:nvPr>
+            <p:ph type="title"/>
+          </p:nvPr>
+        </p:nvSpPr>
+        <p:spPr>
+          <a:xfrm>
+            <a:ext cx="9144000" cy="2084831"/>
+          </a:xfrm>
+        </p:spPr>
+        <p:txBody>
+          <a:bodyPr bIns="-4663440">
+            <a:spAutoFit/>
+          </a:bodyPr>
+          <a:lstStyle/>
+          <a:p>
+            <a:pPr algn="ctr">
+              <a:defRPr sz="8000">
+                <a:latin typeface="Helvetica Inserat LT Std"/>
+              </a:defRPr>
+            </a:pPr>
+            <a:r>
+              <a:t> rehefa afaka andro vitsivitsy.</a:t>
             </a:r>
           </a:p>
         </p:txBody>
@@ -5129,7 +5180,7 @@
               </a:defRPr>
             </a:pPr>
             <a:r>
-              <a:t>1 Sambatra ny olona izay tsy mandeha eo amin'ny fisainan'ny ratsy fanahy</a:t>
+              <a:t>1 Ry Teofilo, ilay boky voalohany dia nosoratako ny amin'izay nataon'i Jesosy sy nampianariny,</a:t>
             </a:r>
           </a:p>
         </p:txBody>
@@ -5179,7 +5230,7 @@
               </a:defRPr>
             </a:pPr>
             <a:r>
-              <a:t> ary tsy mijanona eo amin'ny lalana falehan'ny mpanota</a:t>
+              <a:t>2 hatramin'ny andro nampiakarana Azy, rehefa nodidiany tamin'ny Fanahy Masina ny Apostoly izay nofidiny,</a:t>
             </a:r>
           </a:p>
         </p:txBody>
@@ -5229,7 +5280,7 @@
               </a:defRPr>
             </a:pPr>
             <a:r>
-              <a:t> ary tsy mipetraka eo amin'ny fipetrahan'ny mpaniratsira;</a:t>
+              <a:t>3 sady niseho koa tamin'ny famantarana maro taorian'ny nijaliany fa velona Izy</a:t>
             </a:r>
           </a:p>
         </p:txBody>
@@ -5279,7 +5330,7 @@
               </a:defRPr>
             </a:pPr>
             <a:r>
-              <a:t>2 Fa ny lalàn'i Jehovah no sitrany; eny ny lalàny no saintsaininy andro aman'alina.</a:t>
+              <a:t> ka niseho taminy efa-polo andro Izy ary nilaza ny amin'ny fanjakan'Andriamanitra.</a:t>
             </a:r>
           </a:p>
         </p:txBody>
@@ -5329,7 +5380,7 @@
               </a:defRPr>
             </a:pPr>
             <a:r>
-              <a:t>3 Dia tahaka ny hazo ambolena eo amoron'ny rano velona izy</a:t>
+              <a:t>4 Ary raha niara-niangona teo aminy Jesosy</a:t>
             </a:r>
           </a:p>
         </p:txBody>
@@ -5379,7 +5430,7 @@
               </a:defRPr>
             </a:pPr>
             <a:r>
-              <a:t> izay mamoa amin'ny fotoany</a:t>
+              <a:t> dia namepetra azy tsy hiala an'i Jerosalema</a:t>
             </a:r>
           </a:p>
         </p:txBody>
@@ -5429,7 +5480,7 @@
               </a:defRPr>
             </a:pPr>
             <a:r>
-              <a:t> ny raviny koa tsy mba malazo; ary ny asany rehetra dia ataony lavorary avokoa.</a:t>
+              <a:t> fa hiandry ny teny fikasan'ny Ray</a:t>
             </a:r>
           </a:p>
         </p:txBody>
@@ -5479,7 +5530,7 @@
               </a:defRPr>
             </a:pPr>
             <a:r>
-              <a:t>4 Fa tsy mba toy izany ny ratsy fanahy fa toy ny akofa aelin'ny rivotra izy.</a:t>
+              <a:t> izay efa renareo tamiko</a:t>
             </a:r>
           </a:p>
         </p:txBody>

--- a/test.pptx
+++ b/test.pptx
@@ -16,7 +16,6 @@
     <p:sldId id="1128" r:id="rId14"/>
     <p:sldId id="1129" r:id="rId15"/>
     <p:sldId id="1130" r:id="rId16"/>
-    <p:sldId id="1131" r:id="rId17"/>
   </p:sldIdLst>
   <p:sldSz cx="9144000" cy="6858000" type="screen4x3"/>
   <p:notesSz cx="6858000" cy="9144000"/>
@@ -4950,7 +4949,7 @@
         <p:spPr>
           <a:xfrm>
             <a:off x="0" y="0"/>
-            <a:ext cx="9144000" cy="4235824"/>
+            <a:ext cx="9144000" cy="4751816"/>
           </a:xfrm>
         </p:spPr>
         <p:txBody>
@@ -4960,17 +4959,26 @@
           <a:lstStyle/>
           <a:p>
             <a:pPr>
-              <a:defRPr sz="13400">
+              <a:lnSpc>
+                <a:spcPts val="1200"/>
+              </a:lnSpc>
+              <a:defRPr sz="18500">
+                <a:solidFill>
+                  <a:srgbClr val="FFFF00"/>
+                </a:solidFill>
                 <a:latin typeface="Alégre Sans NC"/>
               </a:defRPr>
             </a:pPr>
             <a:r>
-              <a:t>Asan'ny Apostoly </a:t>
+              <a:t>Salamo </a:t>
             </a:r>
           </a:p>
           <a:p>
             <a:pPr>
-              <a:defRPr sz="16100">
+              <a:defRPr sz="18500">
+                <a:solidFill>
+                  <a:srgbClr val="FFFF00"/>
+                </a:solidFill>
                 <a:latin typeface="Alégre Sans NC"/>
               </a:defRPr>
             </a:pPr>
@@ -5025,12 +5033,12 @@
           <a:lstStyle/>
           <a:p>
             <a:pPr algn="ctr">
-              <a:defRPr sz="8000">
+              <a:defRPr sz="7200">
                 <a:latin typeface="Helvetica Inserat LT Std"/>
               </a:defRPr>
             </a:pPr>
             <a:r>
-              <a:t> hoy Izy;</a:t>
+              <a:t>5 Ary noho izany ny ratsy fanahy dia tsy hahajanona eo amin'ny fitsarana</a:t>
             </a:r>
           </a:p>
         </p:txBody>
@@ -5080,57 +5088,7 @@
               </a:defRPr>
             </a:pPr>
             <a:r>
-              <a:t>5 fa Jaona nanao batisa tamin'ny rano; fa ianareo kosa hatao batisa amin'ny Fanahy Masina</a:t>
-            </a:r>
-          </a:p>
-        </p:txBody>
-      </p:sp>
-    </p:spTree>
-  </p:cSld>
-  <p:clrMapOvr>
-    <a:masterClrMapping/>
-  </p:clrMapOvr>
-</p:sld>
-</file>
-
-<file path=ppt/slides/slide12.xml><?xml version="1.0" encoding="utf-8"?>
-<p:sld xmlns:a="http://schemas.openxmlformats.org/drawingml/2006/main" xmlns:p="http://schemas.openxmlformats.org/presentationml/2006/main" xmlns:r="http://schemas.openxmlformats.org/officeDocument/2006/relationships">
-  <p:cSld>
-    <p:spTree>
-      <p:nvGrpSpPr>
-        <p:cNvPr id="1" name=""/>
-        <p:cNvGrpSpPr/>
-        <p:nvPr/>
-      </p:nvGrpSpPr>
-      <p:grpSpPr/>
-      <p:sp>
-        <p:nvSpPr>
-          <p:cNvPr id="2" name="Title 1"/>
-          <p:cNvSpPr>
-            <a:spLocks noGrp="1"/>
-          </p:cNvSpPr>
-          <p:nvPr>
-            <p:ph type="title"/>
-          </p:nvPr>
-        </p:nvSpPr>
-        <p:spPr>
-          <a:xfrm>
-            <a:ext cx="9144000" cy="2084831"/>
-          </a:xfrm>
-        </p:spPr>
-        <p:txBody>
-          <a:bodyPr bIns="-4663440">
-            <a:spAutoFit/>
-          </a:bodyPr>
-          <a:lstStyle/>
-          <a:p>
-            <a:pPr algn="ctr">
-              <a:defRPr sz="8000">
-                <a:latin typeface="Helvetica Inserat LT Std"/>
-              </a:defRPr>
-            </a:pPr>
-            <a:r>
-              <a:t> rehefa afaka andro vitsivitsy.</a:t>
+              <a:t> na ny mpanota eo amin'ny fiangonan'ny marina.</a:t>
             </a:r>
           </a:p>
         </p:txBody>
@@ -5180,7 +5138,7 @@
               </a:defRPr>
             </a:pPr>
             <a:r>
-              <a:t>1 Ry Teofilo, ilay boky voalohany dia nosoratako ny amin'izay nataon'i Jesosy sy nampianariny,</a:t>
+              <a:t>1 Sambatra ny olona izay tsy mandeha eo amin'ny fisainan'ny ratsy fanahy</a:t>
             </a:r>
           </a:p>
         </p:txBody>
@@ -5230,7 +5188,7 @@
               </a:defRPr>
             </a:pPr>
             <a:r>
-              <a:t>2 hatramin'ny andro nampiakarana Azy, rehefa nodidiany tamin'ny Fanahy Masina ny Apostoly izay nofidiny,</a:t>
+              <a:t> ary tsy mijanona eo amin'ny lalana falehan'ny mpanota</a:t>
             </a:r>
           </a:p>
         </p:txBody>
@@ -5280,7 +5238,7 @@
               </a:defRPr>
             </a:pPr>
             <a:r>
-              <a:t>3 sady niseho koa tamin'ny famantarana maro taorian'ny nijaliany fa velona Izy</a:t>
+              <a:t> ary tsy mipetraka eo amin'ny fipetrahan'ny mpaniratsira;</a:t>
             </a:r>
           </a:p>
         </p:txBody>
@@ -5330,7 +5288,7 @@
               </a:defRPr>
             </a:pPr>
             <a:r>
-              <a:t> ka niseho taminy efa-polo andro Izy ary nilaza ny amin'ny fanjakan'Andriamanitra.</a:t>
+              <a:t>2 Fa ny lalàn'i Jehovah no sitrany; eny ny lalàny no saintsaininy andro aman'alina.</a:t>
             </a:r>
           </a:p>
         </p:txBody>
@@ -5380,7 +5338,7 @@
               </a:defRPr>
             </a:pPr>
             <a:r>
-              <a:t>4 Ary raha niara-niangona teo aminy Jesosy</a:t>
+              <a:t>3 Dia tahaka ny hazo ambolena eo amoron'ny rano velona izy</a:t>
             </a:r>
           </a:p>
         </p:txBody>
@@ -5430,7 +5388,7 @@
               </a:defRPr>
             </a:pPr>
             <a:r>
-              <a:t> dia namepetra azy tsy hiala an'i Jerosalema</a:t>
+              <a:t> izay mamoa amin'ny fotoany</a:t>
             </a:r>
           </a:p>
         </p:txBody>
@@ -5480,7 +5438,7 @@
               </a:defRPr>
             </a:pPr>
             <a:r>
-              <a:t> fa hiandry ny teny fikasan'ny Ray</a:t>
+              <a:t> ny raviny koa tsy mba malazo; ary ny asany rehetra dia ataony lavorary avokoa.</a:t>
             </a:r>
           </a:p>
         </p:txBody>
@@ -5530,7 +5488,7 @@
               </a:defRPr>
             </a:pPr>
             <a:r>
-              <a:t> izay efa renareo tamiko</a:t>
+              <a:t>4 Fa tsy mba toy izany ny ratsy fanahy fa toy ny akofa aelin'ny rivotra izy.</a:t>
             </a:r>
           </a:p>
         </p:txBody>

--- a/test.pptx
+++ b/test.pptx
@@ -10,12 +10,6 @@
     <p:sldId id="1122" r:id="rId8"/>
     <p:sldId id="1123" r:id="rId9"/>
     <p:sldId id="1124" r:id="rId10"/>
-    <p:sldId id="1125" r:id="rId11"/>
-    <p:sldId id="1126" r:id="rId12"/>
-    <p:sldId id="1127" r:id="rId13"/>
-    <p:sldId id="1128" r:id="rId14"/>
-    <p:sldId id="1129" r:id="rId15"/>
-    <p:sldId id="1130" r:id="rId16"/>
   </p:sldIdLst>
   <p:sldSz cx="9144000" cy="6858000" type="screen4x3"/>
   <p:notesSz cx="6858000" cy="9144000"/>
@@ -4962,7 +4956,7 @@
               <a:lnSpc>
                 <a:spcPts val="1200"/>
               </a:lnSpc>
-              <a:defRPr sz="18500">
+              <a:defRPr sz="10000">
                 <a:solidFill>
                   <a:srgbClr val="FFFF00"/>
                 </a:solidFill>
@@ -4970,7 +4964,7 @@
               </a:defRPr>
             </a:pPr>
             <a:r>
-              <a:t>Salamo </a:t>
+              <a:t>Tonon-kiran'i Solomona </a:t>
             </a:r>
           </a:p>
           <a:p>
@@ -4983,7 +4977,7 @@
               </a:defRPr>
             </a:pPr>
             <a:r>
-              <a:t>1 : 1 - 5</a:t>
+              <a:t>3 : 10</a:t>
             </a:r>
           </a:p>
         </p:txBody>
@@ -4994,106 +4988,6 @@
         <p14:creationId xmlns:p14="http://schemas.microsoft.com/office/powerpoint/2010/main" val="2145891380"/>
       </p:ext>
     </p:extLst>
-  </p:cSld>
-  <p:clrMapOvr>
-    <a:masterClrMapping/>
-  </p:clrMapOvr>
-</p:sld>
-</file>
-
-<file path=ppt/slides/slide10.xml><?xml version="1.0" encoding="utf-8"?>
-<p:sld xmlns:a="http://schemas.openxmlformats.org/drawingml/2006/main" xmlns:p="http://schemas.openxmlformats.org/presentationml/2006/main" xmlns:r="http://schemas.openxmlformats.org/officeDocument/2006/relationships">
-  <p:cSld>
-    <p:spTree>
-      <p:nvGrpSpPr>
-        <p:cNvPr id="1" name=""/>
-        <p:cNvGrpSpPr/>
-        <p:nvPr/>
-      </p:nvGrpSpPr>
-      <p:grpSpPr/>
-      <p:sp>
-        <p:nvSpPr>
-          <p:cNvPr id="2" name="Title 1"/>
-          <p:cNvSpPr>
-            <a:spLocks noGrp="1"/>
-          </p:cNvSpPr>
-          <p:nvPr>
-            <p:ph type="title"/>
-          </p:nvPr>
-        </p:nvSpPr>
-        <p:spPr>
-          <a:xfrm>
-            <a:ext cx="9144000" cy="2084831"/>
-          </a:xfrm>
-        </p:spPr>
-        <p:txBody>
-          <a:bodyPr bIns="-4663440">
-            <a:spAutoFit/>
-          </a:bodyPr>
-          <a:lstStyle/>
-          <a:p>
-            <a:pPr algn="ctr">
-              <a:defRPr sz="7200">
-                <a:latin typeface="Helvetica Inserat LT Std"/>
-              </a:defRPr>
-            </a:pPr>
-            <a:r>
-              <a:t>5 Ary noho izany ny ratsy fanahy dia tsy hahajanona eo amin'ny fitsarana</a:t>
-            </a:r>
-          </a:p>
-        </p:txBody>
-      </p:sp>
-    </p:spTree>
-  </p:cSld>
-  <p:clrMapOvr>
-    <a:masterClrMapping/>
-  </p:clrMapOvr>
-</p:sld>
-</file>
-
-<file path=ppt/slides/slide11.xml><?xml version="1.0" encoding="utf-8"?>
-<p:sld xmlns:a="http://schemas.openxmlformats.org/drawingml/2006/main" xmlns:p="http://schemas.openxmlformats.org/presentationml/2006/main" xmlns:r="http://schemas.openxmlformats.org/officeDocument/2006/relationships">
-  <p:cSld>
-    <p:spTree>
-      <p:nvGrpSpPr>
-        <p:cNvPr id="1" name=""/>
-        <p:cNvGrpSpPr/>
-        <p:nvPr/>
-      </p:nvGrpSpPr>
-      <p:grpSpPr/>
-      <p:sp>
-        <p:nvSpPr>
-          <p:cNvPr id="2" name="Title 1"/>
-          <p:cNvSpPr>
-            <a:spLocks noGrp="1"/>
-          </p:cNvSpPr>
-          <p:nvPr>
-            <p:ph type="title"/>
-          </p:nvPr>
-        </p:nvSpPr>
-        <p:spPr>
-          <a:xfrm>
-            <a:ext cx="9144000" cy="2084831"/>
-          </a:xfrm>
-        </p:spPr>
-        <p:txBody>
-          <a:bodyPr bIns="-4663440">
-            <a:spAutoFit/>
-          </a:bodyPr>
-          <a:lstStyle/>
-          <a:p>
-            <a:pPr algn="ctr">
-              <a:defRPr sz="8000">
-                <a:latin typeface="Helvetica Inserat LT Std"/>
-              </a:defRPr>
-            </a:pPr>
-            <a:r>
-              <a:t> na ny mpanota eo amin'ny fiangonan'ny marina.</a:t>
-            </a:r>
-          </a:p>
-        </p:txBody>
-      </p:sp>
-    </p:spTree>
   </p:cSld>
   <p:clrMapOvr>
     <a:masterClrMapping/>
@@ -5123,13 +5017,11 @@
         </p:nvSpPr>
         <p:spPr>
           <a:xfrm>
-            <a:ext cx="9144000" cy="2084831"/>
+            <a:ext cx="9144000" cy="6858000"/>
           </a:xfrm>
         </p:spPr>
         <p:txBody>
-          <a:bodyPr bIns="-4663440">
-            <a:spAutoFit/>
-          </a:bodyPr>
+          <a:bodyPr/>
           <a:lstStyle/>
           <a:p>
             <a:pPr algn="ctr">
@@ -5138,7 +5030,7 @@
               </a:defRPr>
             </a:pPr>
             <a:r>
-              <a:t>1 Sambatra ny olona izay tsy mandeha eo amin'ny fisainan'ny ratsy fanahy</a:t>
+              <a:t>10 Volafotsy no nataony andriny,</a:t>
             </a:r>
           </a:p>
         </p:txBody>
@@ -5173,13 +5065,11 @@
         </p:nvSpPr>
         <p:spPr>
           <a:xfrm>
-            <a:ext cx="9144000" cy="2084831"/>
+            <a:ext cx="9144000" cy="6858000"/>
           </a:xfrm>
         </p:spPr>
         <p:txBody>
-          <a:bodyPr bIns="-4663440">
-            <a:spAutoFit/>
-          </a:bodyPr>
+          <a:bodyPr/>
           <a:lstStyle/>
           <a:p>
             <a:pPr algn="ctr">
@@ -5188,7 +5078,7 @@
               </a:defRPr>
             </a:pPr>
             <a:r>
-              <a:t> ary tsy mijanona eo amin'ny lalana falehan'ny mpanota</a:t>
+              <a:t> ary volamena ny fiankinana,</a:t>
             </a:r>
           </a:p>
         </p:txBody>
@@ -5223,13 +5113,11 @@
         </p:nvSpPr>
         <p:spPr>
           <a:xfrm>
-            <a:ext cx="9144000" cy="2084831"/>
+            <a:ext cx="9144000" cy="6858000"/>
           </a:xfrm>
         </p:spPr>
         <p:txBody>
-          <a:bodyPr bIns="-4663440">
-            <a:spAutoFit/>
-          </a:bodyPr>
+          <a:bodyPr/>
           <a:lstStyle/>
           <a:p>
             <a:pPr algn="ctr">
@@ -5238,7 +5126,7 @@
               </a:defRPr>
             </a:pPr>
             <a:r>
-              <a:t> ary tsy mipetraka eo amin'ny fipetrahan'ny mpaniratsira;</a:t>
+              <a:t> volomparasy ny ondany,</a:t>
             </a:r>
           </a:p>
         </p:txBody>
@@ -5273,13 +5161,11 @@
         </p:nvSpPr>
         <p:spPr>
           <a:xfrm>
-            <a:ext cx="9144000" cy="2084831"/>
+            <a:ext cx="9144000" cy="6858000"/>
           </a:xfrm>
         </p:spPr>
         <p:txBody>
-          <a:bodyPr bIns="-4663440">
-            <a:spAutoFit/>
-          </a:bodyPr>
+          <a:bodyPr/>
           <a:lstStyle/>
           <a:p>
             <a:pPr algn="ctr">
@@ -5288,207 +5174,7 @@
               </a:defRPr>
             </a:pPr>
             <a:r>
-              <a:t>2 Fa ny lalàn'i Jehovah no sitrany; eny ny lalàny no saintsaininy andro aman'alina.</a:t>
-            </a:r>
-          </a:p>
-        </p:txBody>
-      </p:sp>
-    </p:spTree>
-  </p:cSld>
-  <p:clrMapOvr>
-    <a:masterClrMapping/>
-  </p:clrMapOvr>
-</p:sld>
-</file>
-
-<file path=ppt/slides/slide6.xml><?xml version="1.0" encoding="utf-8"?>
-<p:sld xmlns:a="http://schemas.openxmlformats.org/drawingml/2006/main" xmlns:p="http://schemas.openxmlformats.org/presentationml/2006/main" xmlns:r="http://schemas.openxmlformats.org/officeDocument/2006/relationships">
-  <p:cSld>
-    <p:spTree>
-      <p:nvGrpSpPr>
-        <p:cNvPr id="1" name=""/>
-        <p:cNvGrpSpPr/>
-        <p:nvPr/>
-      </p:nvGrpSpPr>
-      <p:grpSpPr/>
-      <p:sp>
-        <p:nvSpPr>
-          <p:cNvPr id="2" name="Title 1"/>
-          <p:cNvSpPr>
-            <a:spLocks noGrp="1"/>
-          </p:cNvSpPr>
-          <p:nvPr>
-            <p:ph type="title"/>
-          </p:nvPr>
-        </p:nvSpPr>
-        <p:spPr>
-          <a:xfrm>
-            <a:ext cx="9144000" cy="2084831"/>
-          </a:xfrm>
-        </p:spPr>
-        <p:txBody>
-          <a:bodyPr bIns="-4663440">
-            <a:spAutoFit/>
-          </a:bodyPr>
-          <a:lstStyle/>
-          <a:p>
-            <a:pPr algn="ctr">
-              <a:defRPr sz="8000">
-                <a:latin typeface="Helvetica Inserat LT Std"/>
-              </a:defRPr>
-            </a:pPr>
-            <a:r>
-              <a:t>3 Dia tahaka ny hazo ambolena eo amoron'ny rano velona izy</a:t>
-            </a:r>
-          </a:p>
-        </p:txBody>
-      </p:sp>
-    </p:spTree>
-  </p:cSld>
-  <p:clrMapOvr>
-    <a:masterClrMapping/>
-  </p:clrMapOvr>
-</p:sld>
-</file>
-
-<file path=ppt/slides/slide7.xml><?xml version="1.0" encoding="utf-8"?>
-<p:sld xmlns:a="http://schemas.openxmlformats.org/drawingml/2006/main" xmlns:p="http://schemas.openxmlformats.org/presentationml/2006/main" xmlns:r="http://schemas.openxmlformats.org/officeDocument/2006/relationships">
-  <p:cSld>
-    <p:spTree>
-      <p:nvGrpSpPr>
-        <p:cNvPr id="1" name=""/>
-        <p:cNvGrpSpPr/>
-        <p:nvPr/>
-      </p:nvGrpSpPr>
-      <p:grpSpPr/>
-      <p:sp>
-        <p:nvSpPr>
-          <p:cNvPr id="2" name="Title 1"/>
-          <p:cNvSpPr>
-            <a:spLocks noGrp="1"/>
-          </p:cNvSpPr>
-          <p:nvPr>
-            <p:ph type="title"/>
-          </p:nvPr>
-        </p:nvSpPr>
-        <p:spPr>
-          <a:xfrm>
-            <a:ext cx="9144000" cy="2084831"/>
-          </a:xfrm>
-        </p:spPr>
-        <p:txBody>
-          <a:bodyPr bIns="-4663440">
-            <a:spAutoFit/>
-          </a:bodyPr>
-          <a:lstStyle/>
-          <a:p>
-            <a:pPr algn="ctr">
-              <a:defRPr sz="8000">
-                <a:latin typeface="Helvetica Inserat LT Std"/>
-              </a:defRPr>
-            </a:pPr>
-            <a:r>
-              <a:t> izay mamoa amin'ny fotoany</a:t>
-            </a:r>
-          </a:p>
-        </p:txBody>
-      </p:sp>
-    </p:spTree>
-  </p:cSld>
-  <p:clrMapOvr>
-    <a:masterClrMapping/>
-  </p:clrMapOvr>
-</p:sld>
-</file>
-
-<file path=ppt/slides/slide8.xml><?xml version="1.0" encoding="utf-8"?>
-<p:sld xmlns:a="http://schemas.openxmlformats.org/drawingml/2006/main" xmlns:p="http://schemas.openxmlformats.org/presentationml/2006/main" xmlns:r="http://schemas.openxmlformats.org/officeDocument/2006/relationships">
-  <p:cSld>
-    <p:spTree>
-      <p:nvGrpSpPr>
-        <p:cNvPr id="1" name=""/>
-        <p:cNvGrpSpPr/>
-        <p:nvPr/>
-      </p:nvGrpSpPr>
-      <p:grpSpPr/>
-      <p:sp>
-        <p:nvSpPr>
-          <p:cNvPr id="2" name="Title 1"/>
-          <p:cNvSpPr>
-            <a:spLocks noGrp="1"/>
-          </p:cNvSpPr>
-          <p:nvPr>
-            <p:ph type="title"/>
-          </p:nvPr>
-        </p:nvSpPr>
-        <p:spPr>
-          <a:xfrm>
-            <a:ext cx="9144000" cy="2084831"/>
-          </a:xfrm>
-        </p:spPr>
-        <p:txBody>
-          <a:bodyPr bIns="-4663440">
-            <a:spAutoFit/>
-          </a:bodyPr>
-          <a:lstStyle/>
-          <a:p>
-            <a:pPr algn="ctr">
-              <a:defRPr sz="8000">
-                <a:latin typeface="Helvetica Inserat LT Std"/>
-              </a:defRPr>
-            </a:pPr>
-            <a:r>
-              <a:t> ny raviny koa tsy mba malazo; ary ny asany rehetra dia ataony lavorary avokoa.</a:t>
-            </a:r>
-          </a:p>
-        </p:txBody>
-      </p:sp>
-    </p:spTree>
-  </p:cSld>
-  <p:clrMapOvr>
-    <a:masterClrMapping/>
-  </p:clrMapOvr>
-</p:sld>
-</file>
-
-<file path=ppt/slides/slide9.xml><?xml version="1.0" encoding="utf-8"?>
-<p:sld xmlns:a="http://schemas.openxmlformats.org/drawingml/2006/main" xmlns:p="http://schemas.openxmlformats.org/presentationml/2006/main" xmlns:r="http://schemas.openxmlformats.org/officeDocument/2006/relationships">
-  <p:cSld>
-    <p:spTree>
-      <p:nvGrpSpPr>
-        <p:cNvPr id="1" name=""/>
-        <p:cNvGrpSpPr/>
-        <p:nvPr/>
-      </p:nvGrpSpPr>
-      <p:grpSpPr/>
-      <p:sp>
-        <p:nvSpPr>
-          <p:cNvPr id="2" name="Title 1"/>
-          <p:cNvSpPr>
-            <a:spLocks noGrp="1"/>
-          </p:cNvSpPr>
-          <p:nvPr>
-            <p:ph type="title"/>
-          </p:nvPr>
-        </p:nvSpPr>
-        <p:spPr>
-          <a:xfrm>
-            <a:ext cx="9144000" cy="2084831"/>
-          </a:xfrm>
-        </p:spPr>
-        <p:txBody>
-          <a:bodyPr bIns="-4663440">
-            <a:spAutoFit/>
-          </a:bodyPr>
-          <a:lstStyle/>
-          <a:p>
-            <a:pPr algn="ctr">
-              <a:defRPr sz="8000">
-                <a:latin typeface="Helvetica Inserat LT Std"/>
-              </a:defRPr>
-            </a:pPr>
-            <a:r>
-              <a:t>4 Fa tsy mba toy izany ny ratsy fanahy fa toy ny akofa aelin'ny rivotra izy.</a:t>
+              <a:t> ny ao anatiny voaravaka amin'ny fanomezam-pitiavana avy tamin'ny zanakavavin'i Jerosalema.</a:t>
             </a:r>
           </a:p>
         </p:txBody>

--- a/test.pptx
+++ b/test.pptx
@@ -10,6 +10,10 @@
     <p:sldId id="1122" r:id="rId8"/>
     <p:sldId id="1123" r:id="rId9"/>
     <p:sldId id="1124" r:id="rId10"/>
+    <p:sldId id="1125" r:id="rId11"/>
+    <p:sldId id="1126" r:id="rId12"/>
+    <p:sldId id="1127" r:id="rId13"/>
+    <p:sldId id="1128" r:id="rId14"/>
   </p:sldIdLst>
   <p:sldSz cx="9144000" cy="6858000" type="screen4x3"/>
   <p:notesSz cx="6858000" cy="9144000"/>
@@ -4956,7 +4960,7 @@
               <a:lnSpc>
                 <a:spcPts val="1200"/>
               </a:lnSpc>
-              <a:defRPr sz="10000">
+              <a:defRPr sz="18500">
                 <a:solidFill>
                   <a:srgbClr val="FFFF00"/>
                 </a:solidFill>
@@ -4964,7 +4968,7 @@
               </a:defRPr>
             </a:pPr>
             <a:r>
-              <a:t>Tonon-kiran'i Solomona </a:t>
+              <a:t>Joda </a:t>
             </a:r>
           </a:p>
           <a:p>
@@ -4977,7 +4981,7 @@
               </a:defRPr>
             </a:pPr>
             <a:r>
-              <a:t>3 : 10</a:t>
+              <a:t>1 : 4 - 5</a:t>
             </a:r>
           </a:p>
         </p:txBody>
@@ -5030,7 +5034,7 @@
               </a:defRPr>
             </a:pPr>
             <a:r>
-              <a:t>10 Volafotsy no nataony andriny,</a:t>
+              <a:t>4 Fa misy olona sasany efa niditra misokosoko,</a:t>
             </a:r>
           </a:p>
         </p:txBody>
@@ -5078,7 +5082,7 @@
               </a:defRPr>
             </a:pPr>
             <a:r>
-              <a:t> ary volamena ny fiankinana,</a:t>
+              <a:t> izay voasoratra fahiny ho amin'izany fahamelohana izany,</a:t>
             </a:r>
           </a:p>
         </p:txBody>
@@ -5126,7 +5130,7 @@
               </a:defRPr>
             </a:pPr>
             <a:r>
-              <a:t> volomparasy ny ondany,</a:t>
+              <a:t> dia olona ratsy fanahy izay mamadika ny fahasoavan'Andriamanitsika ho fijejojejoana sady nandà ny Andrian-tokana,</a:t>
             </a:r>
           </a:p>
         </p:txBody>
@@ -5174,7 +5178,199 @@
               </a:defRPr>
             </a:pPr>
             <a:r>
-              <a:t> ny ao anatiny voaravaka amin'ny fanomezam-pitiavana avy tamin'ny zanakavavin'i Jerosalema.</a:t>
+              <a:t> dia Jesosy Kristy Tompontsika.</a:t>
+            </a:r>
+          </a:p>
+        </p:txBody>
+      </p:sp>
+    </p:spTree>
+  </p:cSld>
+  <p:clrMapOvr>
+    <a:masterClrMapping/>
+  </p:clrMapOvr>
+</p:sld>
+</file>
+
+<file path=ppt/slides/slide6.xml><?xml version="1.0" encoding="utf-8"?>
+<p:sld xmlns:a="http://schemas.openxmlformats.org/drawingml/2006/main" xmlns:p="http://schemas.openxmlformats.org/presentationml/2006/main" xmlns:r="http://schemas.openxmlformats.org/officeDocument/2006/relationships">
+  <p:cSld>
+    <p:spTree>
+      <p:nvGrpSpPr>
+        <p:cNvPr id="1" name=""/>
+        <p:cNvGrpSpPr/>
+        <p:nvPr/>
+      </p:nvGrpSpPr>
+      <p:grpSpPr/>
+      <p:sp>
+        <p:nvSpPr>
+          <p:cNvPr id="2" name="Title 1"/>
+          <p:cNvSpPr>
+            <a:spLocks noGrp="1"/>
+          </p:cNvSpPr>
+          <p:nvPr>
+            <p:ph type="title"/>
+          </p:nvPr>
+        </p:nvSpPr>
+        <p:spPr>
+          <a:xfrm>
+            <a:ext cx="9144000" cy="6858000"/>
+          </a:xfrm>
+        </p:spPr>
+        <p:txBody>
+          <a:bodyPr/>
+          <a:lstStyle/>
+          <a:p>
+            <a:pPr algn="ctr">
+              <a:defRPr sz="8000">
+                <a:latin typeface="Helvetica Inserat LT Std"/>
+              </a:defRPr>
+            </a:pPr>
+            <a:r>
+              <a:t>5 Ary ta-hampahatsiaro anareo aho,</a:t>
+            </a:r>
+          </a:p>
+        </p:txBody>
+      </p:sp>
+    </p:spTree>
+  </p:cSld>
+  <p:clrMapOvr>
+    <a:masterClrMapping/>
+  </p:clrMapOvr>
+</p:sld>
+</file>
+
+<file path=ppt/slides/slide7.xml><?xml version="1.0" encoding="utf-8"?>
+<p:sld xmlns:a="http://schemas.openxmlformats.org/drawingml/2006/main" xmlns:p="http://schemas.openxmlformats.org/presentationml/2006/main" xmlns:r="http://schemas.openxmlformats.org/officeDocument/2006/relationships">
+  <p:cSld>
+    <p:spTree>
+      <p:nvGrpSpPr>
+        <p:cNvPr id="1" name=""/>
+        <p:cNvGrpSpPr/>
+        <p:nvPr/>
+      </p:nvGrpSpPr>
+      <p:grpSpPr/>
+      <p:sp>
+        <p:nvSpPr>
+          <p:cNvPr id="2" name="Title 1"/>
+          <p:cNvSpPr>
+            <a:spLocks noGrp="1"/>
+          </p:cNvSpPr>
+          <p:nvPr>
+            <p:ph type="title"/>
+          </p:nvPr>
+        </p:nvSpPr>
+        <p:spPr>
+          <a:xfrm>
+            <a:ext cx="9144000" cy="6858000"/>
+          </a:xfrm>
+        </p:spPr>
+        <p:txBody>
+          <a:bodyPr/>
+          <a:lstStyle/>
+          <a:p>
+            <a:pPr algn="ctr">
+              <a:defRPr sz="8000">
+                <a:latin typeface="Helvetica Inserat LT Std"/>
+              </a:defRPr>
+            </a:pPr>
+            <a:r>
+              <a:t> na dia efa fantatrareo rahateo aza ny zavatra rehetra,</a:t>
+            </a:r>
+          </a:p>
+        </p:txBody>
+      </p:sp>
+    </p:spTree>
+  </p:cSld>
+  <p:clrMapOvr>
+    <a:masterClrMapping/>
+  </p:clrMapOvr>
+</p:sld>
+</file>
+
+<file path=ppt/slides/slide8.xml><?xml version="1.0" encoding="utf-8"?>
+<p:sld xmlns:a="http://schemas.openxmlformats.org/drawingml/2006/main" xmlns:p="http://schemas.openxmlformats.org/presentationml/2006/main" xmlns:r="http://schemas.openxmlformats.org/officeDocument/2006/relationships">
+  <p:cSld>
+    <p:spTree>
+      <p:nvGrpSpPr>
+        <p:cNvPr id="1" name=""/>
+        <p:cNvGrpSpPr/>
+        <p:nvPr/>
+      </p:nvGrpSpPr>
+      <p:grpSpPr/>
+      <p:sp>
+        <p:nvSpPr>
+          <p:cNvPr id="2" name="Title 1"/>
+          <p:cNvSpPr>
+            <a:spLocks noGrp="1"/>
+          </p:cNvSpPr>
+          <p:nvPr>
+            <p:ph type="title"/>
+          </p:nvPr>
+        </p:nvSpPr>
+        <p:spPr>
+          <a:xfrm>
+            <a:ext cx="9144000" cy="6858000"/>
+          </a:xfrm>
+        </p:spPr>
+        <p:txBody>
+          <a:bodyPr/>
+          <a:lstStyle/>
+          <a:p>
+            <a:pPr algn="ctr">
+              <a:defRPr sz="8000">
+                <a:latin typeface="Helvetica Inserat LT Std"/>
+              </a:defRPr>
+            </a:pPr>
+            <a:r>
+              <a:t> fa rehefa novonjen'ny Tompo ho afaka tany Egypta ny olona,</a:t>
+            </a:r>
+          </a:p>
+        </p:txBody>
+      </p:sp>
+    </p:spTree>
+  </p:cSld>
+  <p:clrMapOvr>
+    <a:masterClrMapping/>
+  </p:clrMapOvr>
+</p:sld>
+</file>
+
+<file path=ppt/slides/slide9.xml><?xml version="1.0" encoding="utf-8"?>
+<p:sld xmlns:a="http://schemas.openxmlformats.org/drawingml/2006/main" xmlns:p="http://schemas.openxmlformats.org/presentationml/2006/main" xmlns:r="http://schemas.openxmlformats.org/officeDocument/2006/relationships">
+  <p:cSld>
+    <p:spTree>
+      <p:nvGrpSpPr>
+        <p:cNvPr id="1" name=""/>
+        <p:cNvGrpSpPr/>
+        <p:nvPr/>
+      </p:nvGrpSpPr>
+      <p:grpSpPr/>
+      <p:sp>
+        <p:nvSpPr>
+          <p:cNvPr id="2" name="Title 1"/>
+          <p:cNvSpPr>
+            <a:spLocks noGrp="1"/>
+          </p:cNvSpPr>
+          <p:nvPr>
+            <p:ph type="title"/>
+          </p:nvPr>
+        </p:nvSpPr>
+        <p:spPr>
+          <a:xfrm>
+            <a:ext cx="9144000" cy="6858000"/>
+          </a:xfrm>
+        </p:spPr>
+        <p:txBody>
+          <a:bodyPr/>
+          <a:lstStyle/>
+          <a:p>
+            <a:pPr algn="ctr">
+              <a:defRPr sz="8000">
+                <a:latin typeface="Helvetica Inserat LT Std"/>
+              </a:defRPr>
+            </a:pPr>
+            <a:r>
+              <a:t> dia naringany ihany tao aorian'izany izay tsy nino.</a:t>
             </a:r>
           </a:p>
         </p:txBody>

--- a/test.pptx
+++ b/test.pptx
@@ -7,13 +7,6 @@
   <p:sldIdLst>
     <p:sldId id="1120" r:id="rId2"/>
     <p:sldId id="1121" r:id="rId7"/>
-    <p:sldId id="1122" r:id="rId8"/>
-    <p:sldId id="1123" r:id="rId9"/>
-    <p:sldId id="1124" r:id="rId10"/>
-    <p:sldId id="1125" r:id="rId11"/>
-    <p:sldId id="1126" r:id="rId12"/>
-    <p:sldId id="1127" r:id="rId13"/>
-    <p:sldId id="1128" r:id="rId14"/>
   </p:sldIdLst>
   <p:sldSz cx="9144000" cy="6858000" type="screen4x3"/>
   <p:notesSz cx="6858000" cy="9144000"/>
@@ -4968,7 +4961,7 @@
               </a:defRPr>
             </a:pPr>
             <a:r>
-              <a:t>Joda </a:t>
+              <a:t>Salamo </a:t>
             </a:r>
           </a:p>
           <a:p>
@@ -4981,7 +4974,7 @@
               </a:defRPr>
             </a:pPr>
             <a:r>
-              <a:t>1 : 4 - 5</a:t>
+              <a:t>150 : 1</a:t>
             </a:r>
           </a:p>
         </p:txBody>
@@ -5034,343 +5027,7 @@
               </a:defRPr>
             </a:pPr>
             <a:r>
-              <a:t>4 Fa misy olona sasany efa niditra misokosoko,</a:t>
-            </a:r>
-          </a:p>
-        </p:txBody>
-      </p:sp>
-    </p:spTree>
-  </p:cSld>
-  <p:clrMapOvr>
-    <a:masterClrMapping/>
-  </p:clrMapOvr>
-</p:sld>
-</file>
-
-<file path=ppt/slides/slide3.xml><?xml version="1.0" encoding="utf-8"?>
-<p:sld xmlns:a="http://schemas.openxmlformats.org/drawingml/2006/main" xmlns:p="http://schemas.openxmlformats.org/presentationml/2006/main" xmlns:r="http://schemas.openxmlformats.org/officeDocument/2006/relationships">
-  <p:cSld>
-    <p:spTree>
-      <p:nvGrpSpPr>
-        <p:cNvPr id="1" name=""/>
-        <p:cNvGrpSpPr/>
-        <p:nvPr/>
-      </p:nvGrpSpPr>
-      <p:grpSpPr/>
-      <p:sp>
-        <p:nvSpPr>
-          <p:cNvPr id="2" name="Title 1"/>
-          <p:cNvSpPr>
-            <a:spLocks noGrp="1"/>
-          </p:cNvSpPr>
-          <p:nvPr>
-            <p:ph type="title"/>
-          </p:nvPr>
-        </p:nvSpPr>
-        <p:spPr>
-          <a:xfrm>
-            <a:ext cx="9144000" cy="6858000"/>
-          </a:xfrm>
-        </p:spPr>
-        <p:txBody>
-          <a:bodyPr/>
-          <a:lstStyle/>
-          <a:p>
-            <a:pPr algn="ctr">
-              <a:defRPr sz="8000">
-                <a:latin typeface="Helvetica Inserat LT Std"/>
-              </a:defRPr>
-            </a:pPr>
-            <a:r>
-              <a:t> izay voasoratra fahiny ho amin'izany fahamelohana izany,</a:t>
-            </a:r>
-          </a:p>
-        </p:txBody>
-      </p:sp>
-    </p:spTree>
-  </p:cSld>
-  <p:clrMapOvr>
-    <a:masterClrMapping/>
-  </p:clrMapOvr>
-</p:sld>
-</file>
-
-<file path=ppt/slides/slide4.xml><?xml version="1.0" encoding="utf-8"?>
-<p:sld xmlns:a="http://schemas.openxmlformats.org/drawingml/2006/main" xmlns:p="http://schemas.openxmlformats.org/presentationml/2006/main" xmlns:r="http://schemas.openxmlformats.org/officeDocument/2006/relationships">
-  <p:cSld>
-    <p:spTree>
-      <p:nvGrpSpPr>
-        <p:cNvPr id="1" name=""/>
-        <p:cNvGrpSpPr/>
-        <p:nvPr/>
-      </p:nvGrpSpPr>
-      <p:grpSpPr/>
-      <p:sp>
-        <p:nvSpPr>
-          <p:cNvPr id="2" name="Title 1"/>
-          <p:cNvSpPr>
-            <a:spLocks noGrp="1"/>
-          </p:cNvSpPr>
-          <p:nvPr>
-            <p:ph type="title"/>
-          </p:nvPr>
-        </p:nvSpPr>
-        <p:spPr>
-          <a:xfrm>
-            <a:ext cx="9144000" cy="6858000"/>
-          </a:xfrm>
-        </p:spPr>
-        <p:txBody>
-          <a:bodyPr/>
-          <a:lstStyle/>
-          <a:p>
-            <a:pPr algn="ctr">
-              <a:defRPr sz="8000">
-                <a:latin typeface="Helvetica Inserat LT Std"/>
-              </a:defRPr>
-            </a:pPr>
-            <a:r>
-              <a:t> dia olona ratsy fanahy izay mamadika ny fahasoavan'Andriamanitsika ho fijejojejoana sady nandà ny Andrian-tokana,</a:t>
-            </a:r>
-          </a:p>
-        </p:txBody>
-      </p:sp>
-    </p:spTree>
-  </p:cSld>
-  <p:clrMapOvr>
-    <a:masterClrMapping/>
-  </p:clrMapOvr>
-</p:sld>
-</file>
-
-<file path=ppt/slides/slide5.xml><?xml version="1.0" encoding="utf-8"?>
-<p:sld xmlns:a="http://schemas.openxmlformats.org/drawingml/2006/main" xmlns:p="http://schemas.openxmlformats.org/presentationml/2006/main" xmlns:r="http://schemas.openxmlformats.org/officeDocument/2006/relationships">
-  <p:cSld>
-    <p:spTree>
-      <p:nvGrpSpPr>
-        <p:cNvPr id="1" name=""/>
-        <p:cNvGrpSpPr/>
-        <p:nvPr/>
-      </p:nvGrpSpPr>
-      <p:grpSpPr/>
-      <p:sp>
-        <p:nvSpPr>
-          <p:cNvPr id="2" name="Title 1"/>
-          <p:cNvSpPr>
-            <a:spLocks noGrp="1"/>
-          </p:cNvSpPr>
-          <p:nvPr>
-            <p:ph type="title"/>
-          </p:nvPr>
-        </p:nvSpPr>
-        <p:spPr>
-          <a:xfrm>
-            <a:ext cx="9144000" cy="6858000"/>
-          </a:xfrm>
-        </p:spPr>
-        <p:txBody>
-          <a:bodyPr/>
-          <a:lstStyle/>
-          <a:p>
-            <a:pPr algn="ctr">
-              <a:defRPr sz="8000">
-                <a:latin typeface="Helvetica Inserat LT Std"/>
-              </a:defRPr>
-            </a:pPr>
-            <a:r>
-              <a:t> dia Jesosy Kristy Tompontsika.</a:t>
-            </a:r>
-          </a:p>
-        </p:txBody>
-      </p:sp>
-    </p:spTree>
-  </p:cSld>
-  <p:clrMapOvr>
-    <a:masterClrMapping/>
-  </p:clrMapOvr>
-</p:sld>
-</file>
-
-<file path=ppt/slides/slide6.xml><?xml version="1.0" encoding="utf-8"?>
-<p:sld xmlns:a="http://schemas.openxmlformats.org/drawingml/2006/main" xmlns:p="http://schemas.openxmlformats.org/presentationml/2006/main" xmlns:r="http://schemas.openxmlformats.org/officeDocument/2006/relationships">
-  <p:cSld>
-    <p:spTree>
-      <p:nvGrpSpPr>
-        <p:cNvPr id="1" name=""/>
-        <p:cNvGrpSpPr/>
-        <p:nvPr/>
-      </p:nvGrpSpPr>
-      <p:grpSpPr/>
-      <p:sp>
-        <p:nvSpPr>
-          <p:cNvPr id="2" name="Title 1"/>
-          <p:cNvSpPr>
-            <a:spLocks noGrp="1"/>
-          </p:cNvSpPr>
-          <p:nvPr>
-            <p:ph type="title"/>
-          </p:nvPr>
-        </p:nvSpPr>
-        <p:spPr>
-          <a:xfrm>
-            <a:ext cx="9144000" cy="6858000"/>
-          </a:xfrm>
-        </p:spPr>
-        <p:txBody>
-          <a:bodyPr/>
-          <a:lstStyle/>
-          <a:p>
-            <a:pPr algn="ctr">
-              <a:defRPr sz="8000">
-                <a:latin typeface="Helvetica Inserat LT Std"/>
-              </a:defRPr>
-            </a:pPr>
-            <a:r>
-              <a:t>5 Ary ta-hampahatsiaro anareo aho,</a:t>
-            </a:r>
-          </a:p>
-        </p:txBody>
-      </p:sp>
-    </p:spTree>
-  </p:cSld>
-  <p:clrMapOvr>
-    <a:masterClrMapping/>
-  </p:clrMapOvr>
-</p:sld>
-</file>
-
-<file path=ppt/slides/slide7.xml><?xml version="1.0" encoding="utf-8"?>
-<p:sld xmlns:a="http://schemas.openxmlformats.org/drawingml/2006/main" xmlns:p="http://schemas.openxmlformats.org/presentationml/2006/main" xmlns:r="http://schemas.openxmlformats.org/officeDocument/2006/relationships">
-  <p:cSld>
-    <p:spTree>
-      <p:nvGrpSpPr>
-        <p:cNvPr id="1" name=""/>
-        <p:cNvGrpSpPr/>
-        <p:nvPr/>
-      </p:nvGrpSpPr>
-      <p:grpSpPr/>
-      <p:sp>
-        <p:nvSpPr>
-          <p:cNvPr id="2" name="Title 1"/>
-          <p:cNvSpPr>
-            <a:spLocks noGrp="1"/>
-          </p:cNvSpPr>
-          <p:nvPr>
-            <p:ph type="title"/>
-          </p:nvPr>
-        </p:nvSpPr>
-        <p:spPr>
-          <a:xfrm>
-            <a:ext cx="9144000" cy="6858000"/>
-          </a:xfrm>
-        </p:spPr>
-        <p:txBody>
-          <a:bodyPr/>
-          <a:lstStyle/>
-          <a:p>
-            <a:pPr algn="ctr">
-              <a:defRPr sz="8000">
-                <a:latin typeface="Helvetica Inserat LT Std"/>
-              </a:defRPr>
-            </a:pPr>
-            <a:r>
-              <a:t> na dia efa fantatrareo rahateo aza ny zavatra rehetra,</a:t>
-            </a:r>
-          </a:p>
-        </p:txBody>
-      </p:sp>
-    </p:spTree>
-  </p:cSld>
-  <p:clrMapOvr>
-    <a:masterClrMapping/>
-  </p:clrMapOvr>
-</p:sld>
-</file>
-
-<file path=ppt/slides/slide8.xml><?xml version="1.0" encoding="utf-8"?>
-<p:sld xmlns:a="http://schemas.openxmlformats.org/drawingml/2006/main" xmlns:p="http://schemas.openxmlformats.org/presentationml/2006/main" xmlns:r="http://schemas.openxmlformats.org/officeDocument/2006/relationships">
-  <p:cSld>
-    <p:spTree>
-      <p:nvGrpSpPr>
-        <p:cNvPr id="1" name=""/>
-        <p:cNvGrpSpPr/>
-        <p:nvPr/>
-      </p:nvGrpSpPr>
-      <p:grpSpPr/>
-      <p:sp>
-        <p:nvSpPr>
-          <p:cNvPr id="2" name="Title 1"/>
-          <p:cNvSpPr>
-            <a:spLocks noGrp="1"/>
-          </p:cNvSpPr>
-          <p:nvPr>
-            <p:ph type="title"/>
-          </p:nvPr>
-        </p:nvSpPr>
-        <p:spPr>
-          <a:xfrm>
-            <a:ext cx="9144000" cy="6858000"/>
-          </a:xfrm>
-        </p:spPr>
-        <p:txBody>
-          <a:bodyPr/>
-          <a:lstStyle/>
-          <a:p>
-            <a:pPr algn="ctr">
-              <a:defRPr sz="8000">
-                <a:latin typeface="Helvetica Inserat LT Std"/>
-              </a:defRPr>
-            </a:pPr>
-            <a:r>
-              <a:t> fa rehefa novonjen'ny Tompo ho afaka tany Egypta ny olona,</a:t>
-            </a:r>
-          </a:p>
-        </p:txBody>
-      </p:sp>
-    </p:spTree>
-  </p:cSld>
-  <p:clrMapOvr>
-    <a:masterClrMapping/>
-  </p:clrMapOvr>
-</p:sld>
-</file>
-
-<file path=ppt/slides/slide9.xml><?xml version="1.0" encoding="utf-8"?>
-<p:sld xmlns:a="http://schemas.openxmlformats.org/drawingml/2006/main" xmlns:p="http://schemas.openxmlformats.org/presentationml/2006/main" xmlns:r="http://schemas.openxmlformats.org/officeDocument/2006/relationships">
-  <p:cSld>
-    <p:spTree>
-      <p:nvGrpSpPr>
-        <p:cNvPr id="1" name=""/>
-        <p:cNvGrpSpPr/>
-        <p:nvPr/>
-      </p:nvGrpSpPr>
-      <p:grpSpPr/>
-      <p:sp>
-        <p:nvSpPr>
-          <p:cNvPr id="2" name="Title 1"/>
-          <p:cNvSpPr>
-            <a:spLocks noGrp="1"/>
-          </p:cNvSpPr>
-          <p:nvPr>
-            <p:ph type="title"/>
-          </p:nvPr>
-        </p:nvSpPr>
-        <p:spPr>
-          <a:xfrm>
-            <a:ext cx="9144000" cy="6858000"/>
-          </a:xfrm>
-        </p:spPr>
-        <p:txBody>
-          <a:bodyPr/>
-          <a:lstStyle/>
-          <a:p>
-            <a:pPr algn="ctr">
-              <a:defRPr sz="8000">
-                <a:latin typeface="Helvetica Inserat LT Std"/>
-              </a:defRPr>
-            </a:pPr>
-            <a:r>
-              <a:t> dia naringany ihany tao aorian'izany izay tsy nino.</a:t>
+              <a:t>1 Haleloia. Miderà an'Andriamanitra eo amin'ny fitoerany masina. Miderà Azy eo amin'ny habakabaky ny heriny.</a:t>
             </a:r>
           </a:p>
         </p:txBody>

--- a/test.pptx
+++ b/test.pptx
@@ -6,7 +6,7 @@
   </p:sldMasterIdLst>
   <p:sldIdLst>
     <p:sldId id="1120" r:id="rId2"/>
-    <p:sldId id="1121" r:id="rId7"/>
+    <p:sldId id="1121" r:id="rId3"/>
   </p:sldIdLst>
   <p:sldSz cx="9144000" cy="6858000" type="screen4x3"/>
   <p:notesSz cx="6858000" cy="9144000"/>
@@ -304,7 +304,7 @@
                 <a:tabLst/>
                 <a:defRPr/>
               </a:pPr>
-              <a:t>05/11/2023</a:t>
+              <a:t>12/11/2023</a:t>
             </a:fld>
             <a:endParaRPr kumimoji="0" lang="fr-FR" sz="1200" b="0" i="0" u="none" strike="noStrike" kern="1200" cap="none" spc="0" normalizeH="0" baseline="0" noProof="0">
               <a:ln>
@@ -634,7 +634,7 @@
                 <a:tabLst/>
                 <a:defRPr/>
               </a:pPr>
-              <a:t>05/11/2023</a:t>
+              <a:t>12/11/2023</a:t>
             </a:fld>
             <a:endParaRPr kumimoji="0" lang="fr-FR" sz="1200" b="0" i="0" u="none" strike="noStrike" kern="1200" cap="none" spc="0" normalizeH="0" baseline="0" noProof="0">
               <a:ln>
@@ -974,7 +974,7 @@
                 <a:tabLst/>
                 <a:defRPr/>
               </a:pPr>
-              <a:t>05/11/2023</a:t>
+              <a:t>12/11/2023</a:t>
             </a:fld>
             <a:endParaRPr kumimoji="0" lang="fr-FR" sz="1200" b="0" i="0" u="none" strike="noStrike" kern="1200" cap="none" spc="0" normalizeH="0" baseline="0" noProof="0">
               <a:ln>
@@ -1304,7 +1304,7 @@
                 <a:tabLst/>
                 <a:defRPr/>
               </a:pPr>
-              <a:t>05/11/2023</a:t>
+              <a:t>12/11/2023</a:t>
             </a:fld>
             <a:endParaRPr kumimoji="0" lang="fr-FR" sz="1200" b="0" i="0" u="none" strike="noStrike" kern="1200" cap="none" spc="0" normalizeH="0" baseline="0" noProof="0">
               <a:ln>
@@ -1708,7 +1708,7 @@
                 <a:tabLst/>
                 <a:defRPr/>
               </a:pPr>
-              <a:t>05/11/2023</a:t>
+              <a:t>12/11/2023</a:t>
             </a:fld>
             <a:endParaRPr kumimoji="0" lang="fr-FR" sz="1200" b="0" i="0" u="none" strike="noStrike" kern="1200" cap="none" spc="0" normalizeH="0" baseline="0" noProof="0">
               <a:ln>
@@ -2100,7 +2100,7 @@
                 <a:tabLst/>
                 <a:defRPr/>
               </a:pPr>
-              <a:t>05/11/2023</a:t>
+              <a:t>12/11/2023</a:t>
             </a:fld>
             <a:endParaRPr kumimoji="0" lang="fr-FR" sz="1200" b="0" i="0" u="none" strike="noStrike" kern="1200" cap="none" spc="0" normalizeH="0" baseline="0" noProof="0">
               <a:ln>
@@ -2627,7 +2627,7 @@
                 <a:tabLst/>
                 <a:defRPr/>
               </a:pPr>
-              <a:t>05/11/2023</a:t>
+              <a:t>12/11/2023</a:t>
             </a:fld>
             <a:endParaRPr kumimoji="0" lang="fr-FR" sz="1200" b="0" i="0" u="none" strike="noStrike" kern="1200" cap="none" spc="0" normalizeH="0" baseline="0" noProof="0">
               <a:ln>
@@ -2905,7 +2905,7 @@
                 <a:tabLst/>
                 <a:defRPr/>
               </a:pPr>
-              <a:t>05/11/2023</a:t>
+              <a:t>12/11/2023</a:t>
             </a:fld>
             <a:endParaRPr kumimoji="0" lang="fr-FR" sz="1200" b="0" i="0" u="none" strike="noStrike" kern="1200" cap="none" spc="0" normalizeH="0" baseline="0" noProof="0">
               <a:ln>
@@ -3160,7 +3160,7 @@
                 <a:tabLst/>
                 <a:defRPr/>
               </a:pPr>
-              <a:t>05/11/2023</a:t>
+              <a:t>12/11/2023</a:t>
             </a:fld>
             <a:endParaRPr kumimoji="0" lang="fr-FR" sz="1200" b="0" i="0" u="none" strike="noStrike" kern="1200" cap="none" spc="0" normalizeH="0" baseline="0" noProof="0">
               <a:ln>
@@ -3597,7 +3597,7 @@
                 <a:tabLst/>
                 <a:defRPr/>
               </a:pPr>
-              <a:t>05/11/2023</a:t>
+              <a:t>12/11/2023</a:t>
             </a:fld>
             <a:endParaRPr kumimoji="0" lang="fr-FR" sz="1200" b="0" i="0" u="none" strike="noStrike" kern="1200" cap="none" spc="0" normalizeH="0" baseline="0" noProof="0">
               <a:ln>
@@ -4014,7 +4014,7 @@
                 <a:tabLst/>
                 <a:defRPr/>
               </a:pPr>
-              <a:t>05/11/2023</a:t>
+              <a:t>12/11/2023</a:t>
             </a:fld>
             <a:endParaRPr kumimoji="0" lang="fr-FR" sz="1200" b="0" i="0" u="none" strike="noStrike" kern="1200" cap="none" spc="0" normalizeH="0" baseline="0" noProof="0">
               <a:ln>
@@ -4397,7 +4397,7 @@
                 <a:tabLst/>
                 <a:defRPr/>
               </a:pPr>
-              <a:t>05/11/2023</a:t>
+              <a:t>12/11/2023</a:t>
             </a:fld>
             <a:endParaRPr kumimoji="0" lang="fr-FR" sz="1200" b="0" i="0" u="none" strike="noStrike" kern="1200" cap="none" spc="0" normalizeH="0" baseline="0" noProof="0">
               <a:ln>
@@ -4961,7 +4961,12 @@
               </a:defRPr>
             </a:pPr>
             <a:r>
-              <a:t>Salamo </a:t>
+              <a:rPr dirty="0" err="1"/>
+              <a:t>Nomery</a:t>
+            </a:r>
+            <a:r>
+              <a:rPr dirty="0"/>
+              <a:t> </a:t>
             </a:r>
           </a:p>
           <a:p>
@@ -4974,7 +4979,8 @@
               </a:defRPr>
             </a:pPr>
             <a:r>
-              <a:t>150 : 1</a:t>
+              <a:rPr dirty="0"/>
+              <a:t>1 : 5</a:t>
             </a:r>
           </a:p>
         </p:txBody>
@@ -4993,7 +4999,7 @@
 </file>
 
 <file path=ppt/slides/slide2.xml><?xml version="1.0" encoding="utf-8"?>
-<p:sld xmlns:a="http://schemas.openxmlformats.org/drawingml/2006/main" xmlns:p="http://schemas.openxmlformats.org/presentationml/2006/main" xmlns:r="http://schemas.openxmlformats.org/officeDocument/2006/relationships">
+<p:sld xmlns:a="http://schemas.openxmlformats.org/drawingml/2006/main" xmlns:r="http://schemas.openxmlformats.org/officeDocument/2006/relationships" xmlns:p="http://schemas.openxmlformats.org/presentationml/2006/main">
   <p:cSld>
     <p:spTree>
       <p:nvGrpSpPr>
@@ -5001,7 +5007,14 @@
         <p:cNvGrpSpPr/>
         <p:nvPr/>
       </p:nvGrpSpPr>
-      <p:grpSpPr/>
+      <p:grpSpPr>
+        <a:xfrm>
+          <a:off x="0" y="0"/>
+          <a:ext cx="0" cy="0"/>
+          <a:chOff x="0" y="0"/>
+          <a:chExt cx="0" cy="0"/>
+        </a:xfrm>
+      </p:grpSpPr>
       <p:sp>
         <p:nvSpPr>
           <p:cNvPr id="2" name="Title 1"/>
@@ -5014,6 +5027,7 @@
         </p:nvSpPr>
         <p:spPr>
           <a:xfrm>
+            <a:off x="0" y="0"/>
             <a:ext cx="9144000" cy="6858000"/>
           </a:xfrm>
         </p:spPr>
@@ -5027,8 +5041,126 @@
               </a:defRPr>
             </a:pPr>
             <a:r>
-              <a:t>1 Haleloia. Miderà an'Andriamanitra eo amin'ny fitoerany masina. Miderà Azy eo amin'ny habakabaky ny heriny.</a:t>
-            </a:r>
+              <a:rPr dirty="0"/>
+              <a:t>5 </a:t>
+            </a:r>
+            <a:r>
+              <a:rPr dirty="0" err="1"/>
+              <a:t>Ary</a:t>
+            </a:r>
+            <a:r>
+              <a:rPr dirty="0"/>
+              <a:t> </a:t>
+            </a:r>
+            <a:r>
+              <a:rPr dirty="0" err="1"/>
+              <a:t>izao</a:t>
+            </a:r>
+            <a:r>
+              <a:rPr dirty="0"/>
+              <a:t> no </a:t>
+            </a:r>
+            <a:r>
+              <a:rPr dirty="0" err="1"/>
+              <a:t>anaran'ireo</a:t>
+            </a:r>
+            <a:r>
+              <a:rPr dirty="0"/>
+              <a:t> </a:t>
+            </a:r>
+            <a:r>
+              <a:rPr dirty="0" err="1"/>
+              <a:t>lehilahy</a:t>
+            </a:r>
+            <a:r>
+              <a:rPr dirty="0"/>
+              <a:t> ho </a:t>
+            </a:r>
+            <a:r>
+              <a:rPr dirty="0" err="1"/>
+              <a:t>namanareo</a:t>
+            </a:r>
+            <a:r>
+              <a:rPr dirty="0"/>
+              <a:t> </a:t>
+            </a:r>
+            <a:r>
+              <a:rPr dirty="0" err="1"/>
+              <a:t>ireo</a:t>
+            </a:r>
+            <a:r>
+              <a:rPr dirty="0"/>
+              <a:t>: </a:t>
+            </a:r>
+            <a:r>
+              <a:rPr dirty="0" err="1"/>
+              <a:t>Ny</a:t>
+            </a:r>
+            <a:r>
+              <a:rPr dirty="0"/>
+              <a:t> </a:t>
+            </a:r>
+            <a:r>
+              <a:rPr dirty="0" err="1"/>
+              <a:t>avy</a:t>
+            </a:r>
+            <a:r>
+              <a:rPr dirty="0"/>
+              <a:t> </a:t>
+            </a:r>
+            <a:r>
+              <a:rPr dirty="0" err="1"/>
+              <a:t>amin'i</a:t>
+            </a:r>
+            <a:r>
+              <a:rPr dirty="0"/>
+              <a:t> </a:t>
+            </a:r>
+            <a:r>
+              <a:rPr dirty="0" err="1"/>
+              <a:t>Robena</a:t>
+            </a:r>
+            <a:r>
+              <a:rPr dirty="0"/>
+              <a:t> </a:t>
+            </a:r>
+            <a:r>
+              <a:rPr dirty="0" err="1"/>
+              <a:t>dia</a:t>
+            </a:r>
+            <a:r>
+              <a:rPr dirty="0"/>
+              <a:t> </a:t>
+            </a:r>
+            <a:r>
+              <a:rPr dirty="0" err="1"/>
+              <a:t>Elizora</a:t>
+            </a:r>
+            <a:r>
+              <a:rPr dirty="0" smtClean="0"/>
+              <a:t>,</a:t>
+            </a:r>
+            <a:r>
+              <a:rPr lang="fr-FR" dirty="0" smtClean="0"/>
+              <a:t> </a:t>
+            </a:r>
+            <a:r>
+              <a:rPr lang="fr-FR" dirty="0" err="1" smtClean="0"/>
+              <a:t>zanak'i</a:t>
+            </a:r>
+            <a:r>
+              <a:rPr lang="fr-FR" dirty="0" smtClean="0"/>
+              <a:t> </a:t>
+            </a:r>
+            <a:r>
+              <a:rPr lang="fr-FR" dirty="0" err="1" smtClean="0"/>
+              <a:t>Sedeora</a:t>
+            </a:r>
+            <a:r>
+              <a:rPr lang="fr-FR" dirty="0" smtClean="0"/>
+              <a:t>;</a:t>
+            </a:r>
+            <a:endParaRPr dirty="0"/>
           </a:p>
         </p:txBody>
       </p:sp>

--- a/test.pptx
+++ b/test.pptx
@@ -7,6 +7,7 @@
   <p:sldIdLst>
     <p:sldId id="1120" r:id="rId2"/>
     <p:sldId id="1121" r:id="rId3"/>
+    <p:sldId id="1123" r:id="rId4"/>
   </p:sldIdLst>
   <p:sldSz cx="9144000" cy="6858000" type="screen4x3"/>
   <p:notesSz cx="6858000" cy="9144000"/>
@@ -304,7 +305,7 @@
                 <a:tabLst/>
                 <a:defRPr/>
               </a:pPr>
-              <a:t>12/11/2023</a:t>
+              <a:t>18/11/2023</a:t>
             </a:fld>
             <a:endParaRPr kumimoji="0" lang="fr-FR" sz="1200" b="0" i="0" u="none" strike="noStrike" kern="1200" cap="none" spc="0" normalizeH="0" baseline="0" noProof="0">
               <a:ln>
@@ -634,7 +635,7 @@
                 <a:tabLst/>
                 <a:defRPr/>
               </a:pPr>
-              <a:t>12/11/2023</a:t>
+              <a:t>18/11/2023</a:t>
             </a:fld>
             <a:endParaRPr kumimoji="0" lang="fr-FR" sz="1200" b="0" i="0" u="none" strike="noStrike" kern="1200" cap="none" spc="0" normalizeH="0" baseline="0" noProof="0">
               <a:ln>
@@ -974,7 +975,7 @@
                 <a:tabLst/>
                 <a:defRPr/>
               </a:pPr>
-              <a:t>12/11/2023</a:t>
+              <a:t>18/11/2023</a:t>
             </a:fld>
             <a:endParaRPr kumimoji="0" lang="fr-FR" sz="1200" b="0" i="0" u="none" strike="noStrike" kern="1200" cap="none" spc="0" normalizeH="0" baseline="0" noProof="0">
               <a:ln>
@@ -1304,7 +1305,7 @@
                 <a:tabLst/>
                 <a:defRPr/>
               </a:pPr>
-              <a:t>12/11/2023</a:t>
+              <a:t>18/11/2023</a:t>
             </a:fld>
             <a:endParaRPr kumimoji="0" lang="fr-FR" sz="1200" b="0" i="0" u="none" strike="noStrike" kern="1200" cap="none" spc="0" normalizeH="0" baseline="0" noProof="0">
               <a:ln>
@@ -1708,7 +1709,7 @@
                 <a:tabLst/>
                 <a:defRPr/>
               </a:pPr>
-              <a:t>12/11/2023</a:t>
+              <a:t>18/11/2023</a:t>
             </a:fld>
             <a:endParaRPr kumimoji="0" lang="fr-FR" sz="1200" b="0" i="0" u="none" strike="noStrike" kern="1200" cap="none" spc="0" normalizeH="0" baseline="0" noProof="0">
               <a:ln>
@@ -2100,7 +2101,7 @@
                 <a:tabLst/>
                 <a:defRPr/>
               </a:pPr>
-              <a:t>12/11/2023</a:t>
+              <a:t>18/11/2023</a:t>
             </a:fld>
             <a:endParaRPr kumimoji="0" lang="fr-FR" sz="1200" b="0" i="0" u="none" strike="noStrike" kern="1200" cap="none" spc="0" normalizeH="0" baseline="0" noProof="0">
               <a:ln>
@@ -2627,7 +2628,7 @@
                 <a:tabLst/>
                 <a:defRPr/>
               </a:pPr>
-              <a:t>12/11/2023</a:t>
+              <a:t>18/11/2023</a:t>
             </a:fld>
             <a:endParaRPr kumimoji="0" lang="fr-FR" sz="1200" b="0" i="0" u="none" strike="noStrike" kern="1200" cap="none" spc="0" normalizeH="0" baseline="0" noProof="0">
               <a:ln>
@@ -2905,7 +2906,7 @@
                 <a:tabLst/>
                 <a:defRPr/>
               </a:pPr>
-              <a:t>12/11/2023</a:t>
+              <a:t>18/11/2023</a:t>
             </a:fld>
             <a:endParaRPr kumimoji="0" lang="fr-FR" sz="1200" b="0" i="0" u="none" strike="noStrike" kern="1200" cap="none" spc="0" normalizeH="0" baseline="0" noProof="0">
               <a:ln>
@@ -3160,7 +3161,7 @@
                 <a:tabLst/>
                 <a:defRPr/>
               </a:pPr>
-              <a:t>12/11/2023</a:t>
+              <a:t>18/11/2023</a:t>
             </a:fld>
             <a:endParaRPr kumimoji="0" lang="fr-FR" sz="1200" b="0" i="0" u="none" strike="noStrike" kern="1200" cap="none" spc="0" normalizeH="0" baseline="0" noProof="0">
               <a:ln>
@@ -3597,7 +3598,7 @@
                 <a:tabLst/>
                 <a:defRPr/>
               </a:pPr>
-              <a:t>12/11/2023</a:t>
+              <a:t>18/11/2023</a:t>
             </a:fld>
             <a:endParaRPr kumimoji="0" lang="fr-FR" sz="1200" b="0" i="0" u="none" strike="noStrike" kern="1200" cap="none" spc="0" normalizeH="0" baseline="0" noProof="0">
               <a:ln>
@@ -4014,7 +4015,7 @@
                 <a:tabLst/>
                 <a:defRPr/>
               </a:pPr>
-              <a:t>12/11/2023</a:t>
+              <a:t>18/11/2023</a:t>
             </a:fld>
             <a:endParaRPr kumimoji="0" lang="fr-FR" sz="1200" b="0" i="0" u="none" strike="noStrike" kern="1200" cap="none" spc="0" normalizeH="0" baseline="0" noProof="0">
               <a:ln>
@@ -4397,7 +4398,7 @@
                 <a:tabLst/>
                 <a:defRPr/>
               </a:pPr>
-              <a:t>12/11/2023</a:t>
+              <a:t>18/11/2023</a:t>
             </a:fld>
             <a:endParaRPr kumimoji="0" lang="fr-FR" sz="1200" b="0" i="0" u="none" strike="noStrike" kern="1200" cap="none" spc="0" normalizeH="0" baseline="0" noProof="0">
               <a:ln>
@@ -4962,7 +4963,7 @@
             </a:pPr>
             <a:r>
               <a:rPr dirty="0" err="1"/>
-              <a:t>Nomery</a:t>
+              <a:t>Salamo</a:t>
             </a:r>
             <a:r>
               <a:rPr dirty="0"/>
@@ -4980,7 +4981,7 @@
             </a:pPr>
             <a:r>
               <a:rPr dirty="0"/>
-              <a:t>1 : 5</a:t>
+              <a:t>3 : 4 - 5</a:t>
             </a:r>
           </a:p>
         </p:txBody>
@@ -5042,11 +5043,11 @@
             </a:pPr>
             <a:r>
               <a:rPr dirty="0"/>
-              <a:t>5 </a:t>
+              <a:t>4 </a:t>
             </a:r>
             <a:r>
               <a:rPr dirty="0" err="1"/>
-              <a:t>Ary</a:t>
+              <a:t>Amin'ny</a:t>
             </a:r>
             <a:r>
               <a:rPr dirty="0"/>
@@ -5054,7 +5055,7 @@
             </a:r>
             <a:r>
               <a:rPr dirty="0" err="1"/>
-              <a:t>izao</a:t>
+              <a:t>feoko</a:t>
             </a:r>
             <a:r>
               <a:rPr dirty="0"/>
@@ -5062,7 +5063,7 @@
             </a:r>
             <a:r>
               <a:rPr dirty="0" err="1"/>
-              <a:t>anaran'ireo</a:t>
+              <a:t>iantsoako</a:t>
             </a:r>
             <a:r>
               <a:rPr dirty="0"/>
@@ -5070,15 +5071,129 @@
             </a:r>
             <a:r>
               <a:rPr dirty="0" err="1"/>
-              <a:t>lehilahy</a:t>
+              <a:t>an'i</a:t>
             </a:r>
             <a:r>
               <a:rPr dirty="0"/>
-              <a:t> ho </a:t>
+              <a:t> Jehovah</a:t>
+            </a:r>
+            <a:r>
+              <a:rPr dirty="0" smtClean="0"/>
+              <a:t>,</a:t>
+            </a:r>
+            <a:r>
+              <a:rPr lang="en-US" dirty="0" smtClean="0"/>
+              <a:t> </a:t>
+            </a:r>
+            <a:r>
+              <a:rPr lang="en-US" dirty="0" err="1" smtClean="0"/>
+              <a:t>ary</a:t>
+            </a:r>
+            <a:r>
+              <a:rPr lang="en-US" dirty="0" smtClean="0"/>
+              <a:t> any an-</a:t>
+            </a:r>
+            <a:r>
+              <a:rPr lang="en-US" dirty="0" err="1" smtClean="0"/>
+              <a:t>tendrombohiny</a:t>
+            </a:r>
+            <a:r>
+              <a:rPr lang="en-US" dirty="0" smtClean="0"/>
+              <a:t> </a:t>
+            </a:r>
+            <a:r>
+              <a:rPr lang="en-US" dirty="0" err="1" smtClean="0"/>
+              <a:t>masina</a:t>
+            </a:r>
+            <a:r>
+              <a:rPr lang="en-US" dirty="0" smtClean="0"/>
+              <a:t> no </a:t>
+            </a:r>
+            <a:r>
+              <a:rPr lang="en-US" dirty="0" err="1" smtClean="0"/>
+              <a:t>mamaly</a:t>
+            </a:r>
+            <a:r>
+              <a:rPr lang="en-US" dirty="0" smtClean="0"/>
+              <a:t> </a:t>
+            </a:r>
+            <a:r>
+              <a:rPr lang="en-US" dirty="0" err="1" smtClean="0"/>
+              <a:t>ahy</a:t>
+            </a:r>
+            <a:r>
+              <a:rPr lang="en-US" dirty="0" smtClean="0"/>
+              <a:t> </a:t>
+            </a:r>
+            <a:r>
+              <a:rPr lang="en-US" dirty="0" err="1" smtClean="0"/>
+              <a:t>Izy</a:t>
+            </a:r>
+            <a:r>
+              <a:rPr lang="en-US" dirty="0" smtClean="0"/>
+              <a:t>.</a:t>
+            </a:r>
+            <a:endParaRPr dirty="0"/>
+          </a:p>
+        </p:txBody>
+      </p:sp>
+    </p:spTree>
+  </p:cSld>
+  <p:clrMapOvr>
+    <a:masterClrMapping/>
+  </p:clrMapOvr>
+</p:sld>
+</file>
+
+<file path=ppt/slides/slide3.xml><?xml version="1.0" encoding="utf-8"?>
+<p:sld xmlns:a="http://schemas.openxmlformats.org/drawingml/2006/main" xmlns:r="http://schemas.openxmlformats.org/officeDocument/2006/relationships" xmlns:p="http://schemas.openxmlformats.org/presentationml/2006/main">
+  <p:cSld>
+    <p:spTree>
+      <p:nvGrpSpPr>
+        <p:cNvPr id="1" name=""/>
+        <p:cNvGrpSpPr/>
+        <p:nvPr/>
+      </p:nvGrpSpPr>
+      <p:grpSpPr>
+        <a:xfrm>
+          <a:off x="0" y="0"/>
+          <a:ext cx="0" cy="0"/>
+          <a:chOff x="0" y="0"/>
+          <a:chExt cx="0" cy="0"/>
+        </a:xfrm>
+      </p:grpSpPr>
+      <p:sp>
+        <p:nvSpPr>
+          <p:cNvPr id="2" name="Title 1"/>
+          <p:cNvSpPr>
+            <a:spLocks noGrp="1"/>
+          </p:cNvSpPr>
+          <p:nvPr>
+            <p:ph type="title"/>
+          </p:nvPr>
+        </p:nvSpPr>
+        <p:spPr>
+          <a:xfrm>
+            <a:off x="0" y="0"/>
+            <a:ext cx="9144000" cy="6858000"/>
+          </a:xfrm>
+        </p:spPr>
+        <p:txBody>
+          <a:bodyPr/>
+          <a:lstStyle/>
+          <a:p>
+            <a:pPr algn="ctr">
+              <a:defRPr sz="8000">
+                <a:latin typeface="Helvetica Inserat LT Std"/>
+              </a:defRPr>
+            </a:pPr>
+            <a:r>
+              <a:rPr dirty="0"/>
+              <a:t>5 </a:t>
             </a:r>
             <a:r>
               <a:rPr dirty="0" err="1"/>
-              <a:t>namanareo</a:t>
+              <a:t>Izaho</a:t>
             </a:r>
             <a:r>
               <a:rPr dirty="0"/>
@@ -5086,15 +5201,7 @@
             </a:r>
             <a:r>
               <a:rPr dirty="0" err="1"/>
-              <a:t>ireo</a:t>
-            </a:r>
-            <a:r>
-              <a:rPr dirty="0"/>
-              <a:t>: </a:t>
-            </a:r>
-            <a:r>
-              <a:rPr dirty="0" err="1"/>
-              <a:t>Ny</a:t>
+              <a:t>nandry</a:t>
             </a:r>
             <a:r>
               <a:rPr dirty="0"/>
@@ -5102,7 +5209,7 @@
             </a:r>
             <a:r>
               <a:rPr dirty="0" err="1"/>
-              <a:t>avy</a:t>
+              <a:t>ka</a:t>
             </a:r>
             <a:r>
               <a:rPr dirty="0"/>
@@ -5110,7 +5217,15 @@
             </a:r>
             <a:r>
               <a:rPr dirty="0" err="1"/>
-              <a:t>amin'i</a:t>
+              <a:t>natory</a:t>
+            </a:r>
+            <a:r>
+              <a:rPr dirty="0"/>
+              <a:t>; </a:t>
+            </a:r>
+            <a:r>
+              <a:rPr dirty="0" err="1"/>
+              <a:t>nifoha</a:t>
             </a:r>
             <a:r>
               <a:rPr dirty="0"/>
@@ -5118,7 +5233,23 @@
             </a:r>
             <a:r>
               <a:rPr dirty="0" err="1"/>
-              <a:t>Robena</a:t>
+              <a:t>aho</a:t>
+            </a:r>
+            <a:r>
+              <a:rPr dirty="0"/>
+              <a:t>, </a:t>
+            </a:r>
+            <a:r>
+              <a:rPr dirty="0" err="1"/>
+              <a:t>satria</a:t>
+            </a:r>
+            <a:r>
+              <a:rPr dirty="0"/>
+              <a:t> Jehovah no </a:t>
+            </a:r>
+            <a:r>
+              <a:rPr dirty="0" err="1"/>
+              <a:t>manohana</a:t>
             </a:r>
             <a:r>
               <a:rPr dirty="0"/>
@@ -5126,41 +5257,12 @@
             </a:r>
             <a:r>
               <a:rPr dirty="0" err="1"/>
-              <a:t>dia</a:t>
+              <a:t>ahy</a:t>
             </a:r>
             <a:r>
               <a:rPr dirty="0"/>
-              <a:t> </a:t>
-            </a:r>
-            <a:r>
-              <a:rPr dirty="0" err="1"/>
-              <a:t>Elizora</a:t>
-            </a:r>
-            <a:r>
-              <a:rPr dirty="0" smtClean="0"/>
-              <a:t>,</a:t>
-            </a:r>
-            <a:r>
-              <a:rPr lang="fr-FR" dirty="0" smtClean="0"/>
-              <a:t> </a:t>
-            </a:r>
-            <a:r>
-              <a:rPr lang="fr-FR" dirty="0" err="1" smtClean="0"/>
-              <a:t>zanak'i</a:t>
-            </a:r>
-            <a:r>
-              <a:rPr lang="fr-FR" dirty="0" smtClean="0"/>
-              <a:t> </a:t>
-            </a:r>
-            <a:r>
-              <a:rPr lang="fr-FR" dirty="0" err="1" smtClean="0"/>
-              <a:t>Sedeora</a:t>
-            </a:r>
-            <a:r>
-              <a:rPr lang="fr-FR" dirty="0" smtClean="0"/>
-              <a:t>;</a:t>
-            </a:r>
-            <a:endParaRPr dirty="0"/>
+              <a:t>.</a:t>
+            </a:r>
           </a:p>
         </p:txBody>
       </p:sp>

--- a/test.pptx
+++ b/test.pptx
@@ -7,7 +7,8 @@
   <p:sldIdLst>
     <p:sldId id="1120" r:id="rId2"/>
     <p:sldId id="1121" r:id="rId3"/>
-    <p:sldId id="1123" r:id="rId4"/>
+    <p:sldId id="1122" r:id="rId4"/>
+    <p:sldId id="1123" r:id="rId5"/>
   </p:sldIdLst>
   <p:sldSz cx="9144000" cy="6858000" type="screen4x3"/>
   <p:notesSz cx="6858000" cy="9144000"/>
@@ -4962,8 +4963,12 @@
               </a:defRPr>
             </a:pPr>
             <a:r>
+              <a:rPr dirty="0"/>
+              <a:t>I </a:t>
+            </a:r>
+            <a:r>
               <a:rPr dirty="0" err="1"/>
-              <a:t>Salamo</a:t>
+              <a:t>Timoty</a:t>
             </a:r>
             <a:r>
               <a:rPr dirty="0"/>
@@ -5047,7 +5052,7 @@
             </a:r>
             <a:r>
               <a:rPr dirty="0" err="1"/>
-              <a:t>Amin'ny</a:t>
+              <a:t>manapaka</a:t>
             </a:r>
             <a:r>
               <a:rPr dirty="0"/>
@@ -5055,15 +5060,7 @@
             </a:r>
             <a:r>
               <a:rPr dirty="0" err="1"/>
-              <a:t>feoko</a:t>
-            </a:r>
-            <a:r>
-              <a:rPr dirty="0"/>
-              <a:t> no </a:t>
-            </a:r>
-            <a:r>
-              <a:rPr dirty="0" err="1"/>
-              <a:t>iantsoako</a:t>
+              <a:t>tsara</a:t>
             </a:r>
             <a:r>
               <a:rPr dirty="0"/>
@@ -5071,67 +5068,63 @@
             </a:r>
             <a:r>
               <a:rPr dirty="0" err="1"/>
-              <a:t>an'i</a:t>
+              <a:t>ny</a:t>
             </a:r>
             <a:r>
               <a:rPr dirty="0"/>
-              <a:t> Jehovah</a:t>
-            </a:r>
-            <a:r>
-              <a:rPr dirty="0" smtClean="0"/>
-              <a:t>,</a:t>
-            </a:r>
-            <a:r>
-              <a:rPr lang="en-US" dirty="0" smtClean="0"/>
               <a:t> </a:t>
             </a:r>
             <a:r>
-              <a:rPr lang="en-US" dirty="0" err="1" smtClean="0"/>
-              <a:t>ary</a:t>
-            </a:r>
-            <a:r>
-              <a:rPr lang="en-US" dirty="0" smtClean="0"/>
-              <a:t> any an-</a:t>
-            </a:r>
-            <a:r>
-              <a:rPr lang="en-US" dirty="0" err="1" smtClean="0"/>
-              <a:t>tendrombohiny</a:t>
-            </a:r>
-            <a:r>
-              <a:rPr lang="en-US" dirty="0" smtClean="0"/>
+              <a:rPr dirty="0" err="1"/>
+              <a:t>ankohonany</a:t>
+            </a:r>
+            <a:r>
+              <a:rPr dirty="0"/>
+              <a:t>, </a:t>
+            </a:r>
+            <a:r>
+              <a:rPr dirty="0" err="1"/>
+              <a:t>mampanaiky</a:t>
+            </a:r>
+            <a:r>
+              <a:rPr dirty="0"/>
               <a:t> </a:t>
             </a:r>
             <a:r>
-              <a:rPr lang="en-US" dirty="0" err="1" smtClean="0"/>
-              <a:t>masina</a:t>
-            </a:r>
-            <a:r>
-              <a:rPr lang="en-US" dirty="0" smtClean="0"/>
-              <a:t> no </a:t>
-            </a:r>
-            <a:r>
-              <a:rPr lang="en-US" dirty="0" err="1" smtClean="0"/>
-              <a:t>mamaly</a:t>
-            </a:r>
-            <a:r>
-              <a:rPr lang="en-US" dirty="0" smtClean="0"/>
+              <a:rPr dirty="0" err="1"/>
+              <a:t>ny</a:t>
+            </a:r>
+            <a:r>
+              <a:rPr dirty="0"/>
               <a:t> </a:t>
             </a:r>
             <a:r>
-              <a:rPr lang="en-US" dirty="0" err="1" smtClean="0"/>
-              <a:t>ahy</a:t>
-            </a:r>
-            <a:r>
-              <a:rPr lang="en-US" dirty="0" smtClean="0"/>
+              <a:rPr dirty="0" err="1"/>
+              <a:t>zanany</a:t>
+            </a:r>
+            <a:r>
+              <a:rPr dirty="0"/>
               <a:t> </a:t>
             </a:r>
             <a:r>
-              <a:rPr lang="en-US" dirty="0" err="1" smtClean="0"/>
-              <a:t>Izy</a:t>
-            </a:r>
-            <a:r>
-              <a:rPr lang="en-US" dirty="0" smtClean="0"/>
-              <a:t>.</a:t>
+              <a:rPr dirty="0" err="1"/>
+              <a:t>amin'ny</a:t>
+            </a:r>
+            <a:r>
+              <a:rPr dirty="0"/>
+              <a:t> </a:t>
+            </a:r>
+            <a:r>
+              <a:rPr dirty="0" err="1"/>
+              <a:t>fahamaotinana</a:t>
+            </a:r>
+            <a:r>
+              <a:rPr dirty="0"/>
+              <a:t> </a:t>
+            </a:r>
+            <a:r>
+              <a:rPr dirty="0" err="1"/>
+              <a:t>tsara</a:t>
             </a:r>
             <a:endParaRPr dirty="0"/>
           </a:p>
@@ -5189,11 +5182,11 @@
             </a:pPr>
             <a:r>
               <a:rPr dirty="0"/>
-              <a:t>5 </a:t>
+              <a:t>5 (</a:t>
             </a:r>
             <a:r>
               <a:rPr dirty="0" err="1"/>
-              <a:t>Izaho</a:t>
+              <a:t>fa</a:t>
             </a:r>
             <a:r>
               <a:rPr dirty="0"/>
@@ -5201,7 +5194,7 @@
             </a:r>
             <a:r>
               <a:rPr dirty="0" err="1"/>
-              <a:t>nandry</a:t>
+              <a:t>raha</a:t>
             </a:r>
             <a:r>
               <a:rPr dirty="0"/>
@@ -5209,7 +5202,7 @@
             </a:r>
             <a:r>
               <a:rPr dirty="0" err="1"/>
-              <a:t>ka</a:t>
+              <a:t>misy</a:t>
             </a:r>
             <a:r>
               <a:rPr dirty="0"/>
@@ -5217,15 +5210,7 @@
             </a:r>
             <a:r>
               <a:rPr dirty="0" err="1"/>
-              <a:t>natory</a:t>
-            </a:r>
-            <a:r>
-              <a:rPr dirty="0"/>
-              <a:t>; </a:t>
-            </a:r>
-            <a:r>
-              <a:rPr dirty="0" err="1"/>
-              <a:t>nifoha</a:t>
+              <a:t>olona</a:t>
             </a:r>
             <a:r>
               <a:rPr dirty="0"/>
@@ -5233,23 +5218,7 @@
             </a:r>
             <a:r>
               <a:rPr dirty="0" err="1"/>
-              <a:t>aho</a:t>
-            </a:r>
-            <a:r>
-              <a:rPr dirty="0"/>
-              <a:t>, </a:t>
-            </a:r>
-            <a:r>
-              <a:rPr dirty="0" err="1"/>
-              <a:t>satria</a:t>
-            </a:r>
-            <a:r>
-              <a:rPr dirty="0"/>
-              <a:t> Jehovah no </a:t>
-            </a:r>
-            <a:r>
-              <a:rPr dirty="0" err="1"/>
-              <a:t>manohana</a:t>
+              <a:t>tsy</a:t>
             </a:r>
             <a:r>
               <a:rPr dirty="0"/>
@@ -5257,12 +5226,154 @@
             </a:r>
             <a:r>
               <a:rPr dirty="0" err="1"/>
-              <a:t>ahy</a:t>
+              <a:t>mahay</a:t>
             </a:r>
             <a:r>
               <a:rPr dirty="0"/>
-              <a:t>.</a:t>
-            </a:r>
+              <a:t> </a:t>
+            </a:r>
+            <a:r>
+              <a:rPr dirty="0" err="1"/>
+              <a:t>mitondra</a:t>
+            </a:r>
+            <a:r>
+              <a:rPr dirty="0"/>
+              <a:t> </a:t>
+            </a:r>
+            <a:r>
+              <a:rPr dirty="0" err="1"/>
+              <a:t>ny</a:t>
+            </a:r>
+            <a:r>
+              <a:rPr dirty="0"/>
+              <a:t> </a:t>
+            </a:r>
+            <a:r>
+              <a:rPr dirty="0" err="1"/>
+              <a:t>ankohonany</a:t>
+            </a:r>
+            <a:r>
+              <a:rPr dirty="0" smtClean="0"/>
+              <a:t>,</a:t>
+            </a:r>
+            <a:endParaRPr dirty="0"/>
+          </a:p>
+        </p:txBody>
+      </p:sp>
+    </p:spTree>
+  </p:cSld>
+  <p:clrMapOvr>
+    <a:masterClrMapping/>
+  </p:clrMapOvr>
+</p:sld>
+</file>
+
+<file path=ppt/slides/slide4.xml><?xml version="1.0" encoding="utf-8"?>
+<p:sld xmlns:a="http://schemas.openxmlformats.org/drawingml/2006/main" xmlns:r="http://schemas.openxmlformats.org/officeDocument/2006/relationships" xmlns:p="http://schemas.openxmlformats.org/presentationml/2006/main">
+  <p:cSld>
+    <p:spTree>
+      <p:nvGrpSpPr>
+        <p:cNvPr id="1" name=""/>
+        <p:cNvGrpSpPr/>
+        <p:nvPr/>
+      </p:nvGrpSpPr>
+      <p:grpSpPr>
+        <a:xfrm>
+          <a:off x="0" y="0"/>
+          <a:ext cx="0" cy="0"/>
+          <a:chOff x="0" y="0"/>
+          <a:chExt cx="0" cy="0"/>
+        </a:xfrm>
+      </p:grpSpPr>
+      <p:sp>
+        <p:nvSpPr>
+          <p:cNvPr id="2" name="Title 1"/>
+          <p:cNvSpPr>
+            <a:spLocks noGrp="1"/>
+          </p:cNvSpPr>
+          <p:nvPr>
+            <p:ph type="title"/>
+          </p:nvPr>
+        </p:nvSpPr>
+        <p:spPr>
+          <a:xfrm>
+            <a:off x="0" y="0"/>
+            <a:ext cx="9144000" cy="6858000"/>
+          </a:xfrm>
+        </p:spPr>
+        <p:txBody>
+          <a:bodyPr/>
+          <a:lstStyle/>
+          <a:p>
+            <a:pPr algn="ctr">
+              <a:defRPr sz="8000">
+                <a:latin typeface="Helvetica Inserat LT Std"/>
+              </a:defRPr>
+            </a:pPr>
+            <a:r>
+              <a:rPr dirty="0" smtClean="0"/>
+              <a:t> </a:t>
+            </a:r>
+            <a:r>
+              <a:rPr dirty="0" err="1" smtClean="0"/>
+              <a:t>hataony</a:t>
+            </a:r>
+            <a:r>
+              <a:rPr dirty="0" smtClean="0"/>
+              <a:t> </a:t>
+            </a:r>
+            <a:r>
+              <a:rPr dirty="0" err="1" smtClean="0"/>
+              <a:t>ahoana</a:t>
+            </a:r>
+            <a:r>
+              <a:rPr dirty="0" smtClean="0"/>
+              <a:t> no </a:t>
+            </a:r>
+            <a:r>
+              <a:rPr dirty="0" err="1" smtClean="0"/>
+              <a:t>fitandrina</a:t>
+            </a:r>
+            <a:r>
+              <a:rPr dirty="0" smtClean="0"/>
+              <a:t> </a:t>
+            </a:r>
+            <a:r>
+              <a:rPr dirty="0" err="1" smtClean="0"/>
+              <a:t>ny</a:t>
+            </a:r>
+            <a:r>
+              <a:rPr dirty="0" smtClean="0"/>
+              <a:t> </a:t>
+            </a:r>
+            <a:r>
+              <a:rPr dirty="0" err="1" smtClean="0"/>
+              <a:t>fiangonan</a:t>
+            </a:r>
+            <a:r>
+              <a:rPr dirty="0" smtClean="0"/>
+              <a:t>'</a:t>
+            </a:r>
+            <a:r>
+              <a:rPr lang="fr-FR" dirty="0" smtClean="0"/>
+              <a:t/>
+            </a:r>
+            <a:br>
+              <a:rPr lang="fr-FR" dirty="0" smtClean="0"/>
+            </a:br>
+            <a:r>
+              <a:rPr dirty="0" err="1" smtClean="0"/>
+              <a:t>Andriamanitra</a:t>
+            </a:r>
+            <a:r>
+              <a:rPr dirty="0" smtClean="0"/>
+              <a:t>?</a:t>
+            </a:r>
+            <a:r>
+              <a:rPr lang="fr-FR" dirty="0" smtClean="0"/>
+              <a:t>),</a:t>
+            </a:r>
+            <a:endParaRPr dirty="0"/>
           </a:p>
         </p:txBody>
       </p:sp>

--- a/test.pptx
+++ b/test.pptx
@@ -7,8 +7,6 @@
   <p:sldIdLst>
     <p:sldId id="1120" r:id="rId2"/>
     <p:sldId id="1121" r:id="rId3"/>
-    <p:sldId id="1122" r:id="rId4"/>
-    <p:sldId id="1123" r:id="rId5"/>
   </p:sldIdLst>
   <p:sldSz cx="9144000" cy="6858000" type="screen4x3"/>
   <p:notesSz cx="6858000" cy="9144000"/>
@@ -306,7 +304,7 @@
                 <a:tabLst/>
                 <a:defRPr/>
               </a:pPr>
-              <a:t>18/11/2023</a:t>
+              <a:t>19/11/2023</a:t>
             </a:fld>
             <a:endParaRPr kumimoji="0" lang="fr-FR" sz="1200" b="0" i="0" u="none" strike="noStrike" kern="1200" cap="none" spc="0" normalizeH="0" baseline="0" noProof="0">
               <a:ln>
@@ -636,7 +634,7 @@
                 <a:tabLst/>
                 <a:defRPr/>
               </a:pPr>
-              <a:t>18/11/2023</a:t>
+              <a:t>19/11/2023</a:t>
             </a:fld>
             <a:endParaRPr kumimoji="0" lang="fr-FR" sz="1200" b="0" i="0" u="none" strike="noStrike" kern="1200" cap="none" spc="0" normalizeH="0" baseline="0" noProof="0">
               <a:ln>
@@ -976,7 +974,7 @@
                 <a:tabLst/>
                 <a:defRPr/>
               </a:pPr>
-              <a:t>18/11/2023</a:t>
+              <a:t>19/11/2023</a:t>
             </a:fld>
             <a:endParaRPr kumimoji="0" lang="fr-FR" sz="1200" b="0" i="0" u="none" strike="noStrike" kern="1200" cap="none" spc="0" normalizeH="0" baseline="0" noProof="0">
               <a:ln>
@@ -1306,7 +1304,7 @@
                 <a:tabLst/>
                 <a:defRPr/>
               </a:pPr>
-              <a:t>18/11/2023</a:t>
+              <a:t>19/11/2023</a:t>
             </a:fld>
             <a:endParaRPr kumimoji="0" lang="fr-FR" sz="1200" b="0" i="0" u="none" strike="noStrike" kern="1200" cap="none" spc="0" normalizeH="0" baseline="0" noProof="0">
               <a:ln>
@@ -1710,7 +1708,7 @@
                 <a:tabLst/>
                 <a:defRPr/>
               </a:pPr>
-              <a:t>18/11/2023</a:t>
+              <a:t>19/11/2023</a:t>
             </a:fld>
             <a:endParaRPr kumimoji="0" lang="fr-FR" sz="1200" b="0" i="0" u="none" strike="noStrike" kern="1200" cap="none" spc="0" normalizeH="0" baseline="0" noProof="0">
               <a:ln>
@@ -2102,7 +2100,7 @@
                 <a:tabLst/>
                 <a:defRPr/>
               </a:pPr>
-              <a:t>18/11/2023</a:t>
+              <a:t>19/11/2023</a:t>
             </a:fld>
             <a:endParaRPr kumimoji="0" lang="fr-FR" sz="1200" b="0" i="0" u="none" strike="noStrike" kern="1200" cap="none" spc="0" normalizeH="0" baseline="0" noProof="0">
               <a:ln>
@@ -2629,7 +2627,7 @@
                 <a:tabLst/>
                 <a:defRPr/>
               </a:pPr>
-              <a:t>18/11/2023</a:t>
+              <a:t>19/11/2023</a:t>
             </a:fld>
             <a:endParaRPr kumimoji="0" lang="fr-FR" sz="1200" b="0" i="0" u="none" strike="noStrike" kern="1200" cap="none" spc="0" normalizeH="0" baseline="0" noProof="0">
               <a:ln>
@@ -2907,7 +2905,7 @@
                 <a:tabLst/>
                 <a:defRPr/>
               </a:pPr>
-              <a:t>18/11/2023</a:t>
+              <a:t>19/11/2023</a:t>
             </a:fld>
             <a:endParaRPr kumimoji="0" lang="fr-FR" sz="1200" b="0" i="0" u="none" strike="noStrike" kern="1200" cap="none" spc="0" normalizeH="0" baseline="0" noProof="0">
               <a:ln>
@@ -3162,7 +3160,7 @@
                 <a:tabLst/>
                 <a:defRPr/>
               </a:pPr>
-              <a:t>18/11/2023</a:t>
+              <a:t>19/11/2023</a:t>
             </a:fld>
             <a:endParaRPr kumimoji="0" lang="fr-FR" sz="1200" b="0" i="0" u="none" strike="noStrike" kern="1200" cap="none" spc="0" normalizeH="0" baseline="0" noProof="0">
               <a:ln>
@@ -3599,7 +3597,7 @@
                 <a:tabLst/>
                 <a:defRPr/>
               </a:pPr>
-              <a:t>18/11/2023</a:t>
+              <a:t>19/11/2023</a:t>
             </a:fld>
             <a:endParaRPr kumimoji="0" lang="fr-FR" sz="1200" b="0" i="0" u="none" strike="noStrike" kern="1200" cap="none" spc="0" normalizeH="0" baseline="0" noProof="0">
               <a:ln>
@@ -4016,7 +4014,7 @@
                 <a:tabLst/>
                 <a:defRPr/>
               </a:pPr>
-              <a:t>18/11/2023</a:t>
+              <a:t>19/11/2023</a:t>
             </a:fld>
             <a:endParaRPr kumimoji="0" lang="fr-FR" sz="1200" b="0" i="0" u="none" strike="noStrike" kern="1200" cap="none" spc="0" normalizeH="0" baseline="0" noProof="0">
               <a:ln>
@@ -4399,7 +4397,7 @@
                 <a:tabLst/>
                 <a:defRPr/>
               </a:pPr>
-              <a:t>18/11/2023</a:t>
+              <a:t>19/11/2023</a:t>
             </a:fld>
             <a:endParaRPr kumimoji="0" lang="fr-FR" sz="1200" b="0" i="0" u="none" strike="noStrike" kern="1200" cap="none" spc="0" normalizeH="0" baseline="0" noProof="0">
               <a:ln>
@@ -4963,12 +4961,8 @@
               </a:defRPr>
             </a:pPr>
             <a:r>
-              <a:rPr dirty="0"/>
-              <a:t>I </a:t>
-            </a:r>
-            <a:r>
               <a:rPr dirty="0" err="1"/>
-              <a:t>Timoty</a:t>
+              <a:t>Ohabolana</a:t>
             </a:r>
             <a:r>
               <a:rPr dirty="0"/>
@@ -4986,7 +4980,7 @@
             </a:pPr>
             <a:r>
               <a:rPr dirty="0"/>
-              <a:t>3 : 4 - 5</a:t>
+              <a:t>4 : 5</a:t>
             </a:r>
           </a:p>
         </p:txBody>
@@ -5048,11 +5042,11 @@
             </a:pPr>
             <a:r>
               <a:rPr dirty="0"/>
-              <a:t>4 </a:t>
+              <a:t>5 </a:t>
             </a:r>
             <a:r>
               <a:rPr dirty="0" err="1"/>
-              <a:t>manapaka</a:t>
+              <a:t>Mahazoa</a:t>
             </a:r>
             <a:r>
               <a:rPr dirty="0"/>
@@ -5060,318 +5054,95 @@
             </a:r>
             <a:r>
               <a:rPr dirty="0" err="1"/>
-              <a:t>tsara</a:t>
-            </a:r>
-            <a:r>
-              <a:rPr dirty="0"/>
-              <a:t> </a:t>
-            </a:r>
-            <a:r>
-              <a:rPr dirty="0" err="1"/>
-              <a:t>ny</a:t>
-            </a:r>
-            <a:r>
-              <a:rPr dirty="0"/>
-              <a:t> </a:t>
-            </a:r>
-            <a:r>
-              <a:rPr dirty="0" err="1"/>
-              <a:t>ankohonany</a:t>
-            </a:r>
-            <a:r>
-              <a:rPr dirty="0"/>
-              <a:t>, </a:t>
-            </a:r>
-            <a:r>
-              <a:rPr dirty="0" err="1"/>
-              <a:t>mampanaiky</a:t>
-            </a:r>
-            <a:r>
-              <a:rPr dirty="0"/>
-              <a:t> </a:t>
-            </a:r>
-            <a:r>
-              <a:rPr dirty="0" err="1"/>
-              <a:t>ny</a:t>
-            </a:r>
-            <a:r>
-              <a:rPr dirty="0"/>
-              <a:t> </a:t>
-            </a:r>
-            <a:r>
-              <a:rPr dirty="0" err="1"/>
-              <a:t>zanany</a:t>
-            </a:r>
-            <a:r>
-              <a:rPr dirty="0"/>
-              <a:t> </a:t>
-            </a:r>
-            <a:r>
-              <a:rPr dirty="0" err="1"/>
-              <a:t>amin'ny</a:t>
-            </a:r>
-            <a:r>
-              <a:rPr dirty="0"/>
-              <a:t> </a:t>
-            </a:r>
-            <a:r>
-              <a:rPr dirty="0" err="1"/>
-              <a:t>fahamaotinana</a:t>
-            </a:r>
-            <a:r>
-              <a:rPr dirty="0"/>
-              <a:t> </a:t>
-            </a:r>
-            <a:r>
-              <a:rPr dirty="0" err="1"/>
-              <a:t>tsara</a:t>
-            </a:r>
-            <a:endParaRPr dirty="0"/>
-          </a:p>
-        </p:txBody>
-      </p:sp>
-    </p:spTree>
-  </p:cSld>
-  <p:clrMapOvr>
-    <a:masterClrMapping/>
-  </p:clrMapOvr>
-</p:sld>
-</file>
-
-<file path=ppt/slides/slide3.xml><?xml version="1.0" encoding="utf-8"?>
-<p:sld xmlns:a="http://schemas.openxmlformats.org/drawingml/2006/main" xmlns:r="http://schemas.openxmlformats.org/officeDocument/2006/relationships" xmlns:p="http://schemas.openxmlformats.org/presentationml/2006/main">
-  <p:cSld>
-    <p:spTree>
-      <p:nvGrpSpPr>
-        <p:cNvPr id="1" name=""/>
-        <p:cNvGrpSpPr/>
-        <p:nvPr/>
-      </p:nvGrpSpPr>
-      <p:grpSpPr>
-        <a:xfrm>
-          <a:off x="0" y="0"/>
-          <a:ext cx="0" cy="0"/>
-          <a:chOff x="0" y="0"/>
-          <a:chExt cx="0" cy="0"/>
-        </a:xfrm>
-      </p:grpSpPr>
-      <p:sp>
-        <p:nvSpPr>
-          <p:cNvPr id="2" name="Title 1"/>
-          <p:cNvSpPr>
-            <a:spLocks noGrp="1"/>
-          </p:cNvSpPr>
-          <p:nvPr>
-            <p:ph type="title"/>
-          </p:nvPr>
-        </p:nvSpPr>
-        <p:spPr>
-          <a:xfrm>
-            <a:off x="0" y="0"/>
-            <a:ext cx="9144000" cy="6858000"/>
-          </a:xfrm>
-        </p:spPr>
-        <p:txBody>
-          <a:bodyPr/>
-          <a:lstStyle/>
-          <a:p>
-            <a:pPr algn="ctr">
-              <a:defRPr sz="8000">
-                <a:latin typeface="Helvetica Inserat LT Std"/>
-              </a:defRPr>
-            </a:pPr>
-            <a:r>
-              <a:rPr dirty="0"/>
-              <a:t>5 (</a:t>
-            </a:r>
-            <a:r>
-              <a:rPr dirty="0" err="1"/>
-              <a:t>fa</a:t>
-            </a:r>
-            <a:r>
-              <a:rPr dirty="0"/>
-              <a:t> </a:t>
-            </a:r>
-            <a:r>
-              <a:rPr dirty="0" err="1"/>
-              <a:t>raha</a:t>
-            </a:r>
-            <a:r>
-              <a:rPr dirty="0"/>
-              <a:t> </a:t>
-            </a:r>
-            <a:r>
-              <a:rPr dirty="0" err="1"/>
-              <a:t>misy</a:t>
-            </a:r>
-            <a:r>
-              <a:rPr dirty="0"/>
-              <a:t> </a:t>
-            </a:r>
-            <a:r>
-              <a:rPr dirty="0" err="1"/>
-              <a:t>olona</a:t>
-            </a:r>
-            <a:r>
-              <a:rPr dirty="0"/>
-              <a:t> </a:t>
-            </a:r>
-            <a:r>
-              <a:rPr dirty="0" err="1"/>
-              <a:t>tsy</a:t>
-            </a:r>
-            <a:r>
-              <a:rPr dirty="0"/>
-              <a:t> </a:t>
-            </a:r>
-            <a:r>
-              <a:rPr dirty="0" err="1"/>
-              <a:t>mahay</a:t>
-            </a:r>
-            <a:r>
-              <a:rPr dirty="0"/>
-              <a:t> </a:t>
-            </a:r>
-            <a:r>
-              <a:rPr dirty="0" err="1"/>
-              <a:t>mitondra</a:t>
-            </a:r>
-            <a:r>
-              <a:rPr dirty="0"/>
-              <a:t> </a:t>
-            </a:r>
-            <a:r>
-              <a:rPr dirty="0" err="1"/>
-              <a:t>ny</a:t>
-            </a:r>
-            <a:r>
-              <a:rPr dirty="0"/>
-              <a:t> </a:t>
-            </a:r>
-            <a:r>
-              <a:rPr dirty="0" err="1"/>
-              <a:t>ankohonany</a:t>
+              <a:t>fahendrena</a:t>
             </a:r>
             <a:r>
               <a:rPr dirty="0" smtClean="0"/>
               <a:t>,</a:t>
             </a:r>
-            <a:endParaRPr dirty="0"/>
-          </a:p>
-        </p:txBody>
-      </p:sp>
-    </p:spTree>
-  </p:cSld>
-  <p:clrMapOvr>
-    <a:masterClrMapping/>
-  </p:clrMapOvr>
-</p:sld>
-</file>
-
-<file path=ppt/slides/slide4.xml><?xml version="1.0" encoding="utf-8"?>
-<p:sld xmlns:a="http://schemas.openxmlformats.org/drawingml/2006/main" xmlns:r="http://schemas.openxmlformats.org/officeDocument/2006/relationships" xmlns:p="http://schemas.openxmlformats.org/presentationml/2006/main">
-  <p:cSld>
-    <p:spTree>
-      <p:nvGrpSpPr>
-        <p:cNvPr id="1" name=""/>
-        <p:cNvGrpSpPr/>
-        <p:nvPr/>
-      </p:nvGrpSpPr>
-      <p:grpSpPr>
-        <a:xfrm>
-          <a:off x="0" y="0"/>
-          <a:ext cx="0" cy="0"/>
-          <a:chOff x="0" y="0"/>
-          <a:chExt cx="0" cy="0"/>
-        </a:xfrm>
-      </p:grpSpPr>
-      <p:sp>
-        <p:nvSpPr>
-          <p:cNvPr id="2" name="Title 1"/>
-          <p:cNvSpPr>
-            <a:spLocks noGrp="1"/>
-          </p:cNvSpPr>
-          <p:nvPr>
-            <p:ph type="title"/>
-          </p:nvPr>
-        </p:nvSpPr>
-        <p:spPr>
-          <a:xfrm>
-            <a:off x="0" y="0"/>
-            <a:ext cx="9144000" cy="6858000"/>
-          </a:xfrm>
-        </p:spPr>
-        <p:txBody>
-          <a:bodyPr/>
-          <a:lstStyle/>
-          <a:p>
-            <a:pPr algn="ctr">
-              <a:defRPr sz="8000">
-                <a:latin typeface="Helvetica Inserat LT Std"/>
-              </a:defRPr>
-            </a:pPr>
-            <a:r>
-              <a:rPr dirty="0" smtClean="0"/>
+            <a:r>
+              <a:rPr lang="fr-FR" dirty="0" smtClean="0"/>
               <a:t> </a:t>
             </a:r>
             <a:r>
-              <a:rPr dirty="0" err="1" smtClean="0"/>
-              <a:t>hataony</a:t>
-            </a:r>
-            <a:r>
-              <a:rPr dirty="0" smtClean="0"/>
+              <a:rPr lang="fr-FR" dirty="0" err="1" smtClean="0"/>
+              <a:t>mahazoa</a:t>
+            </a:r>
+            <a:r>
+              <a:rPr lang="fr-FR" dirty="0" smtClean="0"/>
               <a:t> </a:t>
             </a:r>
             <a:r>
-              <a:rPr dirty="0" err="1" smtClean="0"/>
-              <a:t>ahoana</a:t>
-            </a:r>
-            <a:r>
-              <a:rPr dirty="0" smtClean="0"/>
-              <a:t> no </a:t>
-            </a:r>
-            <a:r>
-              <a:rPr dirty="0" err="1" smtClean="0"/>
-              <a:t>fitandrina</a:t>
-            </a:r>
-            <a:r>
-              <a:rPr dirty="0" smtClean="0"/>
+              <a:rPr lang="fr-FR" dirty="0" err="1" smtClean="0"/>
+              <a:t>fahalalana</a:t>
+            </a:r>
+            <a:r>
+              <a:rPr lang="fr-FR" dirty="0" smtClean="0"/>
+              <a:t>; Fa </a:t>
+            </a:r>
+            <a:r>
+              <a:rPr lang="fr-FR" dirty="0" err="1" smtClean="0"/>
+              <a:t>aza</a:t>
+            </a:r>
+            <a:r>
+              <a:rPr lang="fr-FR" dirty="0" smtClean="0"/>
               <a:t> </a:t>
             </a:r>
             <a:r>
-              <a:rPr dirty="0" err="1" smtClean="0"/>
+              <a:rPr lang="fr-FR" dirty="0" err="1" smtClean="0"/>
+              <a:t>hadinoina</a:t>
+            </a:r>
+            <a:r>
+              <a:rPr lang="fr-FR" dirty="0" smtClean="0"/>
+              <a:t> na </a:t>
+            </a:r>
+            <a:r>
+              <a:rPr lang="fr-FR" dirty="0" err="1" smtClean="0"/>
+              <a:t>ihemorana</a:t>
+            </a:r>
+            <a:r>
+              <a:rPr lang="fr-FR" dirty="0" smtClean="0"/>
+              <a:t> </a:t>
+            </a:r>
+            <a:r>
+              <a:rPr lang="fr-FR" dirty="0" err="1" smtClean="0"/>
               <a:t>ny</a:t>
             </a:r>
             <a:r>
-              <a:rPr dirty="0" smtClean="0"/>
+              <a:rPr lang="fr-FR" dirty="0" smtClean="0"/>
               <a:t> </a:t>
             </a:r>
             <a:r>
-              <a:rPr dirty="0" err="1" smtClean="0"/>
-              <a:t>fiangonan</a:t>
-            </a:r>
-            <a:r>
-              <a:rPr dirty="0" smtClean="0"/>
-              <a:t>'</a:t>
+              <a:rPr lang="fr-FR" dirty="0" err="1" smtClean="0"/>
+              <a:t>teny</a:t>
             </a:r>
             <a:r>
               <a:rPr lang="fr-FR" dirty="0" smtClean="0"/>
-              <a:t/>
-            </a:r>
-            <a:br>
+              <a:t> </a:t>
+            </a:r>
+            <a:r>
+              <a:rPr lang="fr-FR" dirty="0" err="1" smtClean="0"/>
+              <a:t>aloaky</a:t>
+            </a:r>
+            <a:r>
               <a:rPr lang="fr-FR" dirty="0" smtClean="0"/>
-            </a:br>
-            <a:r>
-              <a:rPr dirty="0" err="1" smtClean="0"/>
-              <a:t>Andriamanitra</a:t>
-            </a:r>
-            <a:r>
-              <a:rPr dirty="0" smtClean="0"/>
-              <a:t>?</a:t>
+              <a:t> </a:t>
+            </a:r>
+            <a:r>
+              <a:rPr lang="fr-FR" dirty="0" err="1" smtClean="0"/>
+              <a:t>ny</a:t>
             </a:r>
             <a:r>
               <a:rPr lang="fr-FR" dirty="0" smtClean="0"/>
-              <a:t>),</a:t>
+              <a:t> </a:t>
+            </a:r>
+            <a:r>
+              <a:rPr lang="fr-FR" dirty="0" err="1" smtClean="0"/>
+              <a:t>vavako</a:t>
+            </a:r>
+            <a:r>
+              <a:rPr lang="fr-FR" dirty="0" smtClean="0"/>
+              <a:t>.</a:t>
             </a:r>
             <a:endParaRPr dirty="0"/>
           </a:p>

--- a/test.pptx
+++ b/test.pptx
@@ -7,6 +7,7 @@
   <p:sldIdLst>
     <p:sldId id="1120" r:id="rId2"/>
     <p:sldId id="1121" r:id="rId3"/>
+    <p:sldId id="1125" r:id="rId4"/>
   </p:sldIdLst>
   <p:sldSz cx="9144000" cy="6858000" type="screen4x3"/>
   <p:notesSz cx="6858000" cy="9144000"/>
@@ -304,7 +305,7 @@
                 <a:tabLst/>
                 <a:defRPr/>
               </a:pPr>
-              <a:t>19/11/2023</a:t>
+              <a:t>25/11/2023</a:t>
             </a:fld>
             <a:endParaRPr kumimoji="0" lang="fr-FR" sz="1200" b="0" i="0" u="none" strike="noStrike" kern="1200" cap="none" spc="0" normalizeH="0" baseline="0" noProof="0">
               <a:ln>
@@ -634,7 +635,7 @@
                 <a:tabLst/>
                 <a:defRPr/>
               </a:pPr>
-              <a:t>19/11/2023</a:t>
+              <a:t>25/11/2023</a:t>
             </a:fld>
             <a:endParaRPr kumimoji="0" lang="fr-FR" sz="1200" b="0" i="0" u="none" strike="noStrike" kern="1200" cap="none" spc="0" normalizeH="0" baseline="0" noProof="0">
               <a:ln>
@@ -974,7 +975,7 @@
                 <a:tabLst/>
                 <a:defRPr/>
               </a:pPr>
-              <a:t>19/11/2023</a:t>
+              <a:t>25/11/2023</a:t>
             </a:fld>
             <a:endParaRPr kumimoji="0" lang="fr-FR" sz="1200" b="0" i="0" u="none" strike="noStrike" kern="1200" cap="none" spc="0" normalizeH="0" baseline="0" noProof="0">
               <a:ln>
@@ -1304,7 +1305,7 @@
                 <a:tabLst/>
                 <a:defRPr/>
               </a:pPr>
-              <a:t>19/11/2023</a:t>
+              <a:t>25/11/2023</a:t>
             </a:fld>
             <a:endParaRPr kumimoji="0" lang="fr-FR" sz="1200" b="0" i="0" u="none" strike="noStrike" kern="1200" cap="none" spc="0" normalizeH="0" baseline="0" noProof="0">
               <a:ln>
@@ -1708,7 +1709,7 @@
                 <a:tabLst/>
                 <a:defRPr/>
               </a:pPr>
-              <a:t>19/11/2023</a:t>
+              <a:t>25/11/2023</a:t>
             </a:fld>
             <a:endParaRPr kumimoji="0" lang="fr-FR" sz="1200" b="0" i="0" u="none" strike="noStrike" kern="1200" cap="none" spc="0" normalizeH="0" baseline="0" noProof="0">
               <a:ln>
@@ -2100,7 +2101,7 @@
                 <a:tabLst/>
                 <a:defRPr/>
               </a:pPr>
-              <a:t>19/11/2023</a:t>
+              <a:t>25/11/2023</a:t>
             </a:fld>
             <a:endParaRPr kumimoji="0" lang="fr-FR" sz="1200" b="0" i="0" u="none" strike="noStrike" kern="1200" cap="none" spc="0" normalizeH="0" baseline="0" noProof="0">
               <a:ln>
@@ -2627,7 +2628,7 @@
                 <a:tabLst/>
                 <a:defRPr/>
               </a:pPr>
-              <a:t>19/11/2023</a:t>
+              <a:t>25/11/2023</a:t>
             </a:fld>
             <a:endParaRPr kumimoji="0" lang="fr-FR" sz="1200" b="0" i="0" u="none" strike="noStrike" kern="1200" cap="none" spc="0" normalizeH="0" baseline="0" noProof="0">
               <a:ln>
@@ -2905,7 +2906,7 @@
                 <a:tabLst/>
                 <a:defRPr/>
               </a:pPr>
-              <a:t>19/11/2023</a:t>
+              <a:t>25/11/2023</a:t>
             </a:fld>
             <a:endParaRPr kumimoji="0" lang="fr-FR" sz="1200" b="0" i="0" u="none" strike="noStrike" kern="1200" cap="none" spc="0" normalizeH="0" baseline="0" noProof="0">
               <a:ln>
@@ -3160,7 +3161,7 @@
                 <a:tabLst/>
                 <a:defRPr/>
               </a:pPr>
-              <a:t>19/11/2023</a:t>
+              <a:t>25/11/2023</a:t>
             </a:fld>
             <a:endParaRPr kumimoji="0" lang="fr-FR" sz="1200" b="0" i="0" u="none" strike="noStrike" kern="1200" cap="none" spc="0" normalizeH="0" baseline="0" noProof="0">
               <a:ln>
@@ -3597,7 +3598,7 @@
                 <a:tabLst/>
                 <a:defRPr/>
               </a:pPr>
-              <a:t>19/11/2023</a:t>
+              <a:t>25/11/2023</a:t>
             </a:fld>
             <a:endParaRPr kumimoji="0" lang="fr-FR" sz="1200" b="0" i="0" u="none" strike="noStrike" kern="1200" cap="none" spc="0" normalizeH="0" baseline="0" noProof="0">
               <a:ln>
@@ -4014,7 +4015,7 @@
                 <a:tabLst/>
                 <a:defRPr/>
               </a:pPr>
-              <a:t>19/11/2023</a:t>
+              <a:t>25/11/2023</a:t>
             </a:fld>
             <a:endParaRPr kumimoji="0" lang="fr-FR" sz="1200" b="0" i="0" u="none" strike="noStrike" kern="1200" cap="none" spc="0" normalizeH="0" baseline="0" noProof="0">
               <a:ln>
@@ -4397,7 +4398,7 @@
                 <a:tabLst/>
                 <a:defRPr/>
               </a:pPr>
-              <a:t>19/11/2023</a:t>
+              <a:t>25/11/2023</a:t>
             </a:fld>
             <a:endParaRPr kumimoji="0" lang="fr-FR" sz="1200" b="0" i="0" u="none" strike="noStrike" kern="1200" cap="none" spc="0" normalizeH="0" baseline="0" noProof="0">
               <a:ln>
@@ -4962,7 +4963,7 @@
             </a:pPr>
             <a:r>
               <a:rPr dirty="0" err="1"/>
-              <a:t>Ohabolana</a:t>
+              <a:t>Matio</a:t>
             </a:r>
             <a:r>
               <a:rPr dirty="0"/>
@@ -4980,7 +4981,7 @@
             </a:pPr>
             <a:r>
               <a:rPr dirty="0"/>
-              <a:t>4 : 5</a:t>
+              <a:t>10 : 8</a:t>
             </a:r>
           </a:p>
         </p:txBody>
@@ -5042,11 +5043,11 @@
             </a:pPr>
             <a:r>
               <a:rPr dirty="0"/>
-              <a:t>5 </a:t>
+              <a:t>8 </a:t>
             </a:r>
             <a:r>
               <a:rPr dirty="0" err="1"/>
-              <a:t>Mahazoa</a:t>
+              <a:t>Sitrano</a:t>
             </a:r>
             <a:r>
               <a:rPr dirty="0"/>
@@ -5054,7 +5055,15 @@
             </a:r>
             <a:r>
               <a:rPr dirty="0" err="1"/>
-              <a:t>fahendrena</a:t>
+              <a:t>ny</a:t>
+            </a:r>
+            <a:r>
+              <a:rPr dirty="0"/>
+              <a:t> </a:t>
+            </a:r>
+            <a:r>
+              <a:rPr dirty="0" err="1"/>
+              <a:t>marary</a:t>
             </a:r>
             <a:r>
               <a:rPr dirty="0" smtClean="0"/>
@@ -5066,7 +5075,7 @@
             </a:r>
             <a:r>
               <a:rPr lang="fr-FR" dirty="0" err="1" smtClean="0"/>
-              <a:t>mahazoa</a:t>
+              <a:t>atsangano</a:t>
             </a:r>
             <a:r>
               <a:rPr lang="fr-FR" dirty="0" smtClean="0"/>
@@ -5074,15 +5083,7 @@
             </a:r>
             <a:r>
               <a:rPr lang="fr-FR" dirty="0" err="1" smtClean="0"/>
-              <a:t>fahalalana</a:t>
-            </a:r>
-            <a:r>
-              <a:rPr lang="fr-FR" dirty="0" smtClean="0"/>
-              <a:t>; Fa </a:t>
-            </a:r>
-            <a:r>
-              <a:rPr lang="fr-FR" dirty="0" err="1" smtClean="0"/>
-              <a:t>aza</a:t>
+              <a:t>ny</a:t>
             </a:r>
             <a:r>
               <a:rPr lang="fr-FR" dirty="0" smtClean="0"/>
@@ -5090,15 +5091,15 @@
             </a:r>
             <a:r>
               <a:rPr lang="fr-FR" dirty="0" err="1" smtClean="0"/>
-              <a:t>hadinoina</a:t>
+              <a:t>maty</a:t>
             </a:r>
             <a:r>
               <a:rPr lang="fr-FR" dirty="0" smtClean="0"/>
-              <a:t> na </a:t>
+              <a:t>, </a:t>
             </a:r>
             <a:r>
               <a:rPr lang="fr-FR" dirty="0" err="1" smtClean="0"/>
-              <a:t>ihemorana</a:t>
+              <a:t>diovy</a:t>
             </a:r>
             <a:r>
               <a:rPr lang="fr-FR" dirty="0" smtClean="0"/>
@@ -5114,7 +5115,15 @@
             </a:r>
             <a:r>
               <a:rPr lang="fr-FR" dirty="0" err="1" smtClean="0"/>
-              <a:t>teny</a:t>
+              <a:t>boka</a:t>
+            </a:r>
+            <a:r>
+              <a:rPr lang="fr-FR" dirty="0" smtClean="0"/>
+              <a:t>, </a:t>
+            </a:r>
+            <a:r>
+              <a:rPr lang="fr-FR" dirty="0" err="1" smtClean="0"/>
+              <a:t>avoahy</a:t>
             </a:r>
             <a:r>
               <a:rPr lang="fr-FR" dirty="0" smtClean="0"/>
@@ -5122,7 +5131,7 @@
             </a:r>
             <a:r>
               <a:rPr lang="fr-FR" dirty="0" err="1" smtClean="0"/>
-              <a:t>aloaky</a:t>
+              <a:t>ny</a:t>
             </a:r>
             <a:r>
               <a:rPr lang="fr-FR" dirty="0" smtClean="0"/>
@@ -5130,7 +5139,101 @@
             </a:r>
             <a:r>
               <a:rPr lang="fr-FR" dirty="0" err="1" smtClean="0"/>
-              <a:t>ny</a:t>
+              <a:t>demonia</a:t>
+            </a:r>
+            <a:r>
+              <a:rPr lang="fr-FR" dirty="0" smtClean="0"/>
+              <a:t>;</a:t>
+            </a:r>
+            <a:endParaRPr dirty="0"/>
+          </a:p>
+        </p:txBody>
+      </p:sp>
+    </p:spTree>
+  </p:cSld>
+  <p:clrMapOvr>
+    <a:masterClrMapping/>
+  </p:clrMapOvr>
+</p:sld>
+</file>
+
+<file path=ppt/slides/slide3.xml><?xml version="1.0" encoding="utf-8"?>
+<p:sld xmlns:a="http://schemas.openxmlformats.org/drawingml/2006/main" xmlns:r="http://schemas.openxmlformats.org/officeDocument/2006/relationships" xmlns:p="http://schemas.openxmlformats.org/presentationml/2006/main">
+  <p:cSld>
+    <p:spTree>
+      <p:nvGrpSpPr>
+        <p:cNvPr id="1" name=""/>
+        <p:cNvGrpSpPr/>
+        <p:nvPr/>
+      </p:nvGrpSpPr>
+      <p:grpSpPr>
+        <a:xfrm>
+          <a:off x="0" y="0"/>
+          <a:ext cx="0" cy="0"/>
+          <a:chOff x="0" y="0"/>
+          <a:chExt cx="0" cy="0"/>
+        </a:xfrm>
+      </p:grpSpPr>
+      <p:sp>
+        <p:nvSpPr>
+          <p:cNvPr id="2" name="Title 1"/>
+          <p:cNvSpPr>
+            <a:spLocks noGrp="1"/>
+          </p:cNvSpPr>
+          <p:nvPr>
+            <p:ph type="title"/>
+          </p:nvPr>
+        </p:nvSpPr>
+        <p:spPr>
+          <a:xfrm>
+            <a:off x="0" y="0"/>
+            <a:ext cx="9144000" cy="6858000"/>
+          </a:xfrm>
+        </p:spPr>
+        <p:txBody>
+          <a:bodyPr/>
+          <a:lstStyle/>
+          <a:p>
+            <a:pPr algn="ctr">
+              <a:defRPr sz="8000">
+                <a:latin typeface="Helvetica Inserat LT Std"/>
+              </a:defRPr>
+            </a:pPr>
+            <a:r>
+              <a:rPr dirty="0" smtClean="0"/>
+              <a:t> </a:t>
+            </a:r>
+            <a:r>
+              <a:rPr dirty="0" err="1" smtClean="0"/>
+              <a:t>efa</a:t>
+            </a:r>
+            <a:r>
+              <a:rPr dirty="0" smtClean="0"/>
+              <a:t> </a:t>
+            </a:r>
+            <a:r>
+              <a:rPr dirty="0" err="1" smtClean="0"/>
+              <a:t>nahazo</a:t>
+            </a:r>
+            <a:r>
+              <a:rPr dirty="0" smtClean="0"/>
+              <a:t> </a:t>
+            </a:r>
+            <a:r>
+              <a:rPr dirty="0" err="1" smtClean="0"/>
+              <a:t>maimaimpoana</a:t>
+            </a:r>
+            <a:r>
+              <a:rPr dirty="0" smtClean="0"/>
+              <a:t> </a:t>
+            </a:r>
+            <a:r>
+              <a:rPr dirty="0" err="1" smtClean="0"/>
+              <a:t>ianareo</a:t>
+            </a:r>
+            <a:r>
+              <a:rPr dirty="0" smtClean="0"/>
+              <a:t>,</a:t>
             </a:r>
             <a:r>
               <a:rPr lang="fr-FR" dirty="0" smtClean="0"/>
@@ -5138,7 +5241,23 @@
             </a:r>
             <a:r>
               <a:rPr lang="fr-FR" dirty="0" err="1" smtClean="0"/>
-              <a:t>vavako</a:t>
+              <a:t>koa</a:t>
+            </a:r>
+            <a:r>
+              <a:rPr lang="fr-FR" dirty="0" smtClean="0"/>
+              <a:t> </a:t>
+            </a:r>
+            <a:r>
+              <a:rPr lang="fr-FR" dirty="0" err="1" smtClean="0"/>
+              <a:t>manomeza</a:t>
+            </a:r>
+            <a:r>
+              <a:rPr lang="fr-FR" dirty="0" smtClean="0"/>
+              <a:t> </a:t>
+            </a:r>
+            <a:r>
+              <a:rPr lang="fr-FR" dirty="0" err="1" smtClean="0"/>
+              <a:t>maimaimpoana</a:t>
             </a:r>
             <a:r>
               <a:rPr lang="fr-FR" dirty="0" smtClean="0"/>

--- a/test.pptx
+++ b/test.pptx
@@ -7,7 +7,9 @@
   <p:sldIdLst>
     <p:sldId id="1120" r:id="rId2"/>
     <p:sldId id="1121" r:id="rId3"/>
-    <p:sldId id="1125" r:id="rId4"/>
+    <p:sldId id="1123" r:id="rId4"/>
+    <p:sldId id="1125" r:id="rId5"/>
+    <p:sldId id="1128" r:id="rId6"/>
   </p:sldIdLst>
   <p:sldSz cx="9144000" cy="6858000" type="screen4x3"/>
   <p:notesSz cx="6858000" cy="9144000"/>
@@ -4962,8 +4964,12 @@
               </a:defRPr>
             </a:pPr>
             <a:r>
+              <a:rPr dirty="0"/>
+              <a:t>II </a:t>
+            </a:r>
+            <a:r>
               <a:rPr dirty="0" err="1"/>
-              <a:t>Matio</a:t>
+              <a:t>Tantara</a:t>
             </a:r>
             <a:r>
               <a:rPr dirty="0"/>
@@ -4981,7 +4987,7 @@
             </a:pPr>
             <a:r>
               <a:rPr dirty="0"/>
-              <a:t>10 : 8</a:t>
+              <a:t>20 : 20</a:t>
             </a:r>
           </a:p>
         </p:txBody>
@@ -5043,11 +5049,11 @@
             </a:pPr>
             <a:r>
               <a:rPr dirty="0"/>
-              <a:t>8 </a:t>
+              <a:t>20 </a:t>
             </a:r>
             <a:r>
               <a:rPr dirty="0" err="1"/>
-              <a:t>Sitrano</a:t>
+              <a:t>Ary</a:t>
             </a:r>
             <a:r>
               <a:rPr dirty="0"/>
@@ -5055,7 +5061,7 @@
             </a:r>
             <a:r>
               <a:rPr dirty="0" err="1"/>
-              <a:t>ny</a:t>
+              <a:t>nifoha</a:t>
             </a:r>
             <a:r>
               <a:rPr dirty="0"/>
@@ -5063,7 +5069,23 @@
             </a:r>
             <a:r>
               <a:rPr dirty="0" err="1"/>
-              <a:t>marary</a:t>
+              <a:t>maraina</a:t>
+            </a:r>
+            <a:r>
+              <a:rPr dirty="0"/>
+              <a:t> </a:t>
+            </a:r>
+            <a:r>
+              <a:rPr dirty="0" err="1"/>
+              <a:t>koa</a:t>
+            </a:r>
+            <a:r>
+              <a:rPr dirty="0"/>
+              <a:t> </a:t>
+            </a:r>
+            <a:r>
+              <a:rPr dirty="0" err="1"/>
+              <a:t>izy</a:t>
             </a:r>
             <a:r>
               <a:rPr dirty="0" smtClean="0"/>
@@ -5071,11 +5093,11 @@
             </a:r>
             <a:r>
               <a:rPr lang="fr-FR" dirty="0" smtClean="0"/>
-              <a:t> </a:t>
+              <a:t> dia </a:t>
             </a:r>
             <a:r>
               <a:rPr lang="fr-FR" dirty="0" err="1" smtClean="0"/>
-              <a:t>atsangano</a:t>
+              <a:t>niainga</a:t>
             </a:r>
             <a:r>
               <a:rPr lang="fr-FR" dirty="0" smtClean="0"/>
@@ -5083,7 +5105,15 @@
             </a:r>
             <a:r>
               <a:rPr lang="fr-FR" dirty="0" err="1" smtClean="0"/>
-              <a:t>ny</a:t>
+              <a:t>nankany</a:t>
+            </a:r>
+            <a:r>
+              <a:rPr lang="fr-FR" dirty="0" smtClean="0"/>
+              <a:t> an-</a:t>
+            </a:r>
+            <a:r>
+              <a:rPr lang="fr-FR" dirty="0" err="1" smtClean="0"/>
+              <a:t>efitr'i</a:t>
             </a:r>
             <a:r>
               <a:rPr lang="fr-FR" dirty="0" smtClean="0"/>
@@ -5091,55 +5121,7 @@
             </a:r>
             <a:r>
               <a:rPr lang="fr-FR" dirty="0" err="1" smtClean="0"/>
-              <a:t>maty</a:t>
-            </a:r>
-            <a:r>
-              <a:rPr lang="fr-FR" dirty="0" smtClean="0"/>
-              <a:t>, </a:t>
-            </a:r>
-            <a:r>
-              <a:rPr lang="fr-FR" dirty="0" err="1" smtClean="0"/>
-              <a:t>diovy</a:t>
-            </a:r>
-            <a:r>
-              <a:rPr lang="fr-FR" dirty="0" smtClean="0"/>
-              <a:t> </a:t>
-            </a:r>
-            <a:r>
-              <a:rPr lang="fr-FR" dirty="0" err="1" smtClean="0"/>
-              <a:t>ny</a:t>
-            </a:r>
-            <a:r>
-              <a:rPr lang="fr-FR" dirty="0" smtClean="0"/>
-              <a:t> </a:t>
-            </a:r>
-            <a:r>
-              <a:rPr lang="fr-FR" dirty="0" err="1" smtClean="0"/>
-              <a:t>boka</a:t>
-            </a:r>
-            <a:r>
-              <a:rPr lang="fr-FR" dirty="0" smtClean="0"/>
-              <a:t>, </a:t>
-            </a:r>
-            <a:r>
-              <a:rPr lang="fr-FR" dirty="0" err="1" smtClean="0"/>
-              <a:t>avoahy</a:t>
-            </a:r>
-            <a:r>
-              <a:rPr lang="fr-FR" dirty="0" smtClean="0"/>
-              <a:t> </a:t>
-            </a:r>
-            <a:r>
-              <a:rPr lang="fr-FR" dirty="0" err="1" smtClean="0"/>
-              <a:t>ny</a:t>
-            </a:r>
-            <a:r>
-              <a:rPr lang="fr-FR" dirty="0" smtClean="0"/>
-              <a:t> </a:t>
-            </a:r>
-            <a:r>
-              <a:rPr lang="fr-FR" dirty="0" err="1" smtClean="0"/>
-              <a:t>demonia</a:t>
+              <a:t>Tekoa</a:t>
             </a:r>
             <a:r>
               <a:rPr lang="fr-FR" dirty="0" smtClean="0"/>
@@ -5200,48 +5182,118 @@
               </a:defRPr>
             </a:pPr>
             <a:r>
-              <a:rPr dirty="0" smtClean="0"/>
+              <a:rPr dirty="0"/>
               <a:t> </a:t>
             </a:r>
             <a:r>
-              <a:rPr dirty="0" err="1" smtClean="0"/>
-              <a:t>efa</a:t>
-            </a:r>
-            <a:r>
-              <a:rPr dirty="0" smtClean="0"/>
+              <a:rPr dirty="0" err="1"/>
+              <a:t>ary</a:t>
+            </a:r>
+            <a:r>
+              <a:rPr dirty="0"/>
               <a:t> </a:t>
             </a:r>
             <a:r>
-              <a:rPr dirty="0" err="1" smtClean="0"/>
-              <a:t>nahazo</a:t>
-            </a:r>
-            <a:r>
-              <a:rPr dirty="0" smtClean="0"/>
+              <a:rPr dirty="0" err="1"/>
+              <a:t>nony</a:t>
+            </a:r>
+            <a:r>
+              <a:rPr dirty="0"/>
               <a:t> </a:t>
             </a:r>
             <a:r>
-              <a:rPr dirty="0" err="1" smtClean="0"/>
-              <a:t>maimaimpoana</a:t>
-            </a:r>
-            <a:r>
-              <a:rPr dirty="0" smtClean="0"/>
+              <a:rPr dirty="0" err="1"/>
+              <a:t>nivoaka</a:t>
+            </a:r>
+            <a:r>
+              <a:rPr dirty="0"/>
               <a:t> </a:t>
             </a:r>
             <a:r>
-              <a:rPr dirty="0" err="1" smtClean="0"/>
-              <a:t>ianareo</a:t>
+              <a:rPr dirty="0" err="1"/>
+              <a:t>izy</a:t>
             </a:r>
             <a:r>
               <a:rPr dirty="0" smtClean="0"/>
               <a:t>,</a:t>
             </a:r>
             <a:r>
+              <a:rPr lang="fi-FI" dirty="0" smtClean="0"/>
+              <a:t> dia nitsangana teo Josafata ka nanao hoe: Mihainoa ahy, ry Joda</a:t>
+            </a:r>
+            <a:endParaRPr dirty="0"/>
+          </a:p>
+        </p:txBody>
+      </p:sp>
+    </p:spTree>
+  </p:cSld>
+  <p:clrMapOvr>
+    <a:masterClrMapping/>
+  </p:clrMapOvr>
+</p:sld>
+</file>
+
+<file path=ppt/slides/slide4.xml><?xml version="1.0" encoding="utf-8"?>
+<p:sld xmlns:a="http://schemas.openxmlformats.org/drawingml/2006/main" xmlns:r="http://schemas.openxmlformats.org/officeDocument/2006/relationships" xmlns:p="http://schemas.openxmlformats.org/presentationml/2006/main">
+  <p:cSld>
+    <p:spTree>
+      <p:nvGrpSpPr>
+        <p:cNvPr id="1" name=""/>
+        <p:cNvGrpSpPr/>
+        <p:nvPr/>
+      </p:nvGrpSpPr>
+      <p:grpSpPr>
+        <a:xfrm>
+          <a:off x="0" y="0"/>
+          <a:ext cx="0" cy="0"/>
+          <a:chOff x="0" y="0"/>
+          <a:chExt cx="0" cy="0"/>
+        </a:xfrm>
+      </p:grpSpPr>
+      <p:sp>
+        <p:nvSpPr>
+          <p:cNvPr id="2" name="Title 1"/>
+          <p:cNvSpPr>
+            <a:spLocks noGrp="1"/>
+          </p:cNvSpPr>
+          <p:nvPr>
+            <p:ph type="title"/>
+          </p:nvPr>
+        </p:nvSpPr>
+        <p:spPr>
+          <a:xfrm>
+            <a:off x="0" y="0"/>
+            <a:ext cx="9144000" cy="6858000"/>
+          </a:xfrm>
+        </p:spPr>
+        <p:txBody>
+          <a:bodyPr/>
+          <a:lstStyle/>
+          <a:p>
+            <a:pPr algn="ctr">
+              <a:defRPr sz="8000">
+                <a:latin typeface="Helvetica Inserat LT Std"/>
+              </a:defRPr>
+            </a:pPr>
+            <a:r>
+              <a:rPr lang="fr-FR" dirty="0" err="1" smtClean="0"/>
+              <a:t>sy</a:t>
+            </a:r>
+            <a:r>
               <a:rPr lang="fr-FR" dirty="0" smtClean="0"/>
               <a:t> </a:t>
             </a:r>
             <a:r>
               <a:rPr lang="fr-FR" dirty="0" err="1" smtClean="0"/>
-              <a:t>koa</a:t>
+              <a:t>ianareo</a:t>
+            </a:r>
+            <a:r>
+              <a:rPr lang="fr-FR" dirty="0" smtClean="0"/>
+              <a:t>, </a:t>
+            </a:r>
+            <a:r>
+              <a:rPr lang="fr-FR" dirty="0" err="1" smtClean="0"/>
+              <a:t>ry</a:t>
             </a:r>
             <a:r>
               <a:rPr lang="fr-FR" dirty="0" smtClean="0"/>
@@ -5249,7 +5301,7 @@
             </a:r>
             <a:r>
               <a:rPr lang="fr-FR" dirty="0" err="1" smtClean="0"/>
-              <a:t>manomeza</a:t>
+              <a:t>mponina</a:t>
             </a:r>
             <a:r>
               <a:rPr lang="fr-FR" dirty="0" smtClean="0"/>
@@ -5257,7 +5309,173 @@
             </a:r>
             <a:r>
               <a:rPr lang="fr-FR" dirty="0" err="1" smtClean="0"/>
-              <a:t>maimaimpoana</a:t>
+              <a:t>eto</a:t>
+            </a:r>
+            <a:r>
+              <a:rPr lang="fr-FR" dirty="0" smtClean="0"/>
+              <a:t> </a:t>
+            </a:r>
+            <a:r>
+              <a:rPr lang="fr-FR" dirty="0" err="1" smtClean="0"/>
+              <a:t>Jerosalema</a:t>
+            </a:r>
+            <a:r>
+              <a:rPr lang="fr-FR" dirty="0" smtClean="0"/>
+              <a:t>: </a:t>
+            </a:r>
+            <a:r>
+              <a:rPr lang="fr-FR" dirty="0" err="1" smtClean="0"/>
+              <a:t>Minoa</a:t>
+            </a:r>
+            <a:r>
+              <a:rPr lang="fr-FR" dirty="0" smtClean="0"/>
+              <a:t> </a:t>
+            </a:r>
+            <a:r>
+              <a:rPr lang="fr-FR" dirty="0" err="1" smtClean="0"/>
+              <a:t>an'i</a:t>
+            </a:r>
+            <a:r>
+              <a:rPr lang="fr-FR" dirty="0" smtClean="0"/>
+              <a:t> </a:t>
+            </a:r>
+            <a:r>
+              <a:rPr lang="fr-FR" dirty="0" err="1" smtClean="0"/>
+              <a:t>Jehovah</a:t>
+            </a:r>
+            <a:r>
+              <a:rPr lang="fr-FR" dirty="0" smtClean="0"/>
+              <a:t> </a:t>
+            </a:r>
+            <a:r>
+              <a:rPr lang="fr-FR" dirty="0" err="1" smtClean="0"/>
+              <a:t>Andriamanitrareo</a:t>
+            </a:r>
+            <a:r>
+              <a:rPr lang="fr-FR" dirty="0" smtClean="0"/>
+              <a:t>,</a:t>
+            </a:r>
+            <a:endParaRPr dirty="0"/>
+          </a:p>
+        </p:txBody>
+      </p:sp>
+    </p:spTree>
+  </p:cSld>
+  <p:clrMapOvr>
+    <a:masterClrMapping/>
+  </p:clrMapOvr>
+</p:sld>
+</file>
+
+<file path=ppt/slides/slide5.xml><?xml version="1.0" encoding="utf-8"?>
+<p:sld xmlns:a="http://schemas.openxmlformats.org/drawingml/2006/main" xmlns:r="http://schemas.openxmlformats.org/officeDocument/2006/relationships" xmlns:p="http://schemas.openxmlformats.org/presentationml/2006/main">
+  <p:cSld>
+    <p:spTree>
+      <p:nvGrpSpPr>
+        <p:cNvPr id="1" name=""/>
+        <p:cNvGrpSpPr/>
+        <p:nvPr/>
+      </p:nvGrpSpPr>
+      <p:grpSpPr>
+        <a:xfrm>
+          <a:off x="0" y="0"/>
+          <a:ext cx="0" cy="0"/>
+          <a:chOff x="0" y="0"/>
+          <a:chExt cx="0" cy="0"/>
+        </a:xfrm>
+      </p:grpSpPr>
+      <p:sp>
+        <p:nvSpPr>
+          <p:cNvPr id="2" name="Title 1"/>
+          <p:cNvSpPr>
+            <a:spLocks noGrp="1"/>
+          </p:cNvSpPr>
+          <p:nvPr>
+            <p:ph type="title"/>
+          </p:nvPr>
+        </p:nvSpPr>
+        <p:spPr>
+          <a:xfrm>
+            <a:off x="0" y="0"/>
+            <a:ext cx="9144000" cy="6858000"/>
+          </a:xfrm>
+        </p:spPr>
+        <p:txBody>
+          <a:bodyPr/>
+          <a:lstStyle/>
+          <a:p>
+            <a:pPr algn="ctr">
+              <a:defRPr sz="8000">
+                <a:latin typeface="Helvetica Inserat LT Std"/>
+              </a:defRPr>
+            </a:pPr>
+            <a:r>
+              <a:rPr dirty="0"/>
+              <a:t> </a:t>
+            </a:r>
+            <a:r>
+              <a:rPr dirty="0" err="1"/>
+              <a:t>dia</a:t>
+            </a:r>
+            <a:r>
+              <a:rPr dirty="0"/>
+              <a:t> ho </a:t>
+            </a:r>
+            <a:r>
+              <a:rPr dirty="0" err="1"/>
+              <a:t>tafatoetra</a:t>
+            </a:r>
+            <a:r>
+              <a:rPr dirty="0"/>
+              <a:t> </a:t>
+            </a:r>
+            <a:r>
+              <a:rPr dirty="0" err="1"/>
+              <a:t>ianareo</a:t>
+            </a:r>
+            <a:r>
+              <a:rPr dirty="0" smtClean="0"/>
+              <a:t>;</a:t>
+            </a:r>
+            <a:r>
+              <a:rPr lang="fr-FR" dirty="0" smtClean="0"/>
+              <a:t> </a:t>
+            </a:r>
+            <a:r>
+              <a:rPr lang="fr-FR" dirty="0" err="1" smtClean="0"/>
+              <a:t>minoa</a:t>
+            </a:r>
+            <a:r>
+              <a:rPr lang="fr-FR" dirty="0" smtClean="0"/>
+              <a:t> </a:t>
+            </a:r>
+            <a:r>
+              <a:rPr lang="fr-FR" dirty="0" err="1" smtClean="0"/>
+              <a:t>ny</a:t>
+            </a:r>
+            <a:r>
+              <a:rPr lang="fr-FR" dirty="0" smtClean="0"/>
+              <a:t> </a:t>
+            </a:r>
+            <a:r>
+              <a:rPr lang="fr-FR" dirty="0" err="1" smtClean="0"/>
+              <a:t>mpaminaniny</a:t>
+            </a:r>
+            <a:r>
+              <a:rPr lang="fr-FR" dirty="0" smtClean="0"/>
+              <a:t>, dia </a:t>
+            </a:r>
+            <a:r>
+              <a:rPr lang="fr-FR" dirty="0" err="1" smtClean="0"/>
+              <a:t>hambinina</a:t>
+            </a:r>
+            <a:r>
+              <a:rPr lang="fr-FR" dirty="0" smtClean="0"/>
+              <a:t> </a:t>
+            </a:r>
+            <a:r>
+              <a:rPr lang="fr-FR" dirty="0" err="1" smtClean="0"/>
+              <a:t>ianareo</a:t>
             </a:r>
             <a:r>
               <a:rPr lang="fr-FR" dirty="0" smtClean="0"/>

--- a/test.pptx
+++ b/test.pptx
@@ -6,10 +6,12 @@
   </p:sldMasterIdLst>
   <p:sldIdLst>
     <p:sldId id="1120" r:id="rId2"/>
-    <p:sldId id="1121" r:id="rId3"/>
-    <p:sldId id="1123" r:id="rId4"/>
-    <p:sldId id="1125" r:id="rId5"/>
-    <p:sldId id="1128" r:id="rId6"/>
+    <p:sldId id="1121" r:id="rId7"/>
+    <p:sldId id="1122" r:id="rId8"/>
+    <p:sldId id="1123" r:id="rId9"/>
+    <p:sldId id="1124" r:id="rId10"/>
+    <p:sldId id="1125" r:id="rId11"/>
+    <p:sldId id="1126" r:id="rId12"/>
   </p:sldIdLst>
   <p:sldSz cx="9144000" cy="6858000" type="screen4x3"/>
   <p:notesSz cx="6858000" cy="9144000"/>
@@ -307,7 +309,7 @@
                 <a:tabLst/>
                 <a:defRPr/>
               </a:pPr>
-              <a:t>25/11/2023</a:t>
+              <a:t>05/11/2023</a:t>
             </a:fld>
             <a:endParaRPr kumimoji="0" lang="fr-FR" sz="1200" b="0" i="0" u="none" strike="noStrike" kern="1200" cap="none" spc="0" normalizeH="0" baseline="0" noProof="0">
               <a:ln>
@@ -637,7 +639,7 @@
                 <a:tabLst/>
                 <a:defRPr/>
               </a:pPr>
-              <a:t>25/11/2023</a:t>
+              <a:t>05/11/2023</a:t>
             </a:fld>
             <a:endParaRPr kumimoji="0" lang="fr-FR" sz="1200" b="0" i="0" u="none" strike="noStrike" kern="1200" cap="none" spc="0" normalizeH="0" baseline="0" noProof="0">
               <a:ln>
@@ -977,7 +979,7 @@
                 <a:tabLst/>
                 <a:defRPr/>
               </a:pPr>
-              <a:t>25/11/2023</a:t>
+              <a:t>05/11/2023</a:t>
             </a:fld>
             <a:endParaRPr kumimoji="0" lang="fr-FR" sz="1200" b="0" i="0" u="none" strike="noStrike" kern="1200" cap="none" spc="0" normalizeH="0" baseline="0" noProof="0">
               <a:ln>
@@ -1307,7 +1309,7 @@
                 <a:tabLst/>
                 <a:defRPr/>
               </a:pPr>
-              <a:t>25/11/2023</a:t>
+              <a:t>05/11/2023</a:t>
             </a:fld>
             <a:endParaRPr kumimoji="0" lang="fr-FR" sz="1200" b="0" i="0" u="none" strike="noStrike" kern="1200" cap="none" spc="0" normalizeH="0" baseline="0" noProof="0">
               <a:ln>
@@ -1711,7 +1713,7 @@
                 <a:tabLst/>
                 <a:defRPr/>
               </a:pPr>
-              <a:t>25/11/2023</a:t>
+              <a:t>05/11/2023</a:t>
             </a:fld>
             <a:endParaRPr kumimoji="0" lang="fr-FR" sz="1200" b="0" i="0" u="none" strike="noStrike" kern="1200" cap="none" spc="0" normalizeH="0" baseline="0" noProof="0">
               <a:ln>
@@ -2103,7 +2105,7 @@
                 <a:tabLst/>
                 <a:defRPr/>
               </a:pPr>
-              <a:t>25/11/2023</a:t>
+              <a:t>05/11/2023</a:t>
             </a:fld>
             <a:endParaRPr kumimoji="0" lang="fr-FR" sz="1200" b="0" i="0" u="none" strike="noStrike" kern="1200" cap="none" spc="0" normalizeH="0" baseline="0" noProof="0">
               <a:ln>
@@ -2630,7 +2632,7 @@
                 <a:tabLst/>
                 <a:defRPr/>
               </a:pPr>
-              <a:t>25/11/2023</a:t>
+              <a:t>05/11/2023</a:t>
             </a:fld>
             <a:endParaRPr kumimoji="0" lang="fr-FR" sz="1200" b="0" i="0" u="none" strike="noStrike" kern="1200" cap="none" spc="0" normalizeH="0" baseline="0" noProof="0">
               <a:ln>
@@ -2908,7 +2910,7 @@
                 <a:tabLst/>
                 <a:defRPr/>
               </a:pPr>
-              <a:t>25/11/2023</a:t>
+              <a:t>05/11/2023</a:t>
             </a:fld>
             <a:endParaRPr kumimoji="0" lang="fr-FR" sz="1200" b="0" i="0" u="none" strike="noStrike" kern="1200" cap="none" spc="0" normalizeH="0" baseline="0" noProof="0">
               <a:ln>
@@ -3163,7 +3165,7 @@
                 <a:tabLst/>
                 <a:defRPr/>
               </a:pPr>
-              <a:t>25/11/2023</a:t>
+              <a:t>05/11/2023</a:t>
             </a:fld>
             <a:endParaRPr kumimoji="0" lang="fr-FR" sz="1200" b="0" i="0" u="none" strike="noStrike" kern="1200" cap="none" spc="0" normalizeH="0" baseline="0" noProof="0">
               <a:ln>
@@ -3600,7 +3602,7 @@
                 <a:tabLst/>
                 <a:defRPr/>
               </a:pPr>
-              <a:t>25/11/2023</a:t>
+              <a:t>05/11/2023</a:t>
             </a:fld>
             <a:endParaRPr kumimoji="0" lang="fr-FR" sz="1200" b="0" i="0" u="none" strike="noStrike" kern="1200" cap="none" spc="0" normalizeH="0" baseline="0" noProof="0">
               <a:ln>
@@ -4017,7 +4019,7 @@
                 <a:tabLst/>
                 <a:defRPr/>
               </a:pPr>
-              <a:t>25/11/2023</a:t>
+              <a:t>05/11/2023</a:t>
             </a:fld>
             <a:endParaRPr kumimoji="0" lang="fr-FR" sz="1200" b="0" i="0" u="none" strike="noStrike" kern="1200" cap="none" spc="0" normalizeH="0" baseline="0" noProof="0">
               <a:ln>
@@ -4400,7 +4402,7 @@
                 <a:tabLst/>
                 <a:defRPr/>
               </a:pPr>
-              <a:t>25/11/2023</a:t>
+              <a:t>05/11/2023</a:t>
             </a:fld>
             <a:endParaRPr kumimoji="0" lang="fr-FR" sz="1200" b="0" i="0" u="none" strike="noStrike" kern="1200" cap="none" spc="0" normalizeH="0" baseline="0" noProof="0">
               <a:ln>
@@ -4964,16 +4966,7 @@
               </a:defRPr>
             </a:pPr>
             <a:r>
-              <a:rPr dirty="0"/>
-              <a:t>II </a:t>
-            </a:r>
-            <a:r>
-              <a:rPr dirty="0" err="1"/>
-              <a:t>Tantara</a:t>
-            </a:r>
-            <a:r>
-              <a:rPr dirty="0"/>
-              <a:t> </a:t>
+              <a:t>Lioka </a:t>
             </a:r>
           </a:p>
           <a:p>
@@ -4986,8 +4979,7 @@
               </a:defRPr>
             </a:pPr>
             <a:r>
-              <a:rPr dirty="0"/>
-              <a:t>20 : 20</a:t>
+              <a:t>1 : 5</a:t>
             </a:r>
           </a:p>
         </p:txBody>
@@ -5006,7 +4998,7 @@
 </file>
 
 <file path=ppt/slides/slide2.xml><?xml version="1.0" encoding="utf-8"?>
-<p:sld xmlns:a="http://schemas.openxmlformats.org/drawingml/2006/main" xmlns:r="http://schemas.openxmlformats.org/officeDocument/2006/relationships" xmlns:p="http://schemas.openxmlformats.org/presentationml/2006/main">
+<p:sld xmlns:a="http://schemas.openxmlformats.org/drawingml/2006/main" xmlns:p="http://schemas.openxmlformats.org/presentationml/2006/main" xmlns:r="http://schemas.openxmlformats.org/officeDocument/2006/relationships">
   <p:cSld>
     <p:spTree>
       <p:nvGrpSpPr>
@@ -5014,14 +5006,7 @@
         <p:cNvGrpSpPr/>
         <p:nvPr/>
       </p:nvGrpSpPr>
-      <p:grpSpPr>
-        <a:xfrm>
-          <a:off x="0" y="0"/>
-          <a:ext cx="0" cy="0"/>
-          <a:chOff x="0" y="0"/>
-          <a:chExt cx="0" cy="0"/>
-        </a:xfrm>
-      </p:grpSpPr>
+      <p:grpSpPr/>
       <p:sp>
         <p:nvSpPr>
           <p:cNvPr id="2" name="Title 1"/>
@@ -5034,7 +5019,6 @@
         </p:nvSpPr>
         <p:spPr>
           <a:xfrm>
-            <a:off x="0" y="0"/>
             <a:ext cx="9144000" cy="6858000"/>
           </a:xfrm>
         </p:spPr>
@@ -5048,86 +5032,8 @@
               </a:defRPr>
             </a:pPr>
             <a:r>
-              <a:rPr dirty="0"/>
-              <a:t>20 </a:t>
-            </a:r>
-            <a:r>
-              <a:rPr dirty="0" err="1"/>
-              <a:t>Ary</a:t>
-            </a:r>
-            <a:r>
-              <a:rPr dirty="0"/>
-              <a:t> </a:t>
-            </a:r>
-            <a:r>
-              <a:rPr dirty="0" err="1"/>
-              <a:t>nifoha</a:t>
-            </a:r>
-            <a:r>
-              <a:rPr dirty="0"/>
-              <a:t> </a:t>
-            </a:r>
-            <a:r>
-              <a:rPr dirty="0" err="1"/>
-              <a:t>maraina</a:t>
-            </a:r>
-            <a:r>
-              <a:rPr dirty="0"/>
-              <a:t> </a:t>
-            </a:r>
-            <a:r>
-              <a:rPr dirty="0" err="1"/>
-              <a:t>koa</a:t>
-            </a:r>
-            <a:r>
-              <a:rPr dirty="0"/>
-              <a:t> </a:t>
-            </a:r>
-            <a:r>
-              <a:rPr dirty="0" err="1"/>
-              <a:t>izy</a:t>
-            </a:r>
-            <a:r>
-              <a:rPr dirty="0" smtClean="0"/>
-              <a:t>,</a:t>
-            </a:r>
-            <a:r>
-              <a:rPr lang="fr-FR" dirty="0" smtClean="0"/>
-              <a:t> dia </a:t>
-            </a:r>
-            <a:r>
-              <a:rPr lang="fr-FR" dirty="0" err="1" smtClean="0"/>
-              <a:t>niainga</a:t>
-            </a:r>
-            <a:r>
-              <a:rPr lang="fr-FR" dirty="0" smtClean="0"/>
-              <a:t> </a:t>
-            </a:r>
-            <a:r>
-              <a:rPr lang="fr-FR" dirty="0" err="1" smtClean="0"/>
-              <a:t>nankany</a:t>
-            </a:r>
-            <a:r>
-              <a:rPr lang="fr-FR" dirty="0" smtClean="0"/>
-              <a:t> an-</a:t>
-            </a:r>
-            <a:r>
-              <a:rPr lang="fr-FR" dirty="0" err="1" smtClean="0"/>
-              <a:t>efitr'i</a:t>
-            </a:r>
-            <a:r>
-              <a:rPr lang="fr-FR" dirty="0" smtClean="0"/>
-              <a:t> </a:t>
-            </a:r>
-            <a:r>
-              <a:rPr lang="fr-FR" dirty="0" err="1" smtClean="0"/>
-              <a:t>Tekoa</a:t>
-            </a:r>
-            <a:r>
-              <a:rPr lang="fr-FR" dirty="0" smtClean="0"/>
-              <a:t>;</a:t>
-            </a:r>
-            <a:endParaRPr dirty="0"/>
+              <a:t>5 Tamin'ny andron'i Heroda,</a:t>
+            </a:r>
           </a:p>
         </p:txBody>
       </p:sp>
@@ -5140,7 +5046,7 @@
 </file>
 
 <file path=ppt/slides/slide3.xml><?xml version="1.0" encoding="utf-8"?>
-<p:sld xmlns:a="http://schemas.openxmlformats.org/drawingml/2006/main" xmlns:r="http://schemas.openxmlformats.org/officeDocument/2006/relationships" xmlns:p="http://schemas.openxmlformats.org/presentationml/2006/main">
+<p:sld xmlns:a="http://schemas.openxmlformats.org/drawingml/2006/main" xmlns:p="http://schemas.openxmlformats.org/presentationml/2006/main" xmlns:r="http://schemas.openxmlformats.org/officeDocument/2006/relationships">
   <p:cSld>
     <p:spTree>
       <p:nvGrpSpPr>
@@ -5148,14 +5054,7 @@
         <p:cNvGrpSpPr/>
         <p:nvPr/>
       </p:nvGrpSpPr>
-      <p:grpSpPr>
-        <a:xfrm>
-          <a:off x="0" y="0"/>
-          <a:ext cx="0" cy="0"/>
-          <a:chOff x="0" y="0"/>
-          <a:chExt cx="0" cy="0"/>
-        </a:xfrm>
-      </p:grpSpPr>
+      <p:grpSpPr/>
       <p:sp>
         <p:nvSpPr>
           <p:cNvPr id="2" name="Title 1"/>
@@ -5168,7 +5067,6 @@
         </p:nvSpPr>
         <p:spPr>
           <a:xfrm>
-            <a:off x="0" y="0"/>
             <a:ext cx="9144000" cy="6858000"/>
           </a:xfrm>
         </p:spPr>
@@ -5182,46 +5080,8 @@
               </a:defRPr>
             </a:pPr>
             <a:r>
-              <a:rPr dirty="0"/>
-              <a:t> </a:t>
-            </a:r>
-            <a:r>
-              <a:rPr dirty="0" err="1"/>
-              <a:t>ary</a:t>
-            </a:r>
-            <a:r>
-              <a:rPr dirty="0"/>
-              <a:t> </a:t>
-            </a:r>
-            <a:r>
-              <a:rPr dirty="0" err="1"/>
-              <a:t>nony</a:t>
-            </a:r>
-            <a:r>
-              <a:rPr dirty="0"/>
-              <a:t> </a:t>
-            </a:r>
-            <a:r>
-              <a:rPr dirty="0" err="1"/>
-              <a:t>nivoaka</a:t>
-            </a:r>
-            <a:r>
-              <a:rPr dirty="0"/>
-              <a:t> </a:t>
-            </a:r>
-            <a:r>
-              <a:rPr dirty="0" err="1"/>
-              <a:t>izy</a:t>
-            </a:r>
-            <a:r>
-              <a:rPr dirty="0" smtClean="0"/>
-              <a:t>,</a:t>
-            </a:r>
-            <a:r>
-              <a:rPr lang="fi-FI" dirty="0" smtClean="0"/>
-              <a:t> dia nitsangana teo Josafata ka nanao hoe: Mihainoa ahy, ry Joda</a:t>
-            </a:r>
-            <a:endParaRPr dirty="0"/>
+              <a:t> mpanjakan'i Jodia,</a:t>
+            </a:r>
           </a:p>
         </p:txBody>
       </p:sp>
@@ -5234,7 +5094,7 @@
 </file>
 
 <file path=ppt/slides/slide4.xml><?xml version="1.0" encoding="utf-8"?>
-<p:sld xmlns:a="http://schemas.openxmlformats.org/drawingml/2006/main" xmlns:r="http://schemas.openxmlformats.org/officeDocument/2006/relationships" xmlns:p="http://schemas.openxmlformats.org/presentationml/2006/main">
+<p:sld xmlns:a="http://schemas.openxmlformats.org/drawingml/2006/main" xmlns:p="http://schemas.openxmlformats.org/presentationml/2006/main" xmlns:r="http://schemas.openxmlformats.org/officeDocument/2006/relationships">
   <p:cSld>
     <p:spTree>
       <p:nvGrpSpPr>
@@ -5242,14 +5102,7 @@
         <p:cNvGrpSpPr/>
         <p:nvPr/>
       </p:nvGrpSpPr>
-      <p:grpSpPr>
-        <a:xfrm>
-          <a:off x="0" y="0"/>
-          <a:ext cx="0" cy="0"/>
-          <a:chOff x="0" y="0"/>
-          <a:chExt cx="0" cy="0"/>
-        </a:xfrm>
-      </p:grpSpPr>
+      <p:grpSpPr/>
       <p:sp>
         <p:nvSpPr>
           <p:cNvPr id="2" name="Title 1"/>
@@ -5262,7 +5115,6 @@
         </p:nvSpPr>
         <p:spPr>
           <a:xfrm>
-            <a:off x="0" y="0"/>
             <a:ext cx="9144000" cy="6858000"/>
           </a:xfrm>
         </p:spPr>
@@ -5276,86 +5128,8 @@
               </a:defRPr>
             </a:pPr>
             <a:r>
-              <a:rPr lang="fr-FR" dirty="0" err="1" smtClean="0"/>
-              <a:t>sy</a:t>
-            </a:r>
-            <a:r>
-              <a:rPr lang="fr-FR" dirty="0" smtClean="0"/>
-              <a:t> </a:t>
-            </a:r>
-            <a:r>
-              <a:rPr lang="fr-FR" dirty="0" err="1" smtClean="0"/>
-              <a:t>ianareo</a:t>
-            </a:r>
-            <a:r>
-              <a:rPr lang="fr-FR" dirty="0" smtClean="0"/>
-              <a:t>, </a:t>
-            </a:r>
-            <a:r>
-              <a:rPr lang="fr-FR" dirty="0" err="1" smtClean="0"/>
-              <a:t>ry</a:t>
-            </a:r>
-            <a:r>
-              <a:rPr lang="fr-FR" dirty="0" smtClean="0"/>
-              <a:t> </a:t>
-            </a:r>
-            <a:r>
-              <a:rPr lang="fr-FR" dirty="0" err="1" smtClean="0"/>
-              <a:t>mponina</a:t>
-            </a:r>
-            <a:r>
-              <a:rPr lang="fr-FR" dirty="0" smtClean="0"/>
-              <a:t> </a:t>
-            </a:r>
-            <a:r>
-              <a:rPr lang="fr-FR" dirty="0" err="1" smtClean="0"/>
-              <a:t>eto</a:t>
-            </a:r>
-            <a:r>
-              <a:rPr lang="fr-FR" dirty="0" smtClean="0"/>
-              <a:t> </a:t>
-            </a:r>
-            <a:r>
-              <a:rPr lang="fr-FR" dirty="0" err="1" smtClean="0"/>
-              <a:t>Jerosalema</a:t>
-            </a:r>
-            <a:r>
-              <a:rPr lang="fr-FR" dirty="0" smtClean="0"/>
-              <a:t>: </a:t>
-            </a:r>
-            <a:r>
-              <a:rPr lang="fr-FR" dirty="0" err="1" smtClean="0"/>
-              <a:t>Minoa</a:t>
-            </a:r>
-            <a:r>
-              <a:rPr lang="fr-FR" dirty="0" smtClean="0"/>
-              <a:t> </a:t>
-            </a:r>
-            <a:r>
-              <a:rPr lang="fr-FR" dirty="0" err="1" smtClean="0"/>
-              <a:t>an'i</a:t>
-            </a:r>
-            <a:r>
-              <a:rPr lang="fr-FR" dirty="0" smtClean="0"/>
-              <a:t> </a:t>
-            </a:r>
-            <a:r>
-              <a:rPr lang="fr-FR" dirty="0" err="1" smtClean="0"/>
-              <a:t>Jehovah</a:t>
-            </a:r>
-            <a:r>
-              <a:rPr lang="fr-FR" dirty="0" smtClean="0"/>
-              <a:t> </a:t>
-            </a:r>
-            <a:r>
-              <a:rPr lang="fr-FR" dirty="0" err="1" smtClean="0"/>
-              <a:t>Andriamanitrareo</a:t>
-            </a:r>
-            <a:r>
-              <a:rPr lang="fr-FR" dirty="0" smtClean="0"/>
-              <a:t>,</a:t>
-            </a:r>
-            <a:endParaRPr dirty="0"/>
+              <a:t> nisy mpisorona anankiray atao hoe Zakaria,</a:t>
+            </a:r>
           </a:p>
         </p:txBody>
       </p:sp>
@@ -5368,7 +5142,7 @@
 </file>
 
 <file path=ppt/slides/slide5.xml><?xml version="1.0" encoding="utf-8"?>
-<p:sld xmlns:a="http://schemas.openxmlformats.org/drawingml/2006/main" xmlns:r="http://schemas.openxmlformats.org/officeDocument/2006/relationships" xmlns:p="http://schemas.openxmlformats.org/presentationml/2006/main">
+<p:sld xmlns:a="http://schemas.openxmlformats.org/drawingml/2006/main" xmlns:p="http://schemas.openxmlformats.org/presentationml/2006/main" xmlns:r="http://schemas.openxmlformats.org/officeDocument/2006/relationships">
   <p:cSld>
     <p:spTree>
       <p:nvGrpSpPr>
@@ -5376,14 +5150,7 @@
         <p:cNvGrpSpPr/>
         <p:nvPr/>
       </p:nvGrpSpPr>
-      <p:grpSpPr>
-        <a:xfrm>
-          <a:off x="0" y="0"/>
-          <a:ext cx="0" cy="0"/>
-          <a:chOff x="0" y="0"/>
-          <a:chExt cx="0" cy="0"/>
-        </a:xfrm>
-      </p:grpSpPr>
+      <p:grpSpPr/>
       <p:sp>
         <p:nvSpPr>
           <p:cNvPr id="2" name="Title 1"/>
@@ -5396,7 +5163,6 @@
         </p:nvSpPr>
         <p:spPr>
           <a:xfrm>
-            <a:off x="0" y="0"/>
             <a:ext cx="9144000" cy="6858000"/>
           </a:xfrm>
         </p:spPr>
@@ -5410,78 +5176,104 @@
               </a:defRPr>
             </a:pPr>
             <a:r>
-              <a:rPr dirty="0"/>
-              <a:t> </a:t>
-            </a:r>
-            <a:r>
-              <a:rPr dirty="0" err="1"/>
-              <a:t>dia</a:t>
-            </a:r>
-            <a:r>
-              <a:rPr dirty="0"/>
-              <a:t> ho </a:t>
-            </a:r>
-            <a:r>
-              <a:rPr dirty="0" err="1"/>
-              <a:t>tafatoetra</a:t>
-            </a:r>
-            <a:r>
-              <a:rPr dirty="0"/>
-              <a:t> </a:t>
-            </a:r>
-            <a:r>
-              <a:rPr dirty="0" err="1"/>
-              <a:t>ianareo</a:t>
-            </a:r>
-            <a:r>
-              <a:rPr dirty="0" smtClean="0"/>
-              <a:t>;</a:t>
-            </a:r>
-            <a:r>
-              <a:rPr lang="fr-FR" dirty="0" smtClean="0"/>
-              <a:t> </a:t>
-            </a:r>
-            <a:r>
-              <a:rPr lang="fr-FR" dirty="0" err="1" smtClean="0"/>
-              <a:t>minoa</a:t>
-            </a:r>
-            <a:r>
-              <a:rPr lang="fr-FR" dirty="0" smtClean="0"/>
-              <a:t> </a:t>
-            </a:r>
-            <a:r>
-              <a:rPr lang="fr-FR" dirty="0" err="1" smtClean="0"/>
-              <a:t>ny</a:t>
-            </a:r>
-            <a:r>
-              <a:rPr lang="fr-FR" dirty="0" smtClean="0"/>
-              <a:t> </a:t>
-            </a:r>
-            <a:r>
-              <a:rPr lang="fr-FR" dirty="0" err="1" smtClean="0"/>
-              <a:t>mpaminaniny</a:t>
-            </a:r>
-            <a:r>
-              <a:rPr lang="fr-FR" dirty="0" smtClean="0"/>
-              <a:t>, dia </a:t>
-            </a:r>
-            <a:r>
-              <a:rPr lang="fr-FR" dirty="0" err="1" smtClean="0"/>
-              <a:t>hambinina</a:t>
-            </a:r>
-            <a:r>
-              <a:rPr lang="fr-FR" dirty="0" smtClean="0"/>
-              <a:t> </a:t>
-            </a:r>
-            <a:r>
-              <a:rPr lang="fr-FR" dirty="0" err="1" smtClean="0"/>
-              <a:t>ianareo</a:t>
-            </a:r>
-            <a:r>
-              <a:rPr lang="fr-FR" dirty="0" smtClean="0"/>
-              <a:t>.</a:t>
-            </a:r>
-            <a:endParaRPr dirty="0"/>
+              <a:t> isan'ny antokon'i Abia;</a:t>
+            </a:r>
+          </a:p>
+        </p:txBody>
+      </p:sp>
+    </p:spTree>
+  </p:cSld>
+  <p:clrMapOvr>
+    <a:masterClrMapping/>
+  </p:clrMapOvr>
+</p:sld>
+</file>
+
+<file path=ppt/slides/slide6.xml><?xml version="1.0" encoding="utf-8"?>
+<p:sld xmlns:a="http://schemas.openxmlformats.org/drawingml/2006/main" xmlns:p="http://schemas.openxmlformats.org/presentationml/2006/main" xmlns:r="http://schemas.openxmlformats.org/officeDocument/2006/relationships">
+  <p:cSld>
+    <p:spTree>
+      <p:nvGrpSpPr>
+        <p:cNvPr id="1" name=""/>
+        <p:cNvGrpSpPr/>
+        <p:nvPr/>
+      </p:nvGrpSpPr>
+      <p:grpSpPr/>
+      <p:sp>
+        <p:nvSpPr>
+          <p:cNvPr id="2" name="Title 1"/>
+          <p:cNvSpPr>
+            <a:spLocks noGrp="1"/>
+          </p:cNvSpPr>
+          <p:nvPr>
+            <p:ph type="title"/>
+          </p:nvPr>
+        </p:nvSpPr>
+        <p:spPr>
+          <a:xfrm>
+            <a:ext cx="9144000" cy="6858000"/>
+          </a:xfrm>
+        </p:spPr>
+        <p:txBody>
+          <a:bodyPr/>
+          <a:lstStyle/>
+          <a:p>
+            <a:pPr algn="ctr">
+              <a:defRPr sz="8000">
+                <a:latin typeface="Helvetica Inserat LT Std"/>
+              </a:defRPr>
+            </a:pPr>
+            <a:r>
+              <a:t> ary ny vadiny dia avy tamin'ny taranak'i Arona,</a:t>
+            </a:r>
+          </a:p>
+        </p:txBody>
+      </p:sp>
+    </p:spTree>
+  </p:cSld>
+  <p:clrMapOvr>
+    <a:masterClrMapping/>
+  </p:clrMapOvr>
+</p:sld>
+</file>
+
+<file path=ppt/slides/slide7.xml><?xml version="1.0" encoding="utf-8"?>
+<p:sld xmlns:a="http://schemas.openxmlformats.org/drawingml/2006/main" xmlns:p="http://schemas.openxmlformats.org/presentationml/2006/main" xmlns:r="http://schemas.openxmlformats.org/officeDocument/2006/relationships">
+  <p:cSld>
+    <p:spTree>
+      <p:nvGrpSpPr>
+        <p:cNvPr id="1" name=""/>
+        <p:cNvGrpSpPr/>
+        <p:nvPr/>
+      </p:nvGrpSpPr>
+      <p:grpSpPr/>
+      <p:sp>
+        <p:nvSpPr>
+          <p:cNvPr id="2" name="Title 1"/>
+          <p:cNvSpPr>
+            <a:spLocks noGrp="1"/>
+          </p:cNvSpPr>
+          <p:nvPr>
+            <p:ph type="title"/>
+          </p:nvPr>
+        </p:nvSpPr>
+        <p:spPr>
+          <a:xfrm>
+            <a:ext cx="9144000" cy="6858000"/>
+          </a:xfrm>
+        </p:spPr>
+        <p:txBody>
+          <a:bodyPr/>
+          <a:lstStyle/>
+          <a:p>
+            <a:pPr algn="ctr">
+              <a:defRPr sz="8000">
+                <a:latin typeface="Helvetica Inserat LT Std"/>
+              </a:defRPr>
+            </a:pPr>
+            <a:r>
+              <a:t> Elizabeta no anarany.</a:t>
+            </a:r>
           </a:p>
         </p:txBody>
       </p:sp>

--- a/test.pptx
+++ b/test.pptx
@@ -8,10 +8,6 @@
     <p:sldId id="1120" r:id="rId2"/>
     <p:sldId id="1121" r:id="rId7"/>
     <p:sldId id="1122" r:id="rId8"/>
-    <p:sldId id="1123" r:id="rId9"/>
-    <p:sldId id="1124" r:id="rId10"/>
-    <p:sldId id="1125" r:id="rId11"/>
-    <p:sldId id="1126" r:id="rId12"/>
   </p:sldIdLst>
   <p:sldSz cx="9144000" cy="6858000" type="screen4x3"/>
   <p:notesSz cx="6858000" cy="9144000"/>
@@ -309,7 +305,7 @@
                 <a:tabLst/>
                 <a:defRPr/>
               </a:pPr>
-              <a:t>05/11/2023</a:t>
+              <a:t>31/12/2023</a:t>
             </a:fld>
             <a:endParaRPr kumimoji="0" lang="fr-FR" sz="1200" b="0" i="0" u="none" strike="noStrike" kern="1200" cap="none" spc="0" normalizeH="0" baseline="0" noProof="0">
               <a:ln>
@@ -639,7 +635,7 @@
                 <a:tabLst/>
                 <a:defRPr/>
               </a:pPr>
-              <a:t>05/11/2023</a:t>
+              <a:t>31/12/2023</a:t>
             </a:fld>
             <a:endParaRPr kumimoji="0" lang="fr-FR" sz="1200" b="0" i="0" u="none" strike="noStrike" kern="1200" cap="none" spc="0" normalizeH="0" baseline="0" noProof="0">
               <a:ln>
@@ -979,7 +975,7 @@
                 <a:tabLst/>
                 <a:defRPr/>
               </a:pPr>
-              <a:t>05/11/2023</a:t>
+              <a:t>31/12/2023</a:t>
             </a:fld>
             <a:endParaRPr kumimoji="0" lang="fr-FR" sz="1200" b="0" i="0" u="none" strike="noStrike" kern="1200" cap="none" spc="0" normalizeH="0" baseline="0" noProof="0">
               <a:ln>
@@ -1309,7 +1305,7 @@
                 <a:tabLst/>
                 <a:defRPr/>
               </a:pPr>
-              <a:t>05/11/2023</a:t>
+              <a:t>31/12/2023</a:t>
             </a:fld>
             <a:endParaRPr kumimoji="0" lang="fr-FR" sz="1200" b="0" i="0" u="none" strike="noStrike" kern="1200" cap="none" spc="0" normalizeH="0" baseline="0" noProof="0">
               <a:ln>
@@ -1713,7 +1709,7 @@
                 <a:tabLst/>
                 <a:defRPr/>
               </a:pPr>
-              <a:t>05/11/2023</a:t>
+              <a:t>31/12/2023</a:t>
             </a:fld>
             <a:endParaRPr kumimoji="0" lang="fr-FR" sz="1200" b="0" i="0" u="none" strike="noStrike" kern="1200" cap="none" spc="0" normalizeH="0" baseline="0" noProof="0">
               <a:ln>
@@ -2105,7 +2101,7 @@
                 <a:tabLst/>
                 <a:defRPr/>
               </a:pPr>
-              <a:t>05/11/2023</a:t>
+              <a:t>31/12/2023</a:t>
             </a:fld>
             <a:endParaRPr kumimoji="0" lang="fr-FR" sz="1200" b="0" i="0" u="none" strike="noStrike" kern="1200" cap="none" spc="0" normalizeH="0" baseline="0" noProof="0">
               <a:ln>
@@ -2632,7 +2628,7 @@
                 <a:tabLst/>
                 <a:defRPr/>
               </a:pPr>
-              <a:t>05/11/2023</a:t>
+              <a:t>31/12/2023</a:t>
             </a:fld>
             <a:endParaRPr kumimoji="0" lang="fr-FR" sz="1200" b="0" i="0" u="none" strike="noStrike" kern="1200" cap="none" spc="0" normalizeH="0" baseline="0" noProof="0">
               <a:ln>
@@ -2910,7 +2906,7 @@
                 <a:tabLst/>
                 <a:defRPr/>
               </a:pPr>
-              <a:t>05/11/2023</a:t>
+              <a:t>31/12/2023</a:t>
             </a:fld>
             <a:endParaRPr kumimoji="0" lang="fr-FR" sz="1200" b="0" i="0" u="none" strike="noStrike" kern="1200" cap="none" spc="0" normalizeH="0" baseline="0" noProof="0">
               <a:ln>
@@ -3165,7 +3161,7 @@
                 <a:tabLst/>
                 <a:defRPr/>
               </a:pPr>
-              <a:t>05/11/2023</a:t>
+              <a:t>31/12/2023</a:t>
             </a:fld>
             <a:endParaRPr kumimoji="0" lang="fr-FR" sz="1200" b="0" i="0" u="none" strike="noStrike" kern="1200" cap="none" spc="0" normalizeH="0" baseline="0" noProof="0">
               <a:ln>
@@ -3602,7 +3598,7 @@
                 <a:tabLst/>
                 <a:defRPr/>
               </a:pPr>
-              <a:t>05/11/2023</a:t>
+              <a:t>31/12/2023</a:t>
             </a:fld>
             <a:endParaRPr kumimoji="0" lang="fr-FR" sz="1200" b="0" i="0" u="none" strike="noStrike" kern="1200" cap="none" spc="0" normalizeH="0" baseline="0" noProof="0">
               <a:ln>
@@ -4019,7 +4015,7 @@
                 <a:tabLst/>
                 <a:defRPr/>
               </a:pPr>
-              <a:t>05/11/2023</a:t>
+              <a:t>31/12/2023</a:t>
             </a:fld>
             <a:endParaRPr kumimoji="0" lang="fr-FR" sz="1200" b="0" i="0" u="none" strike="noStrike" kern="1200" cap="none" spc="0" normalizeH="0" baseline="0" noProof="0">
               <a:ln>
@@ -4402,7 +4398,7 @@
                 <a:tabLst/>
                 <a:defRPr/>
               </a:pPr>
-              <a:t>05/11/2023</a:t>
+              <a:t>31/12/2023</a:t>
             </a:fld>
             <a:endParaRPr kumimoji="0" lang="fr-FR" sz="1200" b="0" i="0" u="none" strike="noStrike" kern="1200" cap="none" spc="0" normalizeH="0" baseline="0" noProof="0">
               <a:ln>
@@ -4960,26 +4956,26 @@
               </a:lnSpc>
               <a:defRPr sz="18500">
                 <a:solidFill>
-                  <a:srgbClr val="FFFF00"/>
+                  <a:srgbClr val="FFFFFF"/>
                 </a:solidFill>
                 <a:latin typeface="Alégre Sans NC"/>
               </a:defRPr>
             </a:pPr>
             <a:r>
-              <a:t>Lioka </a:t>
+              <a:t>Salamo </a:t>
             </a:r>
           </a:p>
           <a:p>
             <a:pPr>
               <a:defRPr sz="18500">
                 <a:solidFill>
-                  <a:srgbClr val="FFFF00"/>
+                  <a:srgbClr val="FFFFFF"/>
                 </a:solidFill>
                 <a:latin typeface="Alégre Sans NC"/>
               </a:defRPr>
             </a:pPr>
             <a:r>
-              <a:t>1 : 5</a:t>
+              <a:t>2 : 2</a:t>
             </a:r>
           </a:p>
         </p:txBody>
@@ -5032,7 +5028,7 @@
               </a:defRPr>
             </a:pPr>
             <a:r>
-              <a:t>5 Tamin'ny andron'i Heroda,</a:t>
+              <a:t>2 Ireo mpanjakan'ny tany mitsangana,</a:t>
             </a:r>
           </a:p>
         </p:txBody>
@@ -5080,199 +5076,7 @@
               </a:defRPr>
             </a:pPr>
             <a:r>
-              <a:t> mpanjakan'i Jodia,</a:t>
-            </a:r>
-          </a:p>
-        </p:txBody>
-      </p:sp>
-    </p:spTree>
-  </p:cSld>
-  <p:clrMapOvr>
-    <a:masterClrMapping/>
-  </p:clrMapOvr>
-</p:sld>
-</file>
-
-<file path=ppt/slides/slide4.xml><?xml version="1.0" encoding="utf-8"?>
-<p:sld xmlns:a="http://schemas.openxmlformats.org/drawingml/2006/main" xmlns:p="http://schemas.openxmlformats.org/presentationml/2006/main" xmlns:r="http://schemas.openxmlformats.org/officeDocument/2006/relationships">
-  <p:cSld>
-    <p:spTree>
-      <p:nvGrpSpPr>
-        <p:cNvPr id="1" name=""/>
-        <p:cNvGrpSpPr/>
-        <p:nvPr/>
-      </p:nvGrpSpPr>
-      <p:grpSpPr/>
-      <p:sp>
-        <p:nvSpPr>
-          <p:cNvPr id="2" name="Title 1"/>
-          <p:cNvSpPr>
-            <a:spLocks noGrp="1"/>
-          </p:cNvSpPr>
-          <p:nvPr>
-            <p:ph type="title"/>
-          </p:nvPr>
-        </p:nvSpPr>
-        <p:spPr>
-          <a:xfrm>
-            <a:ext cx="9144000" cy="6858000"/>
-          </a:xfrm>
-        </p:spPr>
-        <p:txBody>
-          <a:bodyPr/>
-          <a:lstStyle/>
-          <a:p>
-            <a:pPr algn="ctr">
-              <a:defRPr sz="8000">
-                <a:latin typeface="Helvetica Inserat LT Std"/>
-              </a:defRPr>
-            </a:pPr>
-            <a:r>
-              <a:t> nisy mpisorona anankiray atao hoe Zakaria,</a:t>
-            </a:r>
-          </a:p>
-        </p:txBody>
-      </p:sp>
-    </p:spTree>
-  </p:cSld>
-  <p:clrMapOvr>
-    <a:masterClrMapping/>
-  </p:clrMapOvr>
-</p:sld>
-</file>
-
-<file path=ppt/slides/slide5.xml><?xml version="1.0" encoding="utf-8"?>
-<p:sld xmlns:a="http://schemas.openxmlformats.org/drawingml/2006/main" xmlns:p="http://schemas.openxmlformats.org/presentationml/2006/main" xmlns:r="http://schemas.openxmlformats.org/officeDocument/2006/relationships">
-  <p:cSld>
-    <p:spTree>
-      <p:nvGrpSpPr>
-        <p:cNvPr id="1" name=""/>
-        <p:cNvGrpSpPr/>
-        <p:nvPr/>
-      </p:nvGrpSpPr>
-      <p:grpSpPr/>
-      <p:sp>
-        <p:nvSpPr>
-          <p:cNvPr id="2" name="Title 1"/>
-          <p:cNvSpPr>
-            <a:spLocks noGrp="1"/>
-          </p:cNvSpPr>
-          <p:nvPr>
-            <p:ph type="title"/>
-          </p:nvPr>
-        </p:nvSpPr>
-        <p:spPr>
-          <a:xfrm>
-            <a:ext cx="9144000" cy="6858000"/>
-          </a:xfrm>
-        </p:spPr>
-        <p:txBody>
-          <a:bodyPr/>
-          <a:lstStyle/>
-          <a:p>
-            <a:pPr algn="ctr">
-              <a:defRPr sz="8000">
-                <a:latin typeface="Helvetica Inserat LT Std"/>
-              </a:defRPr>
-            </a:pPr>
-            <a:r>
-              <a:t> isan'ny antokon'i Abia;</a:t>
-            </a:r>
-          </a:p>
-        </p:txBody>
-      </p:sp>
-    </p:spTree>
-  </p:cSld>
-  <p:clrMapOvr>
-    <a:masterClrMapping/>
-  </p:clrMapOvr>
-</p:sld>
-</file>
-
-<file path=ppt/slides/slide6.xml><?xml version="1.0" encoding="utf-8"?>
-<p:sld xmlns:a="http://schemas.openxmlformats.org/drawingml/2006/main" xmlns:p="http://schemas.openxmlformats.org/presentationml/2006/main" xmlns:r="http://schemas.openxmlformats.org/officeDocument/2006/relationships">
-  <p:cSld>
-    <p:spTree>
-      <p:nvGrpSpPr>
-        <p:cNvPr id="1" name=""/>
-        <p:cNvGrpSpPr/>
-        <p:nvPr/>
-      </p:nvGrpSpPr>
-      <p:grpSpPr/>
-      <p:sp>
-        <p:nvSpPr>
-          <p:cNvPr id="2" name="Title 1"/>
-          <p:cNvSpPr>
-            <a:spLocks noGrp="1"/>
-          </p:cNvSpPr>
-          <p:nvPr>
-            <p:ph type="title"/>
-          </p:nvPr>
-        </p:nvSpPr>
-        <p:spPr>
-          <a:xfrm>
-            <a:ext cx="9144000" cy="6858000"/>
-          </a:xfrm>
-        </p:spPr>
-        <p:txBody>
-          <a:bodyPr/>
-          <a:lstStyle/>
-          <a:p>
-            <a:pPr algn="ctr">
-              <a:defRPr sz="8000">
-                <a:latin typeface="Helvetica Inserat LT Std"/>
-              </a:defRPr>
-            </a:pPr>
-            <a:r>
-              <a:t> ary ny vadiny dia avy tamin'ny taranak'i Arona,</a:t>
-            </a:r>
-          </a:p>
-        </p:txBody>
-      </p:sp>
-    </p:spTree>
-  </p:cSld>
-  <p:clrMapOvr>
-    <a:masterClrMapping/>
-  </p:clrMapOvr>
-</p:sld>
-</file>
-
-<file path=ppt/slides/slide7.xml><?xml version="1.0" encoding="utf-8"?>
-<p:sld xmlns:a="http://schemas.openxmlformats.org/drawingml/2006/main" xmlns:p="http://schemas.openxmlformats.org/presentationml/2006/main" xmlns:r="http://schemas.openxmlformats.org/officeDocument/2006/relationships">
-  <p:cSld>
-    <p:spTree>
-      <p:nvGrpSpPr>
-        <p:cNvPr id="1" name=""/>
-        <p:cNvGrpSpPr/>
-        <p:nvPr/>
-      </p:nvGrpSpPr>
-      <p:grpSpPr/>
-      <p:sp>
-        <p:nvSpPr>
-          <p:cNvPr id="2" name="Title 1"/>
-          <p:cNvSpPr>
-            <a:spLocks noGrp="1"/>
-          </p:cNvSpPr>
-          <p:nvPr>
-            <p:ph type="title"/>
-          </p:nvPr>
-        </p:nvSpPr>
-        <p:spPr>
-          <a:xfrm>
-            <a:ext cx="9144000" cy="6858000"/>
-          </a:xfrm>
-        </p:spPr>
-        <p:txBody>
-          <a:bodyPr/>
-          <a:lstStyle/>
-          <a:p>
-            <a:pPr algn="ctr">
-              <a:defRPr sz="8000">
-                <a:latin typeface="Helvetica Inserat LT Std"/>
-              </a:defRPr>
-            </a:pPr>
-            <a:r>
-              <a:t> Elizabeta no anarany.</a:t>
+              <a:t> Ary ny mpanapaka miara-mioko hanohitra an'i Jehovah sy ny Mesiany ka manao hoe:</a:t>
             </a:r>
           </a:p>
         </p:txBody>
